--- a/로그인구현도.pptx
+++ b/로그인구현도.pptx
@@ -6,6 +6,9 @@
   </p:sldMasterIdLst>
   <p:sldIdLst>
     <p:sldId id="256" r:id="rId2"/>
+    <p:sldId id="257" r:id="rId3"/>
+    <p:sldId id="258" r:id="rId4"/>
+    <p:sldId id="259" r:id="rId5"/>
   </p:sldIdLst>
   <p:sldSz cx="12192000" cy="6858000"/>
   <p:notesSz cx="6858000" cy="9144000"/>
@@ -104,6 +107,11 @@
       </a:defRPr>
     </a:lvl9pPr>
   </p:defaultTextStyle>
+  <p:extLst>
+    <p:ext uri="{EFAFB233-063F-42B5-8137-9DF3F51BA10A}">
+      <p15:sldGuideLst xmlns:p15="http://schemas.microsoft.com/office/powerpoint/2012/main"/>
+    </p:ext>
+  </p:extLst>
 </p:presentation>
 </file>
 
@@ -254,7 +262,7 @@
           <a:p>
             <a:fld id="{77134752-D20B-424A-8306-D549258A6D51}" type="datetimeFigureOut">
               <a:rPr lang="ko-KR" altLang="en-US" smtClean="0"/>
-              <a:t>2022-11-21</a:t>
+              <a:t>2022-11-22</a:t>
             </a:fld>
             <a:endParaRPr lang="ko-KR" altLang="en-US"/>
           </a:p>
@@ -452,7 +460,7 @@
           <a:p>
             <a:fld id="{77134752-D20B-424A-8306-D549258A6D51}" type="datetimeFigureOut">
               <a:rPr lang="ko-KR" altLang="en-US" smtClean="0"/>
-              <a:t>2022-11-21</a:t>
+              <a:t>2022-11-22</a:t>
             </a:fld>
             <a:endParaRPr lang="ko-KR" altLang="en-US"/>
           </a:p>
@@ -660,7 +668,7 @@
           <a:p>
             <a:fld id="{77134752-D20B-424A-8306-D549258A6D51}" type="datetimeFigureOut">
               <a:rPr lang="ko-KR" altLang="en-US" smtClean="0"/>
-              <a:t>2022-11-21</a:t>
+              <a:t>2022-11-22</a:t>
             </a:fld>
             <a:endParaRPr lang="ko-KR" altLang="en-US"/>
           </a:p>
@@ -858,7 +866,7 @@
           <a:p>
             <a:fld id="{77134752-D20B-424A-8306-D549258A6D51}" type="datetimeFigureOut">
               <a:rPr lang="ko-KR" altLang="en-US" smtClean="0"/>
-              <a:t>2022-11-21</a:t>
+              <a:t>2022-11-22</a:t>
             </a:fld>
             <a:endParaRPr lang="ko-KR" altLang="en-US"/>
           </a:p>
@@ -1133,7 +1141,7 @@
           <a:p>
             <a:fld id="{77134752-D20B-424A-8306-D549258A6D51}" type="datetimeFigureOut">
               <a:rPr lang="ko-KR" altLang="en-US" smtClean="0"/>
-              <a:t>2022-11-21</a:t>
+              <a:t>2022-11-22</a:t>
             </a:fld>
             <a:endParaRPr lang="ko-KR" altLang="en-US"/>
           </a:p>
@@ -1398,7 +1406,7 @@
           <a:p>
             <a:fld id="{77134752-D20B-424A-8306-D549258A6D51}" type="datetimeFigureOut">
               <a:rPr lang="ko-KR" altLang="en-US" smtClean="0"/>
-              <a:t>2022-11-21</a:t>
+              <a:t>2022-11-22</a:t>
             </a:fld>
             <a:endParaRPr lang="ko-KR" altLang="en-US"/>
           </a:p>
@@ -1810,7 +1818,7 @@
           <a:p>
             <a:fld id="{77134752-D20B-424A-8306-D549258A6D51}" type="datetimeFigureOut">
               <a:rPr lang="ko-KR" altLang="en-US" smtClean="0"/>
-              <a:t>2022-11-21</a:t>
+              <a:t>2022-11-22</a:t>
             </a:fld>
             <a:endParaRPr lang="ko-KR" altLang="en-US"/>
           </a:p>
@@ -1951,7 +1959,7 @@
           <a:p>
             <a:fld id="{77134752-D20B-424A-8306-D549258A6D51}" type="datetimeFigureOut">
               <a:rPr lang="ko-KR" altLang="en-US" smtClean="0"/>
-              <a:t>2022-11-21</a:t>
+              <a:t>2022-11-22</a:t>
             </a:fld>
             <a:endParaRPr lang="ko-KR" altLang="en-US"/>
           </a:p>
@@ -2064,7 +2072,7 @@
           <a:p>
             <a:fld id="{77134752-D20B-424A-8306-D549258A6D51}" type="datetimeFigureOut">
               <a:rPr lang="ko-KR" altLang="en-US" smtClean="0"/>
-              <a:t>2022-11-21</a:t>
+              <a:t>2022-11-22</a:t>
             </a:fld>
             <a:endParaRPr lang="ko-KR" altLang="en-US"/>
           </a:p>
@@ -2375,7 +2383,7 @@
           <a:p>
             <a:fld id="{77134752-D20B-424A-8306-D549258A6D51}" type="datetimeFigureOut">
               <a:rPr lang="ko-KR" altLang="en-US" smtClean="0"/>
-              <a:t>2022-11-21</a:t>
+              <a:t>2022-11-22</a:t>
             </a:fld>
             <a:endParaRPr lang="ko-KR" altLang="en-US"/>
           </a:p>
@@ -2663,7 +2671,7 @@
           <a:p>
             <a:fld id="{77134752-D20B-424A-8306-D549258A6D51}" type="datetimeFigureOut">
               <a:rPr lang="ko-KR" altLang="en-US" smtClean="0"/>
-              <a:t>2022-11-21</a:t>
+              <a:t>2022-11-22</a:t>
             </a:fld>
             <a:endParaRPr lang="ko-KR" altLang="en-US"/>
           </a:p>
@@ -2904,7 +2912,7 @@
           <a:p>
             <a:fld id="{77134752-D20B-424A-8306-D549258A6D51}" type="datetimeFigureOut">
               <a:rPr lang="ko-KR" altLang="en-US" smtClean="0"/>
-              <a:t>2022-11-21</a:t>
+              <a:t>2022-11-22</a:t>
             </a:fld>
             <a:endParaRPr lang="ko-KR" altLang="en-US"/>
           </a:p>
@@ -4215,7 +4223,7 @@
           <a:p>
             <a:r>
               <a:rPr lang="ko-KR" altLang="en-US" sz="3200" b="1" dirty="0"/>
-              <a:t>로그인 구현도</a:t>
+              <a:t>로그인</a:t>
             </a:r>
           </a:p>
         </p:txBody>
@@ -4224,6 +4232,5653 @@
     <p:extLst>
       <p:ext uri="{BB962C8B-B14F-4D97-AF65-F5344CB8AC3E}">
         <p14:creationId xmlns:p14="http://schemas.microsoft.com/office/powerpoint/2010/main" val="3742545083"/>
+      </p:ext>
+    </p:extLst>
+  </p:cSld>
+  <p:clrMapOvr>
+    <a:masterClrMapping/>
+  </p:clrMapOvr>
+</p:sld>
+</file>
+
+<file path=ppt/slides/slide2.xml><?xml version="1.0" encoding="utf-8"?>
+<p:sld xmlns:a="http://schemas.openxmlformats.org/drawingml/2006/main" xmlns:r="http://schemas.openxmlformats.org/officeDocument/2006/relationships" xmlns:p="http://schemas.openxmlformats.org/presentationml/2006/main">
+  <p:cSld>
+    <p:bg>
+      <p:bgPr>
+        <a:solidFill>
+          <a:schemeClr val="accent6">
+            <a:lumMod val="20000"/>
+            <a:lumOff val="80000"/>
+          </a:schemeClr>
+        </a:solidFill>
+        <a:effectLst/>
+      </p:bgPr>
+    </p:bg>
+    <p:spTree>
+      <p:nvGrpSpPr>
+        <p:cNvPr id="1" name=""/>
+        <p:cNvGrpSpPr/>
+        <p:nvPr/>
+      </p:nvGrpSpPr>
+      <p:grpSpPr>
+        <a:xfrm>
+          <a:off x="0" y="0"/>
+          <a:ext cx="0" cy="0"/>
+          <a:chOff x="0" y="0"/>
+          <a:chExt cx="0" cy="0"/>
+        </a:xfrm>
+      </p:grpSpPr>
+      <p:sp>
+        <p:nvSpPr>
+          <p:cNvPr id="6" name="직사각형 5">
+            <a:extLst>
+              <a:ext uri="{FF2B5EF4-FFF2-40B4-BE49-F238E27FC236}">
+                <a16:creationId xmlns:a16="http://schemas.microsoft.com/office/drawing/2014/main" id="{DAEB0A26-70FE-572E-BEC6-4D475017D82C}"/>
+              </a:ext>
+            </a:extLst>
+          </p:cNvPr>
+          <p:cNvSpPr/>
+          <p:nvPr/>
+        </p:nvSpPr>
+        <p:spPr>
+          <a:xfrm>
+            <a:off x="506394" y="2082643"/>
+            <a:ext cx="1228952" cy="2184793"/>
+          </a:xfrm>
+          <a:prstGeom prst="rect">
+            <a:avLst/>
+          </a:prstGeom>
+          <a:solidFill>
+            <a:schemeClr val="accent5">
+              <a:lumMod val="60000"/>
+              <a:lumOff val="40000"/>
+            </a:schemeClr>
+          </a:solidFill>
+        </p:spPr>
+        <p:style>
+          <a:lnRef idx="2">
+            <a:schemeClr val="accent1">
+              <a:shade val="50000"/>
+            </a:schemeClr>
+          </a:lnRef>
+          <a:fillRef idx="1">
+            <a:schemeClr val="accent1"/>
+          </a:fillRef>
+          <a:effectRef idx="0">
+            <a:schemeClr val="accent1"/>
+          </a:effectRef>
+          <a:fontRef idx="minor">
+            <a:schemeClr val="lt1"/>
+          </a:fontRef>
+        </p:style>
+        <p:txBody>
+          <a:bodyPr rtlCol="0" anchor="ctr"/>
+          <a:lstStyle/>
+          <a:p>
+            <a:pPr algn="ctr"/>
+            <a:endParaRPr lang="ko-KR" altLang="en-US"/>
+          </a:p>
+        </p:txBody>
+      </p:sp>
+      <p:sp>
+        <p:nvSpPr>
+          <p:cNvPr id="9" name="TextBox 8">
+            <a:extLst>
+              <a:ext uri="{FF2B5EF4-FFF2-40B4-BE49-F238E27FC236}">
+                <a16:creationId xmlns:a16="http://schemas.microsoft.com/office/drawing/2014/main" id="{CA66C5E4-BF81-6A97-5688-6EC01ED41A52}"/>
+              </a:ext>
+            </a:extLst>
+          </p:cNvPr>
+          <p:cNvSpPr txBox="1"/>
+          <p:nvPr/>
+        </p:nvSpPr>
+        <p:spPr>
+          <a:xfrm>
+            <a:off x="604540" y="2974985"/>
+            <a:ext cx="1032661" cy="400110"/>
+          </a:xfrm>
+          <a:prstGeom prst="rect">
+            <a:avLst/>
+          </a:prstGeom>
+          <a:noFill/>
+        </p:spPr>
+        <p:txBody>
+          <a:bodyPr wrap="square" rtlCol="0">
+            <a:spAutoFit/>
+          </a:bodyPr>
+          <a:lstStyle/>
+          <a:p>
+            <a:r>
+              <a:rPr lang="ko-KR" altLang="en-US" sz="2000" b="1" dirty="0"/>
+              <a:t>사용자</a:t>
+            </a:r>
+          </a:p>
+        </p:txBody>
+      </p:sp>
+      <p:sp>
+        <p:nvSpPr>
+          <p:cNvPr id="16" name="TextBox 15">
+            <a:extLst>
+              <a:ext uri="{FF2B5EF4-FFF2-40B4-BE49-F238E27FC236}">
+                <a16:creationId xmlns:a16="http://schemas.microsoft.com/office/drawing/2014/main" id="{5AD063E9-2218-BDCE-A748-4823A8854A4B}"/>
+              </a:ext>
+            </a:extLst>
+          </p:cNvPr>
+          <p:cNvSpPr txBox="1"/>
+          <p:nvPr/>
+        </p:nvSpPr>
+        <p:spPr>
+          <a:xfrm>
+            <a:off x="2203163" y="2798571"/>
+            <a:ext cx="722844" cy="307777"/>
+          </a:xfrm>
+          <a:prstGeom prst="rect">
+            <a:avLst/>
+          </a:prstGeom>
+          <a:noFill/>
+        </p:spPr>
+        <p:txBody>
+          <a:bodyPr wrap="square" rtlCol="0">
+            <a:spAutoFit/>
+          </a:bodyPr>
+          <a:lstStyle/>
+          <a:p>
+            <a:r>
+              <a:rPr lang="ko-KR" altLang="en-US" sz="1400" dirty="0"/>
+              <a:t>요청</a:t>
+            </a:r>
+          </a:p>
+        </p:txBody>
+      </p:sp>
+      <p:sp>
+        <p:nvSpPr>
+          <p:cNvPr id="2" name="직사각형 1">
+            <a:extLst>
+              <a:ext uri="{FF2B5EF4-FFF2-40B4-BE49-F238E27FC236}">
+                <a16:creationId xmlns:a16="http://schemas.microsoft.com/office/drawing/2014/main" id="{18E3425B-D7F0-85AC-542E-FF314B91BA47}"/>
+              </a:ext>
+            </a:extLst>
+          </p:cNvPr>
+          <p:cNvSpPr/>
+          <p:nvPr/>
+        </p:nvSpPr>
+        <p:spPr>
+          <a:xfrm>
+            <a:off x="3239329" y="1628066"/>
+            <a:ext cx="1349489" cy="752938"/>
+          </a:xfrm>
+          <a:prstGeom prst="rect">
+            <a:avLst/>
+          </a:prstGeom>
+          <a:solidFill>
+            <a:schemeClr val="accent5">
+              <a:lumMod val="60000"/>
+              <a:lumOff val="40000"/>
+            </a:schemeClr>
+          </a:solidFill>
+        </p:spPr>
+        <p:style>
+          <a:lnRef idx="2">
+            <a:schemeClr val="accent1">
+              <a:shade val="50000"/>
+            </a:schemeClr>
+          </a:lnRef>
+          <a:fillRef idx="1">
+            <a:schemeClr val="accent1"/>
+          </a:fillRef>
+          <a:effectRef idx="0">
+            <a:schemeClr val="accent1"/>
+          </a:effectRef>
+          <a:fontRef idx="minor">
+            <a:schemeClr val="lt1"/>
+          </a:fontRef>
+        </p:style>
+        <p:txBody>
+          <a:bodyPr rtlCol="0" anchor="ctr"/>
+          <a:lstStyle/>
+          <a:p>
+            <a:pPr algn="ctr"/>
+            <a:endParaRPr lang="ko-KR" altLang="en-US"/>
+          </a:p>
+        </p:txBody>
+      </p:sp>
+      <p:sp>
+        <p:nvSpPr>
+          <p:cNvPr id="3" name="TextBox 2">
+            <a:extLst>
+              <a:ext uri="{FF2B5EF4-FFF2-40B4-BE49-F238E27FC236}">
+                <a16:creationId xmlns:a16="http://schemas.microsoft.com/office/drawing/2014/main" id="{DC9BFEAE-6169-7157-E812-E027D66F1ADF}"/>
+              </a:ext>
+            </a:extLst>
+          </p:cNvPr>
+          <p:cNvSpPr txBox="1"/>
+          <p:nvPr/>
+        </p:nvSpPr>
+        <p:spPr>
+          <a:xfrm>
+            <a:off x="3387186" y="1866035"/>
+            <a:ext cx="1201632" cy="276999"/>
+          </a:xfrm>
+          <a:prstGeom prst="rect">
+            <a:avLst/>
+          </a:prstGeom>
+          <a:noFill/>
+        </p:spPr>
+        <p:txBody>
+          <a:bodyPr wrap="square" rtlCol="0">
+            <a:spAutoFit/>
+          </a:bodyPr>
+          <a:lstStyle/>
+          <a:p>
+            <a:r>
+              <a:rPr lang="ko-KR" altLang="en-US" sz="1200" b="1" dirty="0"/>
+              <a:t>회원가입화면</a:t>
+            </a:r>
+          </a:p>
+        </p:txBody>
+      </p:sp>
+      <p:sp>
+        <p:nvSpPr>
+          <p:cNvPr id="12" name="직사각형 11">
+            <a:extLst>
+              <a:ext uri="{FF2B5EF4-FFF2-40B4-BE49-F238E27FC236}">
+                <a16:creationId xmlns:a16="http://schemas.microsoft.com/office/drawing/2014/main" id="{4164C94E-39A3-42DD-D766-00F56EDE0EF0}"/>
+              </a:ext>
+            </a:extLst>
+          </p:cNvPr>
+          <p:cNvSpPr/>
+          <p:nvPr/>
+        </p:nvSpPr>
+        <p:spPr>
+          <a:xfrm>
+            <a:off x="5522137" y="1628066"/>
+            <a:ext cx="1349489" cy="752938"/>
+          </a:xfrm>
+          <a:prstGeom prst="rect">
+            <a:avLst/>
+          </a:prstGeom>
+          <a:solidFill>
+            <a:schemeClr val="accent5">
+              <a:lumMod val="60000"/>
+              <a:lumOff val="40000"/>
+            </a:schemeClr>
+          </a:solidFill>
+        </p:spPr>
+        <p:style>
+          <a:lnRef idx="2">
+            <a:schemeClr val="accent1">
+              <a:shade val="50000"/>
+            </a:schemeClr>
+          </a:lnRef>
+          <a:fillRef idx="1">
+            <a:schemeClr val="accent1"/>
+          </a:fillRef>
+          <a:effectRef idx="0">
+            <a:schemeClr val="accent1"/>
+          </a:effectRef>
+          <a:fontRef idx="minor">
+            <a:schemeClr val="lt1"/>
+          </a:fontRef>
+        </p:style>
+        <p:txBody>
+          <a:bodyPr rtlCol="0" anchor="ctr"/>
+          <a:lstStyle/>
+          <a:p>
+            <a:pPr algn="ctr"/>
+            <a:endParaRPr lang="ko-KR" altLang="en-US"/>
+          </a:p>
+        </p:txBody>
+      </p:sp>
+      <p:sp>
+        <p:nvSpPr>
+          <p:cNvPr id="13" name="TextBox 12">
+            <a:extLst>
+              <a:ext uri="{FF2B5EF4-FFF2-40B4-BE49-F238E27FC236}">
+                <a16:creationId xmlns:a16="http://schemas.microsoft.com/office/drawing/2014/main" id="{FA0D80AD-D7C4-6613-B94F-9E9B1B5B0740}"/>
+              </a:ext>
+            </a:extLst>
+          </p:cNvPr>
+          <p:cNvSpPr txBox="1"/>
+          <p:nvPr/>
+        </p:nvSpPr>
+        <p:spPr>
+          <a:xfrm>
+            <a:off x="5669994" y="1776970"/>
+            <a:ext cx="1201632" cy="461665"/>
+          </a:xfrm>
+          <a:prstGeom prst="rect">
+            <a:avLst/>
+          </a:prstGeom>
+          <a:noFill/>
+        </p:spPr>
+        <p:txBody>
+          <a:bodyPr wrap="square" rtlCol="0">
+            <a:spAutoFit/>
+          </a:bodyPr>
+          <a:lstStyle/>
+          <a:p>
+            <a:r>
+              <a:rPr lang="ko-KR" altLang="en-US" sz="1200" b="1" dirty="0"/>
+              <a:t>입력정보 확인</a:t>
+            </a:r>
+            <a:endParaRPr lang="en-US" altLang="ko-KR" sz="1200" b="1" dirty="0"/>
+          </a:p>
+          <a:p>
+            <a:r>
+              <a:rPr lang="en-US" altLang="ko-KR" sz="1200" b="1" dirty="0"/>
+              <a:t>Ex. ID</a:t>
+            </a:r>
+            <a:r>
+              <a:rPr lang="ko-KR" altLang="en-US" sz="1200" b="1" dirty="0"/>
+              <a:t>중복 등</a:t>
+            </a:r>
+          </a:p>
+        </p:txBody>
+      </p:sp>
+      <p:sp>
+        <p:nvSpPr>
+          <p:cNvPr id="14" name="직사각형 13">
+            <a:extLst>
+              <a:ext uri="{FF2B5EF4-FFF2-40B4-BE49-F238E27FC236}">
+                <a16:creationId xmlns:a16="http://schemas.microsoft.com/office/drawing/2014/main" id="{55D15C13-A4A7-AD45-3FEA-F4E53C8C7B99}"/>
+              </a:ext>
+            </a:extLst>
+          </p:cNvPr>
+          <p:cNvSpPr/>
+          <p:nvPr/>
+        </p:nvSpPr>
+        <p:spPr>
+          <a:xfrm>
+            <a:off x="7738098" y="1628066"/>
+            <a:ext cx="1349489" cy="752938"/>
+          </a:xfrm>
+          <a:prstGeom prst="rect">
+            <a:avLst/>
+          </a:prstGeom>
+          <a:solidFill>
+            <a:schemeClr val="accent5">
+              <a:lumMod val="60000"/>
+              <a:lumOff val="40000"/>
+            </a:schemeClr>
+          </a:solidFill>
+        </p:spPr>
+        <p:style>
+          <a:lnRef idx="2">
+            <a:schemeClr val="accent1">
+              <a:shade val="50000"/>
+            </a:schemeClr>
+          </a:lnRef>
+          <a:fillRef idx="1">
+            <a:schemeClr val="accent1"/>
+          </a:fillRef>
+          <a:effectRef idx="0">
+            <a:schemeClr val="accent1"/>
+          </a:effectRef>
+          <a:fontRef idx="minor">
+            <a:schemeClr val="lt1"/>
+          </a:fontRef>
+        </p:style>
+        <p:txBody>
+          <a:bodyPr rtlCol="0" anchor="ctr"/>
+          <a:lstStyle/>
+          <a:p>
+            <a:pPr algn="ctr"/>
+            <a:endParaRPr lang="ko-KR" altLang="en-US"/>
+          </a:p>
+        </p:txBody>
+      </p:sp>
+      <p:sp>
+        <p:nvSpPr>
+          <p:cNvPr id="17" name="TextBox 16">
+            <a:extLst>
+              <a:ext uri="{FF2B5EF4-FFF2-40B4-BE49-F238E27FC236}">
+                <a16:creationId xmlns:a16="http://schemas.microsoft.com/office/drawing/2014/main" id="{B6C20147-F40B-59E2-0563-2C0B9D29F7F6}"/>
+              </a:ext>
+            </a:extLst>
+          </p:cNvPr>
+          <p:cNvSpPr txBox="1"/>
+          <p:nvPr/>
+        </p:nvSpPr>
+        <p:spPr>
+          <a:xfrm>
+            <a:off x="7885955" y="1866035"/>
+            <a:ext cx="1201632" cy="276999"/>
+          </a:xfrm>
+          <a:prstGeom prst="rect">
+            <a:avLst/>
+          </a:prstGeom>
+          <a:noFill/>
+        </p:spPr>
+        <p:txBody>
+          <a:bodyPr wrap="square" rtlCol="0">
+            <a:spAutoFit/>
+          </a:bodyPr>
+          <a:lstStyle/>
+          <a:p>
+            <a:r>
+              <a:rPr lang="ko-KR" altLang="en-US" sz="1200" b="1" dirty="0"/>
+              <a:t>가입완료 화면</a:t>
+            </a:r>
+          </a:p>
+        </p:txBody>
+      </p:sp>
+      <p:sp>
+        <p:nvSpPr>
+          <p:cNvPr id="19" name="원통형 18">
+            <a:extLst>
+              <a:ext uri="{FF2B5EF4-FFF2-40B4-BE49-F238E27FC236}">
+                <a16:creationId xmlns:a16="http://schemas.microsoft.com/office/drawing/2014/main" id="{9CAB8FE3-40AE-0CEA-1C7B-2FFAE84A62F1}"/>
+              </a:ext>
+            </a:extLst>
+          </p:cNvPr>
+          <p:cNvSpPr/>
+          <p:nvPr/>
+        </p:nvSpPr>
+        <p:spPr>
+          <a:xfrm>
+            <a:off x="10531243" y="2536589"/>
+            <a:ext cx="1003610" cy="1338147"/>
+          </a:xfrm>
+          <a:prstGeom prst="can">
+            <a:avLst/>
+          </a:prstGeom>
+          <a:solidFill>
+            <a:schemeClr val="accent4">
+              <a:lumMod val="60000"/>
+              <a:lumOff val="40000"/>
+            </a:schemeClr>
+          </a:solidFill>
+        </p:spPr>
+        <p:style>
+          <a:lnRef idx="2">
+            <a:schemeClr val="accent1">
+              <a:shade val="50000"/>
+            </a:schemeClr>
+          </a:lnRef>
+          <a:fillRef idx="1">
+            <a:schemeClr val="accent1"/>
+          </a:fillRef>
+          <a:effectRef idx="0">
+            <a:schemeClr val="accent1"/>
+          </a:effectRef>
+          <a:fontRef idx="minor">
+            <a:schemeClr val="lt1"/>
+          </a:fontRef>
+        </p:style>
+        <p:txBody>
+          <a:bodyPr rtlCol="0" anchor="ctr"/>
+          <a:lstStyle/>
+          <a:p>
+            <a:pPr algn="ctr"/>
+            <a:endParaRPr lang="ko-KR" altLang="en-US"/>
+          </a:p>
+        </p:txBody>
+      </p:sp>
+      <p:sp>
+        <p:nvSpPr>
+          <p:cNvPr id="20" name="TextBox 19">
+            <a:extLst>
+              <a:ext uri="{FF2B5EF4-FFF2-40B4-BE49-F238E27FC236}">
+                <a16:creationId xmlns:a16="http://schemas.microsoft.com/office/drawing/2014/main" id="{86B84CA7-1CD7-01FE-6EDB-4C59E9492786}"/>
+              </a:ext>
+            </a:extLst>
+          </p:cNvPr>
+          <p:cNvSpPr txBox="1"/>
+          <p:nvPr/>
+        </p:nvSpPr>
+        <p:spPr>
+          <a:xfrm>
+            <a:off x="10781386" y="3061450"/>
+            <a:ext cx="819302" cy="400110"/>
+          </a:xfrm>
+          <a:prstGeom prst="rect">
+            <a:avLst/>
+          </a:prstGeom>
+          <a:noFill/>
+        </p:spPr>
+        <p:txBody>
+          <a:bodyPr wrap="square" rtlCol="0">
+            <a:spAutoFit/>
+          </a:bodyPr>
+          <a:lstStyle/>
+          <a:p>
+            <a:r>
+              <a:rPr lang="en-US" altLang="ko-KR" sz="2000" b="1" dirty="0"/>
+              <a:t>DB</a:t>
+            </a:r>
+            <a:endParaRPr lang="ko-KR" altLang="en-US" sz="2000" b="1" dirty="0"/>
+          </a:p>
+        </p:txBody>
+      </p:sp>
+      <p:sp>
+        <p:nvSpPr>
+          <p:cNvPr id="22" name="직사각형 21">
+            <a:extLst>
+              <a:ext uri="{FF2B5EF4-FFF2-40B4-BE49-F238E27FC236}">
+                <a16:creationId xmlns:a16="http://schemas.microsoft.com/office/drawing/2014/main" id="{CAD336BE-5166-3512-B187-FECBCE173404}"/>
+              </a:ext>
+            </a:extLst>
+          </p:cNvPr>
+          <p:cNvSpPr/>
+          <p:nvPr/>
+        </p:nvSpPr>
+        <p:spPr>
+          <a:xfrm>
+            <a:off x="3239329" y="2780418"/>
+            <a:ext cx="1349489" cy="752938"/>
+          </a:xfrm>
+          <a:prstGeom prst="rect">
+            <a:avLst/>
+          </a:prstGeom>
+          <a:solidFill>
+            <a:schemeClr val="accent5">
+              <a:lumMod val="60000"/>
+              <a:lumOff val="40000"/>
+            </a:schemeClr>
+          </a:solidFill>
+        </p:spPr>
+        <p:style>
+          <a:lnRef idx="2">
+            <a:schemeClr val="accent1">
+              <a:shade val="50000"/>
+            </a:schemeClr>
+          </a:lnRef>
+          <a:fillRef idx="1">
+            <a:schemeClr val="accent1"/>
+          </a:fillRef>
+          <a:effectRef idx="0">
+            <a:schemeClr val="accent1"/>
+          </a:effectRef>
+          <a:fontRef idx="minor">
+            <a:schemeClr val="lt1"/>
+          </a:fontRef>
+        </p:style>
+        <p:txBody>
+          <a:bodyPr rtlCol="0" anchor="ctr"/>
+          <a:lstStyle/>
+          <a:p>
+            <a:pPr algn="ctr"/>
+            <a:endParaRPr lang="ko-KR" altLang="en-US"/>
+          </a:p>
+        </p:txBody>
+      </p:sp>
+      <p:sp>
+        <p:nvSpPr>
+          <p:cNvPr id="24" name="TextBox 23">
+            <a:extLst>
+              <a:ext uri="{FF2B5EF4-FFF2-40B4-BE49-F238E27FC236}">
+                <a16:creationId xmlns:a16="http://schemas.microsoft.com/office/drawing/2014/main" id="{2AEF0E3A-7658-4FD9-68A7-B8FCC4DDF28E}"/>
+              </a:ext>
+            </a:extLst>
+          </p:cNvPr>
+          <p:cNvSpPr txBox="1"/>
+          <p:nvPr/>
+        </p:nvSpPr>
+        <p:spPr>
+          <a:xfrm>
+            <a:off x="3420104" y="2919831"/>
+            <a:ext cx="1048177" cy="461665"/>
+          </a:xfrm>
+          <a:prstGeom prst="rect">
+            <a:avLst/>
+          </a:prstGeom>
+          <a:noFill/>
+        </p:spPr>
+        <p:txBody>
+          <a:bodyPr wrap="square" rtlCol="0">
+            <a:spAutoFit/>
+          </a:bodyPr>
+          <a:lstStyle/>
+          <a:p>
+            <a:r>
+              <a:rPr lang="ko-KR" altLang="en-US" sz="1200" b="1" dirty="0"/>
+              <a:t>회원 정보 </a:t>
+            </a:r>
+            <a:endParaRPr lang="en-US" altLang="ko-KR" sz="1200" b="1" dirty="0"/>
+          </a:p>
+          <a:p>
+            <a:r>
+              <a:rPr lang="ko-KR" altLang="en-US" sz="1200" b="1" dirty="0"/>
+              <a:t>수정 화면</a:t>
+            </a:r>
+          </a:p>
+        </p:txBody>
+      </p:sp>
+      <p:sp>
+        <p:nvSpPr>
+          <p:cNvPr id="25" name="직사각형 24">
+            <a:extLst>
+              <a:ext uri="{FF2B5EF4-FFF2-40B4-BE49-F238E27FC236}">
+                <a16:creationId xmlns:a16="http://schemas.microsoft.com/office/drawing/2014/main" id="{BA7574A1-4988-30B7-E30C-E279F14914A5}"/>
+              </a:ext>
+            </a:extLst>
+          </p:cNvPr>
+          <p:cNvSpPr/>
+          <p:nvPr/>
+        </p:nvSpPr>
+        <p:spPr>
+          <a:xfrm>
+            <a:off x="5522137" y="2780418"/>
+            <a:ext cx="1349489" cy="752938"/>
+          </a:xfrm>
+          <a:prstGeom prst="rect">
+            <a:avLst/>
+          </a:prstGeom>
+          <a:solidFill>
+            <a:schemeClr val="accent5">
+              <a:lumMod val="60000"/>
+              <a:lumOff val="40000"/>
+            </a:schemeClr>
+          </a:solidFill>
+        </p:spPr>
+        <p:style>
+          <a:lnRef idx="2">
+            <a:schemeClr val="accent1">
+              <a:shade val="50000"/>
+            </a:schemeClr>
+          </a:lnRef>
+          <a:fillRef idx="1">
+            <a:schemeClr val="accent1"/>
+          </a:fillRef>
+          <a:effectRef idx="0">
+            <a:schemeClr val="accent1"/>
+          </a:effectRef>
+          <a:fontRef idx="minor">
+            <a:schemeClr val="lt1"/>
+          </a:fontRef>
+        </p:style>
+        <p:txBody>
+          <a:bodyPr rtlCol="0" anchor="ctr"/>
+          <a:lstStyle/>
+          <a:p>
+            <a:pPr algn="ctr"/>
+            <a:endParaRPr lang="ko-KR" altLang="en-US"/>
+          </a:p>
+        </p:txBody>
+      </p:sp>
+      <p:sp>
+        <p:nvSpPr>
+          <p:cNvPr id="27" name="직사각형 26">
+            <a:extLst>
+              <a:ext uri="{FF2B5EF4-FFF2-40B4-BE49-F238E27FC236}">
+                <a16:creationId xmlns:a16="http://schemas.microsoft.com/office/drawing/2014/main" id="{4210828B-3A1A-2418-9B19-4BAB3175E506}"/>
+              </a:ext>
+            </a:extLst>
+          </p:cNvPr>
+          <p:cNvSpPr/>
+          <p:nvPr/>
+        </p:nvSpPr>
+        <p:spPr>
+          <a:xfrm>
+            <a:off x="7738098" y="2780418"/>
+            <a:ext cx="1349489" cy="752938"/>
+          </a:xfrm>
+          <a:prstGeom prst="rect">
+            <a:avLst/>
+          </a:prstGeom>
+          <a:solidFill>
+            <a:schemeClr val="accent5">
+              <a:lumMod val="60000"/>
+              <a:lumOff val="40000"/>
+            </a:schemeClr>
+          </a:solidFill>
+        </p:spPr>
+        <p:style>
+          <a:lnRef idx="2">
+            <a:schemeClr val="accent1">
+              <a:shade val="50000"/>
+            </a:schemeClr>
+          </a:lnRef>
+          <a:fillRef idx="1">
+            <a:schemeClr val="accent1"/>
+          </a:fillRef>
+          <a:effectRef idx="0">
+            <a:schemeClr val="accent1"/>
+          </a:effectRef>
+          <a:fontRef idx="minor">
+            <a:schemeClr val="lt1"/>
+          </a:fontRef>
+        </p:style>
+        <p:txBody>
+          <a:bodyPr rtlCol="0" anchor="ctr"/>
+          <a:lstStyle/>
+          <a:p>
+            <a:pPr algn="ctr"/>
+            <a:endParaRPr lang="ko-KR" altLang="en-US"/>
+          </a:p>
+        </p:txBody>
+      </p:sp>
+      <p:sp>
+        <p:nvSpPr>
+          <p:cNvPr id="28" name="TextBox 27">
+            <a:extLst>
+              <a:ext uri="{FF2B5EF4-FFF2-40B4-BE49-F238E27FC236}">
+                <a16:creationId xmlns:a16="http://schemas.microsoft.com/office/drawing/2014/main" id="{318B43BE-B188-2C03-DF0D-299B2F111B9B}"/>
+              </a:ext>
+            </a:extLst>
+          </p:cNvPr>
+          <p:cNvSpPr txBox="1"/>
+          <p:nvPr/>
+        </p:nvSpPr>
+        <p:spPr>
+          <a:xfrm>
+            <a:off x="7885955" y="3018387"/>
+            <a:ext cx="1201632" cy="276999"/>
+          </a:xfrm>
+          <a:prstGeom prst="rect">
+            <a:avLst/>
+          </a:prstGeom>
+          <a:noFill/>
+        </p:spPr>
+        <p:txBody>
+          <a:bodyPr wrap="square" rtlCol="0">
+            <a:spAutoFit/>
+          </a:bodyPr>
+          <a:lstStyle/>
+          <a:p>
+            <a:r>
+              <a:rPr lang="ko-KR" altLang="en-US" sz="1200" b="1" dirty="0"/>
+              <a:t>수정 처리</a:t>
+            </a:r>
+          </a:p>
+        </p:txBody>
+      </p:sp>
+      <p:sp>
+        <p:nvSpPr>
+          <p:cNvPr id="30" name="TextBox 29">
+            <a:extLst>
+              <a:ext uri="{FF2B5EF4-FFF2-40B4-BE49-F238E27FC236}">
+                <a16:creationId xmlns:a16="http://schemas.microsoft.com/office/drawing/2014/main" id="{39E5D676-56D5-73FE-44AD-C70716B506C5}"/>
+              </a:ext>
+            </a:extLst>
+          </p:cNvPr>
+          <p:cNvSpPr txBox="1"/>
+          <p:nvPr/>
+        </p:nvSpPr>
+        <p:spPr>
+          <a:xfrm>
+            <a:off x="5610493" y="2926053"/>
+            <a:ext cx="1201632" cy="461665"/>
+          </a:xfrm>
+          <a:prstGeom prst="rect">
+            <a:avLst/>
+          </a:prstGeom>
+          <a:noFill/>
+        </p:spPr>
+        <p:txBody>
+          <a:bodyPr wrap="square" rtlCol="0">
+            <a:spAutoFit/>
+          </a:bodyPr>
+          <a:lstStyle/>
+          <a:p>
+            <a:r>
+              <a:rPr lang="ko-KR" altLang="en-US" sz="1200" b="1" dirty="0"/>
+              <a:t>입력정보 확인</a:t>
+            </a:r>
+            <a:endParaRPr lang="en-US" altLang="ko-KR" sz="1200" b="1" dirty="0"/>
+          </a:p>
+          <a:p>
+            <a:r>
+              <a:rPr lang="en-US" altLang="ko-KR" sz="1200" b="1" dirty="0"/>
+              <a:t>Ex. ID</a:t>
+            </a:r>
+            <a:r>
+              <a:rPr lang="ko-KR" altLang="en-US" sz="1200" b="1" dirty="0"/>
+              <a:t>중복 등</a:t>
+            </a:r>
+          </a:p>
+        </p:txBody>
+      </p:sp>
+      <p:sp>
+        <p:nvSpPr>
+          <p:cNvPr id="38" name="직사각형 37">
+            <a:extLst>
+              <a:ext uri="{FF2B5EF4-FFF2-40B4-BE49-F238E27FC236}">
+                <a16:creationId xmlns:a16="http://schemas.microsoft.com/office/drawing/2014/main" id="{62913881-A0DD-5CF0-7D23-23474629991B}"/>
+              </a:ext>
+            </a:extLst>
+          </p:cNvPr>
+          <p:cNvSpPr/>
+          <p:nvPr/>
+        </p:nvSpPr>
+        <p:spPr>
+          <a:xfrm>
+            <a:off x="3239329" y="3887304"/>
+            <a:ext cx="1349489" cy="752938"/>
+          </a:xfrm>
+          <a:prstGeom prst="rect">
+            <a:avLst/>
+          </a:prstGeom>
+          <a:solidFill>
+            <a:schemeClr val="accent5">
+              <a:lumMod val="60000"/>
+              <a:lumOff val="40000"/>
+            </a:schemeClr>
+          </a:solidFill>
+        </p:spPr>
+        <p:style>
+          <a:lnRef idx="2">
+            <a:schemeClr val="accent1">
+              <a:shade val="50000"/>
+            </a:schemeClr>
+          </a:lnRef>
+          <a:fillRef idx="1">
+            <a:schemeClr val="accent1"/>
+          </a:fillRef>
+          <a:effectRef idx="0">
+            <a:schemeClr val="accent1"/>
+          </a:effectRef>
+          <a:fontRef idx="minor">
+            <a:schemeClr val="lt1"/>
+          </a:fontRef>
+        </p:style>
+        <p:txBody>
+          <a:bodyPr rtlCol="0" anchor="ctr"/>
+          <a:lstStyle/>
+          <a:p>
+            <a:pPr algn="ctr"/>
+            <a:endParaRPr lang="ko-KR" altLang="en-US"/>
+          </a:p>
+        </p:txBody>
+      </p:sp>
+      <p:sp>
+        <p:nvSpPr>
+          <p:cNvPr id="39" name="TextBox 38">
+            <a:extLst>
+              <a:ext uri="{FF2B5EF4-FFF2-40B4-BE49-F238E27FC236}">
+                <a16:creationId xmlns:a16="http://schemas.microsoft.com/office/drawing/2014/main" id="{FA52AF2A-08BC-34B0-09F9-7C27AC008979}"/>
+              </a:ext>
+            </a:extLst>
+          </p:cNvPr>
+          <p:cNvSpPr txBox="1"/>
+          <p:nvPr/>
+        </p:nvSpPr>
+        <p:spPr>
+          <a:xfrm>
+            <a:off x="3309986" y="4119687"/>
+            <a:ext cx="1278832" cy="276999"/>
+          </a:xfrm>
+          <a:prstGeom prst="rect">
+            <a:avLst/>
+          </a:prstGeom>
+          <a:noFill/>
+        </p:spPr>
+        <p:txBody>
+          <a:bodyPr wrap="square" rtlCol="0">
+            <a:spAutoFit/>
+          </a:bodyPr>
+          <a:lstStyle/>
+          <a:p>
+            <a:r>
+              <a:rPr lang="ko-KR" altLang="en-US" sz="1200" b="1"/>
+              <a:t>회원 탈퇴 화면</a:t>
+            </a:r>
+            <a:endParaRPr lang="ko-KR" altLang="en-US" sz="1200" b="1" dirty="0"/>
+          </a:p>
+        </p:txBody>
+      </p:sp>
+      <p:sp>
+        <p:nvSpPr>
+          <p:cNvPr id="40" name="직사각형 39">
+            <a:extLst>
+              <a:ext uri="{FF2B5EF4-FFF2-40B4-BE49-F238E27FC236}">
+                <a16:creationId xmlns:a16="http://schemas.microsoft.com/office/drawing/2014/main" id="{F32A8ED3-F35D-D5A5-7ADB-C2E79F82D340}"/>
+              </a:ext>
+            </a:extLst>
+          </p:cNvPr>
+          <p:cNvSpPr/>
+          <p:nvPr/>
+        </p:nvSpPr>
+        <p:spPr>
+          <a:xfrm>
+            <a:off x="7738098" y="3887304"/>
+            <a:ext cx="1349489" cy="752938"/>
+          </a:xfrm>
+          <a:prstGeom prst="rect">
+            <a:avLst/>
+          </a:prstGeom>
+          <a:solidFill>
+            <a:schemeClr val="accent5">
+              <a:lumMod val="60000"/>
+              <a:lumOff val="40000"/>
+            </a:schemeClr>
+          </a:solidFill>
+        </p:spPr>
+        <p:style>
+          <a:lnRef idx="2">
+            <a:schemeClr val="accent1">
+              <a:shade val="50000"/>
+            </a:schemeClr>
+          </a:lnRef>
+          <a:fillRef idx="1">
+            <a:schemeClr val="accent1"/>
+          </a:fillRef>
+          <a:effectRef idx="0">
+            <a:schemeClr val="accent1"/>
+          </a:effectRef>
+          <a:fontRef idx="minor">
+            <a:schemeClr val="lt1"/>
+          </a:fontRef>
+        </p:style>
+        <p:txBody>
+          <a:bodyPr rtlCol="0" anchor="ctr"/>
+          <a:lstStyle/>
+          <a:p>
+            <a:pPr algn="ctr"/>
+            <a:endParaRPr lang="ko-KR" altLang="en-US"/>
+          </a:p>
+        </p:txBody>
+      </p:sp>
+      <p:sp>
+        <p:nvSpPr>
+          <p:cNvPr id="41" name="TextBox 40">
+            <a:extLst>
+              <a:ext uri="{FF2B5EF4-FFF2-40B4-BE49-F238E27FC236}">
+                <a16:creationId xmlns:a16="http://schemas.microsoft.com/office/drawing/2014/main" id="{E364410D-E691-FAF0-29E3-2A7D509F0A27}"/>
+              </a:ext>
+            </a:extLst>
+          </p:cNvPr>
+          <p:cNvSpPr txBox="1"/>
+          <p:nvPr/>
+        </p:nvSpPr>
+        <p:spPr>
+          <a:xfrm>
+            <a:off x="7933332" y="4119686"/>
+            <a:ext cx="830658" cy="276999"/>
+          </a:xfrm>
+          <a:prstGeom prst="rect">
+            <a:avLst/>
+          </a:prstGeom>
+          <a:noFill/>
+        </p:spPr>
+        <p:txBody>
+          <a:bodyPr wrap="square" rtlCol="0">
+            <a:spAutoFit/>
+          </a:bodyPr>
+          <a:lstStyle/>
+          <a:p>
+            <a:r>
+              <a:rPr lang="ko-KR" altLang="en-US" sz="1200" b="1"/>
+              <a:t>탈퇴처리</a:t>
+            </a:r>
+            <a:endParaRPr lang="ko-KR" altLang="en-US" sz="1200" b="1" dirty="0"/>
+          </a:p>
+        </p:txBody>
+      </p:sp>
+      <p:cxnSp>
+        <p:nvCxnSpPr>
+          <p:cNvPr id="42" name="직선 화살표 연결선 41">
+            <a:extLst>
+              <a:ext uri="{FF2B5EF4-FFF2-40B4-BE49-F238E27FC236}">
+                <a16:creationId xmlns:a16="http://schemas.microsoft.com/office/drawing/2014/main" id="{79C19D93-B896-7B15-C55E-D34DC07FBF5A}"/>
+              </a:ext>
+            </a:extLst>
+          </p:cNvPr>
+          <p:cNvCxnSpPr>
+            <a:cxnSpLocks/>
+            <a:endCxn id="2" idx="1"/>
+          </p:cNvCxnSpPr>
+          <p:nvPr/>
+        </p:nvCxnSpPr>
+        <p:spPr>
+          <a:xfrm flipV="1">
+            <a:off x="1735346" y="2004535"/>
+            <a:ext cx="1503983" cy="1116167"/>
+          </a:xfrm>
+          <a:prstGeom prst="straightConnector1">
+            <a:avLst/>
+          </a:prstGeom>
+          <a:ln>
+            <a:tailEnd type="triangle"/>
+          </a:ln>
+        </p:spPr>
+        <p:style>
+          <a:lnRef idx="3">
+            <a:schemeClr val="dk1"/>
+          </a:lnRef>
+          <a:fillRef idx="0">
+            <a:schemeClr val="dk1"/>
+          </a:fillRef>
+          <a:effectRef idx="2">
+            <a:schemeClr val="dk1"/>
+          </a:effectRef>
+          <a:fontRef idx="minor">
+            <a:schemeClr val="tx1"/>
+          </a:fontRef>
+        </p:style>
+      </p:cxnSp>
+      <p:cxnSp>
+        <p:nvCxnSpPr>
+          <p:cNvPr id="45" name="직선 화살표 연결선 44">
+            <a:extLst>
+              <a:ext uri="{FF2B5EF4-FFF2-40B4-BE49-F238E27FC236}">
+                <a16:creationId xmlns:a16="http://schemas.microsoft.com/office/drawing/2014/main" id="{FD69A057-1055-F3C6-A840-01AE2A6E4549}"/>
+              </a:ext>
+            </a:extLst>
+          </p:cNvPr>
+          <p:cNvCxnSpPr>
+            <a:cxnSpLocks/>
+            <a:stCxn id="6" idx="3"/>
+            <a:endCxn id="22" idx="1"/>
+          </p:cNvCxnSpPr>
+          <p:nvPr/>
+        </p:nvCxnSpPr>
+        <p:spPr>
+          <a:xfrm flipV="1">
+            <a:off x="1735346" y="3156887"/>
+            <a:ext cx="1503983" cy="18153"/>
+          </a:xfrm>
+          <a:prstGeom prst="straightConnector1">
+            <a:avLst/>
+          </a:prstGeom>
+          <a:ln>
+            <a:tailEnd type="triangle"/>
+          </a:ln>
+        </p:spPr>
+        <p:style>
+          <a:lnRef idx="3">
+            <a:schemeClr val="dk1"/>
+          </a:lnRef>
+          <a:fillRef idx="0">
+            <a:schemeClr val="dk1"/>
+          </a:fillRef>
+          <a:effectRef idx="2">
+            <a:schemeClr val="dk1"/>
+          </a:effectRef>
+          <a:fontRef idx="minor">
+            <a:schemeClr val="tx1"/>
+          </a:fontRef>
+        </p:style>
+      </p:cxnSp>
+      <p:cxnSp>
+        <p:nvCxnSpPr>
+          <p:cNvPr id="48" name="직선 화살표 연결선 47">
+            <a:extLst>
+              <a:ext uri="{FF2B5EF4-FFF2-40B4-BE49-F238E27FC236}">
+                <a16:creationId xmlns:a16="http://schemas.microsoft.com/office/drawing/2014/main" id="{229912FF-874E-8626-E6CC-6B7C8AAC6E5C}"/>
+              </a:ext>
+            </a:extLst>
+          </p:cNvPr>
+          <p:cNvCxnSpPr>
+            <a:cxnSpLocks/>
+            <a:stCxn id="6" idx="3"/>
+            <a:endCxn id="38" idx="1"/>
+          </p:cNvCxnSpPr>
+          <p:nvPr/>
+        </p:nvCxnSpPr>
+        <p:spPr>
+          <a:xfrm>
+            <a:off x="1735346" y="3175040"/>
+            <a:ext cx="1503983" cy="1088733"/>
+          </a:xfrm>
+          <a:prstGeom prst="straightConnector1">
+            <a:avLst/>
+          </a:prstGeom>
+          <a:ln>
+            <a:tailEnd type="triangle"/>
+          </a:ln>
+        </p:spPr>
+        <p:style>
+          <a:lnRef idx="3">
+            <a:schemeClr val="dk1"/>
+          </a:lnRef>
+          <a:fillRef idx="0">
+            <a:schemeClr val="dk1"/>
+          </a:fillRef>
+          <a:effectRef idx="2">
+            <a:schemeClr val="dk1"/>
+          </a:effectRef>
+          <a:fontRef idx="minor">
+            <a:schemeClr val="tx1"/>
+          </a:fontRef>
+        </p:style>
+      </p:cxnSp>
+      <p:cxnSp>
+        <p:nvCxnSpPr>
+          <p:cNvPr id="51" name="직선 화살표 연결선 50">
+            <a:extLst>
+              <a:ext uri="{FF2B5EF4-FFF2-40B4-BE49-F238E27FC236}">
+                <a16:creationId xmlns:a16="http://schemas.microsoft.com/office/drawing/2014/main" id="{BAB5D22D-0DE3-0D2F-8EE1-2B33082BC0B5}"/>
+              </a:ext>
+            </a:extLst>
+          </p:cNvPr>
+          <p:cNvCxnSpPr>
+            <a:cxnSpLocks/>
+            <a:stCxn id="3" idx="3"/>
+            <a:endCxn id="12" idx="1"/>
+          </p:cNvCxnSpPr>
+          <p:nvPr/>
+        </p:nvCxnSpPr>
+        <p:spPr>
+          <a:xfrm>
+            <a:off x="4588818" y="2004535"/>
+            <a:ext cx="933319" cy="0"/>
+          </a:xfrm>
+          <a:prstGeom prst="straightConnector1">
+            <a:avLst/>
+          </a:prstGeom>
+          <a:ln>
+            <a:tailEnd type="triangle"/>
+          </a:ln>
+        </p:spPr>
+        <p:style>
+          <a:lnRef idx="3">
+            <a:schemeClr val="dk1"/>
+          </a:lnRef>
+          <a:fillRef idx="0">
+            <a:schemeClr val="dk1"/>
+          </a:fillRef>
+          <a:effectRef idx="2">
+            <a:schemeClr val="dk1"/>
+          </a:effectRef>
+          <a:fontRef idx="minor">
+            <a:schemeClr val="tx1"/>
+          </a:fontRef>
+        </p:style>
+      </p:cxnSp>
+      <p:cxnSp>
+        <p:nvCxnSpPr>
+          <p:cNvPr id="54" name="직선 화살표 연결선 53">
+            <a:extLst>
+              <a:ext uri="{FF2B5EF4-FFF2-40B4-BE49-F238E27FC236}">
+                <a16:creationId xmlns:a16="http://schemas.microsoft.com/office/drawing/2014/main" id="{520C419D-828F-F1B7-4C46-E95C0C058478}"/>
+              </a:ext>
+            </a:extLst>
+          </p:cNvPr>
+          <p:cNvCxnSpPr>
+            <a:cxnSpLocks/>
+            <a:stCxn id="13" idx="3"/>
+            <a:endCxn id="14" idx="1"/>
+          </p:cNvCxnSpPr>
+          <p:nvPr/>
+        </p:nvCxnSpPr>
+        <p:spPr>
+          <a:xfrm flipV="1">
+            <a:off x="6871626" y="2004535"/>
+            <a:ext cx="866472" cy="3268"/>
+          </a:xfrm>
+          <a:prstGeom prst="straightConnector1">
+            <a:avLst/>
+          </a:prstGeom>
+          <a:ln>
+            <a:tailEnd type="triangle"/>
+          </a:ln>
+        </p:spPr>
+        <p:style>
+          <a:lnRef idx="3">
+            <a:schemeClr val="dk1"/>
+          </a:lnRef>
+          <a:fillRef idx="0">
+            <a:schemeClr val="dk1"/>
+          </a:fillRef>
+          <a:effectRef idx="2">
+            <a:schemeClr val="dk1"/>
+          </a:effectRef>
+          <a:fontRef idx="minor">
+            <a:schemeClr val="tx1"/>
+          </a:fontRef>
+        </p:style>
+      </p:cxnSp>
+      <p:cxnSp>
+        <p:nvCxnSpPr>
+          <p:cNvPr id="57" name="직선 화살표 연결선 56">
+            <a:extLst>
+              <a:ext uri="{FF2B5EF4-FFF2-40B4-BE49-F238E27FC236}">
+                <a16:creationId xmlns:a16="http://schemas.microsoft.com/office/drawing/2014/main" id="{BFE57CFF-A58E-2236-C853-B7B688947979}"/>
+              </a:ext>
+            </a:extLst>
+          </p:cNvPr>
+          <p:cNvCxnSpPr>
+            <a:cxnSpLocks/>
+            <a:stCxn id="22" idx="3"/>
+            <a:endCxn id="25" idx="1"/>
+          </p:cNvCxnSpPr>
+          <p:nvPr/>
+        </p:nvCxnSpPr>
+        <p:spPr>
+          <a:xfrm>
+            <a:off x="4588818" y="3156887"/>
+            <a:ext cx="933319" cy="0"/>
+          </a:xfrm>
+          <a:prstGeom prst="straightConnector1">
+            <a:avLst/>
+          </a:prstGeom>
+          <a:ln>
+            <a:tailEnd type="triangle"/>
+          </a:ln>
+        </p:spPr>
+        <p:style>
+          <a:lnRef idx="3">
+            <a:schemeClr val="dk1"/>
+          </a:lnRef>
+          <a:fillRef idx="0">
+            <a:schemeClr val="dk1"/>
+          </a:fillRef>
+          <a:effectRef idx="2">
+            <a:schemeClr val="dk1"/>
+          </a:effectRef>
+          <a:fontRef idx="minor">
+            <a:schemeClr val="tx1"/>
+          </a:fontRef>
+        </p:style>
+      </p:cxnSp>
+      <p:cxnSp>
+        <p:nvCxnSpPr>
+          <p:cNvPr id="61" name="직선 화살표 연결선 60">
+            <a:extLst>
+              <a:ext uri="{FF2B5EF4-FFF2-40B4-BE49-F238E27FC236}">
+                <a16:creationId xmlns:a16="http://schemas.microsoft.com/office/drawing/2014/main" id="{3FDA16FC-9801-B179-4B0F-34EE8A84B90B}"/>
+              </a:ext>
+            </a:extLst>
+          </p:cNvPr>
+          <p:cNvCxnSpPr>
+            <a:cxnSpLocks/>
+            <a:stCxn id="25" idx="3"/>
+            <a:endCxn id="27" idx="1"/>
+          </p:cNvCxnSpPr>
+          <p:nvPr/>
+        </p:nvCxnSpPr>
+        <p:spPr>
+          <a:xfrm>
+            <a:off x="6871626" y="3156887"/>
+            <a:ext cx="866472" cy="0"/>
+          </a:xfrm>
+          <a:prstGeom prst="straightConnector1">
+            <a:avLst/>
+          </a:prstGeom>
+          <a:ln>
+            <a:tailEnd type="triangle"/>
+          </a:ln>
+        </p:spPr>
+        <p:style>
+          <a:lnRef idx="3">
+            <a:schemeClr val="dk1"/>
+          </a:lnRef>
+          <a:fillRef idx="0">
+            <a:schemeClr val="dk1"/>
+          </a:fillRef>
+          <a:effectRef idx="2">
+            <a:schemeClr val="dk1"/>
+          </a:effectRef>
+          <a:fontRef idx="minor">
+            <a:schemeClr val="tx1"/>
+          </a:fontRef>
+        </p:style>
+      </p:cxnSp>
+      <p:cxnSp>
+        <p:nvCxnSpPr>
+          <p:cNvPr id="66" name="직선 화살표 연결선 65">
+            <a:extLst>
+              <a:ext uri="{FF2B5EF4-FFF2-40B4-BE49-F238E27FC236}">
+                <a16:creationId xmlns:a16="http://schemas.microsoft.com/office/drawing/2014/main" id="{D8468BFA-2607-1677-952C-5EE0392CECD5}"/>
+              </a:ext>
+            </a:extLst>
+          </p:cNvPr>
+          <p:cNvCxnSpPr>
+            <a:cxnSpLocks/>
+            <a:stCxn id="39" idx="3"/>
+            <a:endCxn id="40" idx="1"/>
+          </p:cNvCxnSpPr>
+          <p:nvPr/>
+        </p:nvCxnSpPr>
+        <p:spPr>
+          <a:xfrm>
+            <a:off x="4588818" y="4258187"/>
+            <a:ext cx="3149280" cy="5586"/>
+          </a:xfrm>
+          <a:prstGeom prst="straightConnector1">
+            <a:avLst/>
+          </a:prstGeom>
+          <a:ln>
+            <a:tailEnd type="triangle"/>
+          </a:ln>
+        </p:spPr>
+        <p:style>
+          <a:lnRef idx="3">
+            <a:schemeClr val="dk1"/>
+          </a:lnRef>
+          <a:fillRef idx="0">
+            <a:schemeClr val="dk1"/>
+          </a:fillRef>
+          <a:effectRef idx="2">
+            <a:schemeClr val="dk1"/>
+          </a:effectRef>
+          <a:fontRef idx="minor">
+            <a:schemeClr val="tx1"/>
+          </a:fontRef>
+        </p:style>
+      </p:cxnSp>
+      <p:cxnSp>
+        <p:nvCxnSpPr>
+          <p:cNvPr id="69" name="직선 화살표 연결선 68">
+            <a:extLst>
+              <a:ext uri="{FF2B5EF4-FFF2-40B4-BE49-F238E27FC236}">
+                <a16:creationId xmlns:a16="http://schemas.microsoft.com/office/drawing/2014/main" id="{C74CBF5D-E61E-5640-093E-1285C809B076}"/>
+              </a:ext>
+            </a:extLst>
+          </p:cNvPr>
+          <p:cNvCxnSpPr>
+            <a:cxnSpLocks/>
+            <a:stCxn id="17" idx="3"/>
+            <a:endCxn id="19" idx="2"/>
+          </p:cNvCxnSpPr>
+          <p:nvPr/>
+        </p:nvCxnSpPr>
+        <p:spPr>
+          <a:xfrm>
+            <a:off x="9087587" y="2004535"/>
+            <a:ext cx="1443656" cy="1201128"/>
+          </a:xfrm>
+          <a:prstGeom prst="straightConnector1">
+            <a:avLst/>
+          </a:prstGeom>
+          <a:ln>
+            <a:tailEnd type="triangle"/>
+          </a:ln>
+        </p:spPr>
+        <p:style>
+          <a:lnRef idx="3">
+            <a:schemeClr val="dk1"/>
+          </a:lnRef>
+          <a:fillRef idx="0">
+            <a:schemeClr val="dk1"/>
+          </a:fillRef>
+          <a:effectRef idx="2">
+            <a:schemeClr val="dk1"/>
+          </a:effectRef>
+          <a:fontRef idx="minor">
+            <a:schemeClr val="tx1"/>
+          </a:fontRef>
+        </p:style>
+      </p:cxnSp>
+      <p:cxnSp>
+        <p:nvCxnSpPr>
+          <p:cNvPr id="72" name="직선 화살표 연결선 71">
+            <a:extLst>
+              <a:ext uri="{FF2B5EF4-FFF2-40B4-BE49-F238E27FC236}">
+                <a16:creationId xmlns:a16="http://schemas.microsoft.com/office/drawing/2014/main" id="{13C46514-3B28-8B91-498C-F7C64456421A}"/>
+              </a:ext>
+            </a:extLst>
+          </p:cNvPr>
+          <p:cNvCxnSpPr>
+            <a:cxnSpLocks/>
+            <a:stCxn id="28" idx="3"/>
+            <a:endCxn id="19" idx="2"/>
+          </p:cNvCxnSpPr>
+          <p:nvPr/>
+        </p:nvCxnSpPr>
+        <p:spPr>
+          <a:xfrm>
+            <a:off x="9087587" y="3156887"/>
+            <a:ext cx="1443656" cy="48776"/>
+          </a:xfrm>
+          <a:prstGeom prst="straightConnector1">
+            <a:avLst/>
+          </a:prstGeom>
+          <a:ln>
+            <a:tailEnd type="triangle"/>
+          </a:ln>
+        </p:spPr>
+        <p:style>
+          <a:lnRef idx="3">
+            <a:schemeClr val="dk1"/>
+          </a:lnRef>
+          <a:fillRef idx="0">
+            <a:schemeClr val="dk1"/>
+          </a:fillRef>
+          <a:effectRef idx="2">
+            <a:schemeClr val="dk1"/>
+          </a:effectRef>
+          <a:fontRef idx="minor">
+            <a:schemeClr val="tx1"/>
+          </a:fontRef>
+        </p:style>
+      </p:cxnSp>
+      <p:cxnSp>
+        <p:nvCxnSpPr>
+          <p:cNvPr id="75" name="직선 화살표 연결선 74">
+            <a:extLst>
+              <a:ext uri="{FF2B5EF4-FFF2-40B4-BE49-F238E27FC236}">
+                <a16:creationId xmlns:a16="http://schemas.microsoft.com/office/drawing/2014/main" id="{C39EBA77-6776-B9D8-D78E-0F835A01F9AB}"/>
+              </a:ext>
+            </a:extLst>
+          </p:cNvPr>
+          <p:cNvCxnSpPr>
+            <a:cxnSpLocks/>
+            <a:stCxn id="40" idx="3"/>
+            <a:endCxn id="19" idx="2"/>
+          </p:cNvCxnSpPr>
+          <p:nvPr/>
+        </p:nvCxnSpPr>
+        <p:spPr>
+          <a:xfrm flipV="1">
+            <a:off x="9087587" y="3205663"/>
+            <a:ext cx="1443656" cy="1058110"/>
+          </a:xfrm>
+          <a:prstGeom prst="straightConnector1">
+            <a:avLst/>
+          </a:prstGeom>
+          <a:ln>
+            <a:tailEnd type="triangle"/>
+          </a:ln>
+        </p:spPr>
+        <p:style>
+          <a:lnRef idx="3">
+            <a:schemeClr val="dk1"/>
+          </a:lnRef>
+          <a:fillRef idx="0">
+            <a:schemeClr val="dk1"/>
+          </a:fillRef>
+          <a:effectRef idx="2">
+            <a:schemeClr val="dk1"/>
+          </a:effectRef>
+          <a:fontRef idx="minor">
+            <a:schemeClr val="tx1"/>
+          </a:fontRef>
+        </p:style>
+      </p:cxnSp>
+      <p:cxnSp>
+        <p:nvCxnSpPr>
+          <p:cNvPr id="80" name="연결선: 꺾임 79">
+            <a:extLst>
+              <a:ext uri="{FF2B5EF4-FFF2-40B4-BE49-F238E27FC236}">
+                <a16:creationId xmlns:a16="http://schemas.microsoft.com/office/drawing/2014/main" id="{417EA4D9-7C4E-D68F-25AB-183B2432C1E7}"/>
+              </a:ext>
+            </a:extLst>
+          </p:cNvPr>
+          <p:cNvCxnSpPr>
+            <a:cxnSpLocks/>
+            <a:stCxn id="19" idx="3"/>
+            <a:endCxn id="82" idx="3"/>
+          </p:cNvCxnSpPr>
+          <p:nvPr/>
+        </p:nvCxnSpPr>
+        <p:spPr>
+          <a:xfrm rot="5400000">
+            <a:off x="5583576" y="86774"/>
+            <a:ext cx="1661511" cy="9237434"/>
+          </a:xfrm>
+          <a:prstGeom prst="bentConnector2">
+            <a:avLst/>
+          </a:prstGeom>
+          <a:ln>
+            <a:tailEnd type="triangle"/>
+          </a:ln>
+        </p:spPr>
+        <p:style>
+          <a:lnRef idx="3">
+            <a:schemeClr val="dk1"/>
+          </a:lnRef>
+          <a:fillRef idx="0">
+            <a:schemeClr val="dk1"/>
+          </a:fillRef>
+          <a:effectRef idx="2">
+            <a:schemeClr val="dk1"/>
+          </a:effectRef>
+          <a:fontRef idx="minor">
+            <a:schemeClr val="tx1"/>
+          </a:fontRef>
+        </p:style>
+      </p:cxnSp>
+      <p:sp>
+        <p:nvSpPr>
+          <p:cNvPr id="82" name="직사각형 81">
+            <a:extLst>
+              <a:ext uri="{FF2B5EF4-FFF2-40B4-BE49-F238E27FC236}">
+                <a16:creationId xmlns:a16="http://schemas.microsoft.com/office/drawing/2014/main" id="{BF27FF35-E84F-9FCB-BC1C-C9B65F50EF1C}"/>
+              </a:ext>
+            </a:extLst>
+          </p:cNvPr>
+          <p:cNvSpPr/>
+          <p:nvPr/>
+        </p:nvSpPr>
+        <p:spPr>
+          <a:xfrm>
+            <a:off x="446125" y="5159778"/>
+            <a:ext cx="1349489" cy="752938"/>
+          </a:xfrm>
+          <a:prstGeom prst="rect">
+            <a:avLst/>
+          </a:prstGeom>
+          <a:solidFill>
+            <a:schemeClr val="accent5">
+              <a:lumMod val="60000"/>
+              <a:lumOff val="40000"/>
+            </a:schemeClr>
+          </a:solidFill>
+        </p:spPr>
+        <p:style>
+          <a:lnRef idx="2">
+            <a:schemeClr val="accent1">
+              <a:shade val="50000"/>
+            </a:schemeClr>
+          </a:lnRef>
+          <a:fillRef idx="1">
+            <a:schemeClr val="accent1"/>
+          </a:fillRef>
+          <a:effectRef idx="0">
+            <a:schemeClr val="accent1"/>
+          </a:effectRef>
+          <a:fontRef idx="minor">
+            <a:schemeClr val="lt1"/>
+          </a:fontRef>
+        </p:style>
+        <p:txBody>
+          <a:bodyPr rtlCol="0" anchor="ctr"/>
+          <a:lstStyle/>
+          <a:p>
+            <a:pPr algn="ctr"/>
+            <a:endParaRPr lang="ko-KR" altLang="en-US"/>
+          </a:p>
+        </p:txBody>
+      </p:sp>
+      <p:sp>
+        <p:nvSpPr>
+          <p:cNvPr id="83" name="TextBox 82">
+            <a:extLst>
+              <a:ext uri="{FF2B5EF4-FFF2-40B4-BE49-F238E27FC236}">
+                <a16:creationId xmlns:a16="http://schemas.microsoft.com/office/drawing/2014/main" id="{BFBCE4DC-4CB3-9328-A6BA-795C40F53F1A}"/>
+              </a:ext>
+            </a:extLst>
+          </p:cNvPr>
+          <p:cNvSpPr txBox="1"/>
+          <p:nvPr/>
+        </p:nvSpPr>
+        <p:spPr>
+          <a:xfrm>
+            <a:off x="801636" y="5397747"/>
+            <a:ext cx="830658" cy="276999"/>
+          </a:xfrm>
+          <a:prstGeom prst="rect">
+            <a:avLst/>
+          </a:prstGeom>
+          <a:noFill/>
+        </p:spPr>
+        <p:txBody>
+          <a:bodyPr wrap="square" rtlCol="0">
+            <a:spAutoFit/>
+          </a:bodyPr>
+          <a:lstStyle/>
+          <a:p>
+            <a:r>
+              <a:rPr lang="en-US" altLang="ko-KR" sz="1200" b="1" dirty="0"/>
+              <a:t>VIEW</a:t>
+            </a:r>
+            <a:endParaRPr lang="ko-KR" altLang="en-US" sz="1200" b="1" dirty="0"/>
+          </a:p>
+        </p:txBody>
+      </p:sp>
+      <p:cxnSp>
+        <p:nvCxnSpPr>
+          <p:cNvPr id="85" name="직선 화살표 연결선 84">
+            <a:extLst>
+              <a:ext uri="{FF2B5EF4-FFF2-40B4-BE49-F238E27FC236}">
+                <a16:creationId xmlns:a16="http://schemas.microsoft.com/office/drawing/2014/main" id="{A8B82EDE-6BC5-7BE9-B487-5360EFB48A60}"/>
+              </a:ext>
+            </a:extLst>
+          </p:cNvPr>
+          <p:cNvCxnSpPr>
+            <a:cxnSpLocks/>
+            <a:stCxn id="82" idx="0"/>
+            <a:endCxn id="6" idx="2"/>
+          </p:cNvCxnSpPr>
+          <p:nvPr/>
+        </p:nvCxnSpPr>
+        <p:spPr>
+          <a:xfrm flipV="1">
+            <a:off x="1120870" y="4267436"/>
+            <a:ext cx="0" cy="892342"/>
+          </a:xfrm>
+          <a:prstGeom prst="straightConnector1">
+            <a:avLst/>
+          </a:prstGeom>
+          <a:ln>
+            <a:tailEnd type="triangle"/>
+          </a:ln>
+        </p:spPr>
+        <p:style>
+          <a:lnRef idx="3">
+            <a:schemeClr val="dk1"/>
+          </a:lnRef>
+          <a:fillRef idx="0">
+            <a:schemeClr val="dk1"/>
+          </a:fillRef>
+          <a:effectRef idx="2">
+            <a:schemeClr val="dk1"/>
+          </a:effectRef>
+          <a:fontRef idx="minor">
+            <a:schemeClr val="tx1"/>
+          </a:fontRef>
+        </p:style>
+      </p:cxnSp>
+      <p:sp>
+        <p:nvSpPr>
+          <p:cNvPr id="90" name="TextBox 89">
+            <a:extLst>
+              <a:ext uri="{FF2B5EF4-FFF2-40B4-BE49-F238E27FC236}">
+                <a16:creationId xmlns:a16="http://schemas.microsoft.com/office/drawing/2014/main" id="{1323E467-B04A-F00C-A513-A6926E42B1AC}"/>
+              </a:ext>
+            </a:extLst>
+          </p:cNvPr>
+          <p:cNvSpPr txBox="1"/>
+          <p:nvPr/>
+        </p:nvSpPr>
+        <p:spPr>
+          <a:xfrm>
+            <a:off x="5308572" y="5228469"/>
+            <a:ext cx="722844" cy="307777"/>
+          </a:xfrm>
+          <a:prstGeom prst="rect">
+            <a:avLst/>
+          </a:prstGeom>
+          <a:noFill/>
+        </p:spPr>
+        <p:txBody>
+          <a:bodyPr wrap="square" rtlCol="0">
+            <a:spAutoFit/>
+          </a:bodyPr>
+          <a:lstStyle/>
+          <a:p>
+            <a:r>
+              <a:rPr lang="ko-KR" altLang="en-US" sz="1400" dirty="0"/>
+              <a:t>응답</a:t>
+            </a:r>
+          </a:p>
+        </p:txBody>
+      </p:sp>
+      <p:sp>
+        <p:nvSpPr>
+          <p:cNvPr id="91" name="TextBox 90">
+            <a:extLst>
+              <a:ext uri="{FF2B5EF4-FFF2-40B4-BE49-F238E27FC236}">
+                <a16:creationId xmlns:a16="http://schemas.microsoft.com/office/drawing/2014/main" id="{70976BCE-1695-A04E-14A3-720CE6231FEE}"/>
+              </a:ext>
+            </a:extLst>
+          </p:cNvPr>
+          <p:cNvSpPr txBox="1"/>
+          <p:nvPr/>
+        </p:nvSpPr>
+        <p:spPr>
+          <a:xfrm>
+            <a:off x="369688" y="525993"/>
+            <a:ext cx="5240805" cy="584775"/>
+          </a:xfrm>
+          <a:prstGeom prst="rect">
+            <a:avLst/>
+          </a:prstGeom>
+          <a:noFill/>
+        </p:spPr>
+        <p:txBody>
+          <a:bodyPr wrap="square" rtlCol="0">
+            <a:spAutoFit/>
+          </a:bodyPr>
+          <a:lstStyle/>
+          <a:p>
+            <a:r>
+              <a:rPr lang="ko-KR" altLang="en-US" sz="3200" b="1" dirty="0"/>
+              <a:t>회원 정보</a:t>
+            </a:r>
+          </a:p>
+        </p:txBody>
+      </p:sp>
+    </p:spTree>
+    <p:extLst>
+      <p:ext uri="{BB962C8B-B14F-4D97-AF65-F5344CB8AC3E}">
+        <p14:creationId xmlns:p14="http://schemas.microsoft.com/office/powerpoint/2010/main" val="627580972"/>
+      </p:ext>
+    </p:extLst>
+  </p:cSld>
+  <p:clrMapOvr>
+    <a:masterClrMapping/>
+  </p:clrMapOvr>
+</p:sld>
+</file>
+
+<file path=ppt/slides/slide3.xml><?xml version="1.0" encoding="utf-8"?>
+<p:sld xmlns:a="http://schemas.openxmlformats.org/drawingml/2006/main" xmlns:r="http://schemas.openxmlformats.org/officeDocument/2006/relationships" xmlns:p="http://schemas.openxmlformats.org/presentationml/2006/main">
+  <p:cSld>
+    <p:bg>
+      <p:bgPr>
+        <a:solidFill>
+          <a:schemeClr val="accent6">
+            <a:lumMod val="20000"/>
+            <a:lumOff val="80000"/>
+          </a:schemeClr>
+        </a:solidFill>
+        <a:effectLst/>
+      </p:bgPr>
+    </p:bg>
+    <p:spTree>
+      <p:nvGrpSpPr>
+        <p:cNvPr id="1" name=""/>
+        <p:cNvGrpSpPr/>
+        <p:nvPr/>
+      </p:nvGrpSpPr>
+      <p:grpSpPr>
+        <a:xfrm>
+          <a:off x="0" y="0"/>
+          <a:ext cx="0" cy="0"/>
+          <a:chOff x="0" y="0"/>
+          <a:chExt cx="0" cy="0"/>
+        </a:xfrm>
+      </p:grpSpPr>
+      <p:sp>
+        <p:nvSpPr>
+          <p:cNvPr id="6" name="직사각형 5">
+            <a:extLst>
+              <a:ext uri="{FF2B5EF4-FFF2-40B4-BE49-F238E27FC236}">
+                <a16:creationId xmlns:a16="http://schemas.microsoft.com/office/drawing/2014/main" id="{DAEB0A26-70FE-572E-BEC6-4D475017D82C}"/>
+              </a:ext>
+            </a:extLst>
+          </p:cNvPr>
+          <p:cNvSpPr/>
+          <p:nvPr/>
+        </p:nvSpPr>
+        <p:spPr>
+          <a:xfrm>
+            <a:off x="506394" y="2082643"/>
+            <a:ext cx="1228952" cy="2184793"/>
+          </a:xfrm>
+          <a:prstGeom prst="rect">
+            <a:avLst/>
+          </a:prstGeom>
+          <a:solidFill>
+            <a:schemeClr val="accent5">
+              <a:lumMod val="60000"/>
+              <a:lumOff val="40000"/>
+            </a:schemeClr>
+          </a:solidFill>
+        </p:spPr>
+        <p:style>
+          <a:lnRef idx="2">
+            <a:schemeClr val="accent1">
+              <a:shade val="50000"/>
+            </a:schemeClr>
+          </a:lnRef>
+          <a:fillRef idx="1">
+            <a:schemeClr val="accent1"/>
+          </a:fillRef>
+          <a:effectRef idx="0">
+            <a:schemeClr val="accent1"/>
+          </a:effectRef>
+          <a:fontRef idx="minor">
+            <a:schemeClr val="lt1"/>
+          </a:fontRef>
+        </p:style>
+        <p:txBody>
+          <a:bodyPr rtlCol="0" anchor="ctr"/>
+          <a:lstStyle/>
+          <a:p>
+            <a:pPr algn="ctr"/>
+            <a:endParaRPr lang="ko-KR" altLang="en-US"/>
+          </a:p>
+        </p:txBody>
+      </p:sp>
+      <p:sp>
+        <p:nvSpPr>
+          <p:cNvPr id="9" name="TextBox 8">
+            <a:extLst>
+              <a:ext uri="{FF2B5EF4-FFF2-40B4-BE49-F238E27FC236}">
+                <a16:creationId xmlns:a16="http://schemas.microsoft.com/office/drawing/2014/main" id="{CA66C5E4-BF81-6A97-5688-6EC01ED41A52}"/>
+              </a:ext>
+            </a:extLst>
+          </p:cNvPr>
+          <p:cNvSpPr txBox="1"/>
+          <p:nvPr/>
+        </p:nvSpPr>
+        <p:spPr>
+          <a:xfrm>
+            <a:off x="604540" y="2974985"/>
+            <a:ext cx="1032661" cy="400110"/>
+          </a:xfrm>
+          <a:prstGeom prst="rect">
+            <a:avLst/>
+          </a:prstGeom>
+          <a:noFill/>
+        </p:spPr>
+        <p:txBody>
+          <a:bodyPr wrap="square" rtlCol="0">
+            <a:spAutoFit/>
+          </a:bodyPr>
+          <a:lstStyle/>
+          <a:p>
+            <a:r>
+              <a:rPr lang="ko-KR" altLang="en-US" sz="2000" b="1" dirty="0"/>
+              <a:t>사용자</a:t>
+            </a:r>
+          </a:p>
+        </p:txBody>
+      </p:sp>
+      <p:sp>
+        <p:nvSpPr>
+          <p:cNvPr id="16" name="TextBox 15">
+            <a:extLst>
+              <a:ext uri="{FF2B5EF4-FFF2-40B4-BE49-F238E27FC236}">
+                <a16:creationId xmlns:a16="http://schemas.microsoft.com/office/drawing/2014/main" id="{5AD063E9-2218-BDCE-A748-4823A8854A4B}"/>
+              </a:ext>
+            </a:extLst>
+          </p:cNvPr>
+          <p:cNvSpPr txBox="1"/>
+          <p:nvPr/>
+        </p:nvSpPr>
+        <p:spPr>
+          <a:xfrm>
+            <a:off x="2203163" y="2798571"/>
+            <a:ext cx="722844" cy="307777"/>
+          </a:xfrm>
+          <a:prstGeom prst="rect">
+            <a:avLst/>
+          </a:prstGeom>
+          <a:noFill/>
+        </p:spPr>
+        <p:txBody>
+          <a:bodyPr wrap="square" rtlCol="0">
+            <a:spAutoFit/>
+          </a:bodyPr>
+          <a:lstStyle/>
+          <a:p>
+            <a:r>
+              <a:rPr lang="ko-KR" altLang="en-US" sz="1400" dirty="0"/>
+              <a:t>요청</a:t>
+            </a:r>
+          </a:p>
+        </p:txBody>
+      </p:sp>
+      <p:sp>
+        <p:nvSpPr>
+          <p:cNvPr id="2" name="직사각형 1">
+            <a:extLst>
+              <a:ext uri="{FF2B5EF4-FFF2-40B4-BE49-F238E27FC236}">
+                <a16:creationId xmlns:a16="http://schemas.microsoft.com/office/drawing/2014/main" id="{18E3425B-D7F0-85AC-542E-FF314B91BA47}"/>
+              </a:ext>
+            </a:extLst>
+          </p:cNvPr>
+          <p:cNvSpPr/>
+          <p:nvPr/>
+        </p:nvSpPr>
+        <p:spPr>
+          <a:xfrm>
+            <a:off x="3222825" y="1516032"/>
+            <a:ext cx="1349489" cy="752938"/>
+          </a:xfrm>
+          <a:prstGeom prst="rect">
+            <a:avLst/>
+          </a:prstGeom>
+          <a:solidFill>
+            <a:schemeClr val="accent5">
+              <a:lumMod val="60000"/>
+              <a:lumOff val="40000"/>
+            </a:schemeClr>
+          </a:solidFill>
+        </p:spPr>
+        <p:style>
+          <a:lnRef idx="2">
+            <a:schemeClr val="accent1">
+              <a:shade val="50000"/>
+            </a:schemeClr>
+          </a:lnRef>
+          <a:fillRef idx="1">
+            <a:schemeClr val="accent1"/>
+          </a:fillRef>
+          <a:effectRef idx="0">
+            <a:schemeClr val="accent1"/>
+          </a:effectRef>
+          <a:fontRef idx="minor">
+            <a:schemeClr val="lt1"/>
+          </a:fontRef>
+        </p:style>
+        <p:txBody>
+          <a:bodyPr rtlCol="0" anchor="ctr"/>
+          <a:lstStyle/>
+          <a:p>
+            <a:pPr algn="ctr"/>
+            <a:endParaRPr lang="ko-KR" altLang="en-US"/>
+          </a:p>
+        </p:txBody>
+      </p:sp>
+      <p:sp>
+        <p:nvSpPr>
+          <p:cNvPr id="3" name="TextBox 2">
+            <a:extLst>
+              <a:ext uri="{FF2B5EF4-FFF2-40B4-BE49-F238E27FC236}">
+                <a16:creationId xmlns:a16="http://schemas.microsoft.com/office/drawing/2014/main" id="{DC9BFEAE-6169-7157-E812-E027D66F1ADF}"/>
+              </a:ext>
+            </a:extLst>
+          </p:cNvPr>
+          <p:cNvSpPr txBox="1"/>
+          <p:nvPr/>
+        </p:nvSpPr>
+        <p:spPr>
+          <a:xfrm>
+            <a:off x="3370682" y="1754001"/>
+            <a:ext cx="1201632" cy="276999"/>
+          </a:xfrm>
+          <a:prstGeom prst="rect">
+            <a:avLst/>
+          </a:prstGeom>
+          <a:noFill/>
+        </p:spPr>
+        <p:txBody>
+          <a:bodyPr wrap="square" rtlCol="0">
+            <a:spAutoFit/>
+          </a:bodyPr>
+          <a:lstStyle/>
+          <a:p>
+            <a:r>
+              <a:rPr lang="ko-KR" altLang="en-US" sz="1200" b="1" dirty="0"/>
+              <a:t>예약 신청</a:t>
+            </a:r>
+          </a:p>
+        </p:txBody>
+      </p:sp>
+      <p:sp>
+        <p:nvSpPr>
+          <p:cNvPr id="12" name="직사각형 11">
+            <a:extLst>
+              <a:ext uri="{FF2B5EF4-FFF2-40B4-BE49-F238E27FC236}">
+                <a16:creationId xmlns:a16="http://schemas.microsoft.com/office/drawing/2014/main" id="{4164C94E-39A3-42DD-D766-00F56EDE0EF0}"/>
+              </a:ext>
+            </a:extLst>
+          </p:cNvPr>
+          <p:cNvSpPr/>
+          <p:nvPr/>
+        </p:nvSpPr>
+        <p:spPr>
+          <a:xfrm>
+            <a:off x="5505633" y="1516032"/>
+            <a:ext cx="1349489" cy="752938"/>
+          </a:xfrm>
+          <a:prstGeom prst="rect">
+            <a:avLst/>
+          </a:prstGeom>
+          <a:solidFill>
+            <a:schemeClr val="accent5">
+              <a:lumMod val="60000"/>
+              <a:lumOff val="40000"/>
+            </a:schemeClr>
+          </a:solidFill>
+        </p:spPr>
+        <p:style>
+          <a:lnRef idx="2">
+            <a:schemeClr val="accent1">
+              <a:shade val="50000"/>
+            </a:schemeClr>
+          </a:lnRef>
+          <a:fillRef idx="1">
+            <a:schemeClr val="accent1"/>
+          </a:fillRef>
+          <a:effectRef idx="0">
+            <a:schemeClr val="accent1"/>
+          </a:effectRef>
+          <a:fontRef idx="minor">
+            <a:schemeClr val="lt1"/>
+          </a:fontRef>
+        </p:style>
+        <p:txBody>
+          <a:bodyPr rtlCol="0" anchor="ctr"/>
+          <a:lstStyle/>
+          <a:p>
+            <a:pPr algn="ctr"/>
+            <a:endParaRPr lang="ko-KR" altLang="en-US"/>
+          </a:p>
+        </p:txBody>
+      </p:sp>
+      <p:sp>
+        <p:nvSpPr>
+          <p:cNvPr id="13" name="TextBox 12">
+            <a:extLst>
+              <a:ext uri="{FF2B5EF4-FFF2-40B4-BE49-F238E27FC236}">
+                <a16:creationId xmlns:a16="http://schemas.microsoft.com/office/drawing/2014/main" id="{FA0D80AD-D7C4-6613-B94F-9E9B1B5B0740}"/>
+              </a:ext>
+            </a:extLst>
+          </p:cNvPr>
+          <p:cNvSpPr txBox="1"/>
+          <p:nvPr/>
+        </p:nvSpPr>
+        <p:spPr>
+          <a:xfrm>
+            <a:off x="5587044" y="1649292"/>
+            <a:ext cx="1261133" cy="461665"/>
+          </a:xfrm>
+          <a:prstGeom prst="rect">
+            <a:avLst/>
+          </a:prstGeom>
+          <a:noFill/>
+        </p:spPr>
+        <p:txBody>
+          <a:bodyPr wrap="square" rtlCol="0">
+            <a:spAutoFit/>
+          </a:bodyPr>
+          <a:lstStyle/>
+          <a:p>
+            <a:r>
+              <a:rPr lang="ko-KR" altLang="en-US" sz="1200" b="1" dirty="0"/>
+              <a:t>입력정보 확인 </a:t>
+            </a:r>
+            <a:r>
+              <a:rPr lang="en-US" altLang="ko-KR" sz="1200" b="1" dirty="0"/>
+              <a:t>EX.</a:t>
+            </a:r>
+            <a:r>
+              <a:rPr lang="ko-KR" altLang="en-US" sz="1200" b="1" dirty="0"/>
+              <a:t>날짜</a:t>
+            </a:r>
+            <a:r>
+              <a:rPr lang="en-US" altLang="ko-KR" sz="1200" b="1" dirty="0"/>
+              <a:t>, </a:t>
+            </a:r>
+            <a:r>
+              <a:rPr lang="ko-KR" altLang="en-US" sz="1200" b="1" dirty="0"/>
+              <a:t>시간</a:t>
+            </a:r>
+          </a:p>
+        </p:txBody>
+      </p:sp>
+      <p:sp>
+        <p:nvSpPr>
+          <p:cNvPr id="14" name="직사각형 13">
+            <a:extLst>
+              <a:ext uri="{FF2B5EF4-FFF2-40B4-BE49-F238E27FC236}">
+                <a16:creationId xmlns:a16="http://schemas.microsoft.com/office/drawing/2014/main" id="{55D15C13-A4A7-AD45-3FEA-F4E53C8C7B99}"/>
+              </a:ext>
+            </a:extLst>
+          </p:cNvPr>
+          <p:cNvSpPr/>
+          <p:nvPr/>
+        </p:nvSpPr>
+        <p:spPr>
+          <a:xfrm>
+            <a:off x="7721594" y="1516032"/>
+            <a:ext cx="1349489" cy="752938"/>
+          </a:xfrm>
+          <a:prstGeom prst="rect">
+            <a:avLst/>
+          </a:prstGeom>
+          <a:solidFill>
+            <a:schemeClr val="accent5">
+              <a:lumMod val="60000"/>
+              <a:lumOff val="40000"/>
+            </a:schemeClr>
+          </a:solidFill>
+        </p:spPr>
+        <p:style>
+          <a:lnRef idx="2">
+            <a:schemeClr val="accent1">
+              <a:shade val="50000"/>
+            </a:schemeClr>
+          </a:lnRef>
+          <a:fillRef idx="1">
+            <a:schemeClr val="accent1"/>
+          </a:fillRef>
+          <a:effectRef idx="0">
+            <a:schemeClr val="accent1"/>
+          </a:effectRef>
+          <a:fontRef idx="minor">
+            <a:schemeClr val="lt1"/>
+          </a:fontRef>
+        </p:style>
+        <p:txBody>
+          <a:bodyPr rtlCol="0" anchor="ctr"/>
+          <a:lstStyle/>
+          <a:p>
+            <a:pPr algn="ctr"/>
+            <a:endParaRPr lang="ko-KR" altLang="en-US"/>
+          </a:p>
+        </p:txBody>
+      </p:sp>
+      <p:sp>
+        <p:nvSpPr>
+          <p:cNvPr id="17" name="TextBox 16">
+            <a:extLst>
+              <a:ext uri="{FF2B5EF4-FFF2-40B4-BE49-F238E27FC236}">
+                <a16:creationId xmlns:a16="http://schemas.microsoft.com/office/drawing/2014/main" id="{B6C20147-F40B-59E2-0563-2C0B9D29F7F6}"/>
+              </a:ext>
+            </a:extLst>
+          </p:cNvPr>
+          <p:cNvSpPr txBox="1"/>
+          <p:nvPr/>
+        </p:nvSpPr>
+        <p:spPr>
+          <a:xfrm>
+            <a:off x="7869451" y="1754001"/>
+            <a:ext cx="1201632" cy="276999"/>
+          </a:xfrm>
+          <a:prstGeom prst="rect">
+            <a:avLst/>
+          </a:prstGeom>
+          <a:noFill/>
+        </p:spPr>
+        <p:txBody>
+          <a:bodyPr wrap="square" rtlCol="0">
+            <a:spAutoFit/>
+          </a:bodyPr>
+          <a:lstStyle/>
+          <a:p>
+            <a:r>
+              <a:rPr lang="ko-KR" altLang="en-US" sz="1200" b="1" dirty="0"/>
+              <a:t>결제화면 </a:t>
+            </a:r>
+          </a:p>
+        </p:txBody>
+      </p:sp>
+      <p:sp>
+        <p:nvSpPr>
+          <p:cNvPr id="19" name="원통형 18">
+            <a:extLst>
+              <a:ext uri="{FF2B5EF4-FFF2-40B4-BE49-F238E27FC236}">
+                <a16:creationId xmlns:a16="http://schemas.microsoft.com/office/drawing/2014/main" id="{9CAB8FE3-40AE-0CEA-1C7B-2FFAE84A62F1}"/>
+              </a:ext>
+            </a:extLst>
+          </p:cNvPr>
+          <p:cNvSpPr/>
+          <p:nvPr/>
+        </p:nvSpPr>
+        <p:spPr>
+          <a:xfrm>
+            <a:off x="10531243" y="2536589"/>
+            <a:ext cx="1003610" cy="1338147"/>
+          </a:xfrm>
+          <a:prstGeom prst="can">
+            <a:avLst/>
+          </a:prstGeom>
+          <a:solidFill>
+            <a:schemeClr val="accent4">
+              <a:lumMod val="60000"/>
+              <a:lumOff val="40000"/>
+            </a:schemeClr>
+          </a:solidFill>
+        </p:spPr>
+        <p:style>
+          <a:lnRef idx="2">
+            <a:schemeClr val="accent1">
+              <a:shade val="50000"/>
+            </a:schemeClr>
+          </a:lnRef>
+          <a:fillRef idx="1">
+            <a:schemeClr val="accent1"/>
+          </a:fillRef>
+          <a:effectRef idx="0">
+            <a:schemeClr val="accent1"/>
+          </a:effectRef>
+          <a:fontRef idx="minor">
+            <a:schemeClr val="lt1"/>
+          </a:fontRef>
+        </p:style>
+        <p:txBody>
+          <a:bodyPr rtlCol="0" anchor="ctr"/>
+          <a:lstStyle/>
+          <a:p>
+            <a:pPr algn="ctr"/>
+            <a:endParaRPr lang="ko-KR" altLang="en-US"/>
+          </a:p>
+        </p:txBody>
+      </p:sp>
+      <p:sp>
+        <p:nvSpPr>
+          <p:cNvPr id="20" name="TextBox 19">
+            <a:extLst>
+              <a:ext uri="{FF2B5EF4-FFF2-40B4-BE49-F238E27FC236}">
+                <a16:creationId xmlns:a16="http://schemas.microsoft.com/office/drawing/2014/main" id="{86B84CA7-1CD7-01FE-6EDB-4C59E9492786}"/>
+              </a:ext>
+            </a:extLst>
+          </p:cNvPr>
+          <p:cNvSpPr txBox="1"/>
+          <p:nvPr/>
+        </p:nvSpPr>
+        <p:spPr>
+          <a:xfrm>
+            <a:off x="10781386" y="3061450"/>
+            <a:ext cx="819302" cy="400110"/>
+          </a:xfrm>
+          <a:prstGeom prst="rect">
+            <a:avLst/>
+          </a:prstGeom>
+          <a:noFill/>
+        </p:spPr>
+        <p:txBody>
+          <a:bodyPr wrap="square" rtlCol="0">
+            <a:spAutoFit/>
+          </a:bodyPr>
+          <a:lstStyle/>
+          <a:p>
+            <a:r>
+              <a:rPr lang="en-US" altLang="ko-KR" sz="2000" b="1" dirty="0"/>
+              <a:t>DB</a:t>
+            </a:r>
+            <a:endParaRPr lang="ko-KR" altLang="en-US" sz="2000" b="1" dirty="0"/>
+          </a:p>
+        </p:txBody>
+      </p:sp>
+      <p:cxnSp>
+        <p:nvCxnSpPr>
+          <p:cNvPr id="45" name="직선 화살표 연결선 44">
+            <a:extLst>
+              <a:ext uri="{FF2B5EF4-FFF2-40B4-BE49-F238E27FC236}">
+                <a16:creationId xmlns:a16="http://schemas.microsoft.com/office/drawing/2014/main" id="{FD69A057-1055-F3C6-A840-01AE2A6E4549}"/>
+              </a:ext>
+            </a:extLst>
+          </p:cNvPr>
+          <p:cNvCxnSpPr>
+            <a:cxnSpLocks/>
+            <a:stCxn id="6" idx="3"/>
+            <a:endCxn id="2" idx="1"/>
+          </p:cNvCxnSpPr>
+          <p:nvPr/>
+        </p:nvCxnSpPr>
+        <p:spPr>
+          <a:xfrm flipV="1">
+            <a:off x="1735346" y="1892501"/>
+            <a:ext cx="1487479" cy="1282539"/>
+          </a:xfrm>
+          <a:prstGeom prst="straightConnector1">
+            <a:avLst/>
+          </a:prstGeom>
+          <a:ln>
+            <a:tailEnd type="triangle"/>
+          </a:ln>
+        </p:spPr>
+        <p:style>
+          <a:lnRef idx="3">
+            <a:schemeClr val="dk1"/>
+          </a:lnRef>
+          <a:fillRef idx="0">
+            <a:schemeClr val="dk1"/>
+          </a:fillRef>
+          <a:effectRef idx="2">
+            <a:schemeClr val="dk1"/>
+          </a:effectRef>
+          <a:fontRef idx="minor">
+            <a:schemeClr val="tx1"/>
+          </a:fontRef>
+        </p:style>
+      </p:cxnSp>
+      <p:cxnSp>
+        <p:nvCxnSpPr>
+          <p:cNvPr id="51" name="직선 화살표 연결선 50">
+            <a:extLst>
+              <a:ext uri="{FF2B5EF4-FFF2-40B4-BE49-F238E27FC236}">
+                <a16:creationId xmlns:a16="http://schemas.microsoft.com/office/drawing/2014/main" id="{BAB5D22D-0DE3-0D2F-8EE1-2B33082BC0B5}"/>
+              </a:ext>
+            </a:extLst>
+          </p:cNvPr>
+          <p:cNvCxnSpPr>
+            <a:cxnSpLocks/>
+            <a:stCxn id="3" idx="3"/>
+            <a:endCxn id="12" idx="1"/>
+          </p:cNvCxnSpPr>
+          <p:nvPr/>
+        </p:nvCxnSpPr>
+        <p:spPr>
+          <a:xfrm>
+            <a:off x="4572314" y="1892501"/>
+            <a:ext cx="933319" cy="0"/>
+          </a:xfrm>
+          <a:prstGeom prst="straightConnector1">
+            <a:avLst/>
+          </a:prstGeom>
+          <a:ln>
+            <a:tailEnd type="triangle"/>
+          </a:ln>
+        </p:spPr>
+        <p:style>
+          <a:lnRef idx="3">
+            <a:schemeClr val="dk1"/>
+          </a:lnRef>
+          <a:fillRef idx="0">
+            <a:schemeClr val="dk1"/>
+          </a:fillRef>
+          <a:effectRef idx="2">
+            <a:schemeClr val="dk1"/>
+          </a:effectRef>
+          <a:fontRef idx="minor">
+            <a:schemeClr val="tx1"/>
+          </a:fontRef>
+        </p:style>
+      </p:cxnSp>
+      <p:cxnSp>
+        <p:nvCxnSpPr>
+          <p:cNvPr id="54" name="직선 화살표 연결선 53">
+            <a:extLst>
+              <a:ext uri="{FF2B5EF4-FFF2-40B4-BE49-F238E27FC236}">
+                <a16:creationId xmlns:a16="http://schemas.microsoft.com/office/drawing/2014/main" id="{520C419D-828F-F1B7-4C46-E95C0C058478}"/>
+              </a:ext>
+            </a:extLst>
+          </p:cNvPr>
+          <p:cNvCxnSpPr>
+            <a:cxnSpLocks/>
+            <a:stCxn id="12" idx="3"/>
+            <a:endCxn id="14" idx="1"/>
+          </p:cNvCxnSpPr>
+          <p:nvPr/>
+        </p:nvCxnSpPr>
+        <p:spPr>
+          <a:xfrm>
+            <a:off x="6855122" y="1892501"/>
+            <a:ext cx="866472" cy="0"/>
+          </a:xfrm>
+          <a:prstGeom prst="straightConnector1">
+            <a:avLst/>
+          </a:prstGeom>
+          <a:ln>
+            <a:tailEnd type="triangle"/>
+          </a:ln>
+        </p:spPr>
+        <p:style>
+          <a:lnRef idx="3">
+            <a:schemeClr val="dk1"/>
+          </a:lnRef>
+          <a:fillRef idx="0">
+            <a:schemeClr val="dk1"/>
+          </a:fillRef>
+          <a:effectRef idx="2">
+            <a:schemeClr val="dk1"/>
+          </a:effectRef>
+          <a:fontRef idx="minor">
+            <a:schemeClr val="tx1"/>
+          </a:fontRef>
+        </p:style>
+      </p:cxnSp>
+      <p:cxnSp>
+        <p:nvCxnSpPr>
+          <p:cNvPr id="80" name="연결선: 꺾임 79">
+            <a:extLst>
+              <a:ext uri="{FF2B5EF4-FFF2-40B4-BE49-F238E27FC236}">
+                <a16:creationId xmlns:a16="http://schemas.microsoft.com/office/drawing/2014/main" id="{417EA4D9-7C4E-D68F-25AB-183B2432C1E7}"/>
+              </a:ext>
+            </a:extLst>
+          </p:cNvPr>
+          <p:cNvCxnSpPr>
+            <a:cxnSpLocks/>
+            <a:stCxn id="19" idx="3"/>
+            <a:endCxn id="82" idx="3"/>
+          </p:cNvCxnSpPr>
+          <p:nvPr/>
+        </p:nvCxnSpPr>
+        <p:spPr>
+          <a:xfrm rot="5400000">
+            <a:off x="5331224" y="339126"/>
+            <a:ext cx="2166214" cy="9237434"/>
+          </a:xfrm>
+          <a:prstGeom prst="bentConnector2">
+            <a:avLst/>
+          </a:prstGeom>
+          <a:ln>
+            <a:tailEnd type="triangle"/>
+          </a:ln>
+        </p:spPr>
+        <p:style>
+          <a:lnRef idx="3">
+            <a:schemeClr val="dk1"/>
+          </a:lnRef>
+          <a:fillRef idx="0">
+            <a:schemeClr val="dk1"/>
+          </a:fillRef>
+          <a:effectRef idx="2">
+            <a:schemeClr val="dk1"/>
+          </a:effectRef>
+          <a:fontRef idx="minor">
+            <a:schemeClr val="tx1"/>
+          </a:fontRef>
+        </p:style>
+      </p:cxnSp>
+      <p:sp>
+        <p:nvSpPr>
+          <p:cNvPr id="82" name="직사각형 81">
+            <a:extLst>
+              <a:ext uri="{FF2B5EF4-FFF2-40B4-BE49-F238E27FC236}">
+                <a16:creationId xmlns:a16="http://schemas.microsoft.com/office/drawing/2014/main" id="{BF27FF35-E84F-9FCB-BC1C-C9B65F50EF1C}"/>
+              </a:ext>
+            </a:extLst>
+          </p:cNvPr>
+          <p:cNvSpPr/>
+          <p:nvPr/>
+        </p:nvSpPr>
+        <p:spPr>
+          <a:xfrm>
+            <a:off x="446125" y="5664481"/>
+            <a:ext cx="1349489" cy="752938"/>
+          </a:xfrm>
+          <a:prstGeom prst="rect">
+            <a:avLst/>
+          </a:prstGeom>
+          <a:solidFill>
+            <a:schemeClr val="accent5">
+              <a:lumMod val="60000"/>
+              <a:lumOff val="40000"/>
+            </a:schemeClr>
+          </a:solidFill>
+        </p:spPr>
+        <p:style>
+          <a:lnRef idx="2">
+            <a:schemeClr val="accent1">
+              <a:shade val="50000"/>
+            </a:schemeClr>
+          </a:lnRef>
+          <a:fillRef idx="1">
+            <a:schemeClr val="accent1"/>
+          </a:fillRef>
+          <a:effectRef idx="0">
+            <a:schemeClr val="accent1"/>
+          </a:effectRef>
+          <a:fontRef idx="minor">
+            <a:schemeClr val="lt1"/>
+          </a:fontRef>
+        </p:style>
+        <p:txBody>
+          <a:bodyPr rtlCol="0" anchor="ctr"/>
+          <a:lstStyle/>
+          <a:p>
+            <a:pPr algn="ctr"/>
+            <a:endParaRPr lang="ko-KR" altLang="en-US"/>
+          </a:p>
+        </p:txBody>
+      </p:sp>
+      <p:sp>
+        <p:nvSpPr>
+          <p:cNvPr id="83" name="TextBox 82">
+            <a:extLst>
+              <a:ext uri="{FF2B5EF4-FFF2-40B4-BE49-F238E27FC236}">
+                <a16:creationId xmlns:a16="http://schemas.microsoft.com/office/drawing/2014/main" id="{BFBCE4DC-4CB3-9328-A6BA-795C40F53F1A}"/>
+              </a:ext>
+            </a:extLst>
+          </p:cNvPr>
+          <p:cNvSpPr txBox="1"/>
+          <p:nvPr/>
+        </p:nvSpPr>
+        <p:spPr>
+          <a:xfrm>
+            <a:off x="801636" y="5902450"/>
+            <a:ext cx="830658" cy="276999"/>
+          </a:xfrm>
+          <a:prstGeom prst="rect">
+            <a:avLst/>
+          </a:prstGeom>
+          <a:noFill/>
+        </p:spPr>
+        <p:txBody>
+          <a:bodyPr wrap="square" rtlCol="0">
+            <a:spAutoFit/>
+          </a:bodyPr>
+          <a:lstStyle/>
+          <a:p>
+            <a:r>
+              <a:rPr lang="en-US" altLang="ko-KR" sz="1200" b="1" dirty="0"/>
+              <a:t>VIEW</a:t>
+            </a:r>
+            <a:endParaRPr lang="ko-KR" altLang="en-US" sz="1200" b="1" dirty="0"/>
+          </a:p>
+        </p:txBody>
+      </p:sp>
+      <p:cxnSp>
+        <p:nvCxnSpPr>
+          <p:cNvPr id="85" name="직선 화살표 연결선 84">
+            <a:extLst>
+              <a:ext uri="{FF2B5EF4-FFF2-40B4-BE49-F238E27FC236}">
+                <a16:creationId xmlns:a16="http://schemas.microsoft.com/office/drawing/2014/main" id="{A8B82EDE-6BC5-7BE9-B487-5360EFB48A60}"/>
+              </a:ext>
+            </a:extLst>
+          </p:cNvPr>
+          <p:cNvCxnSpPr>
+            <a:cxnSpLocks/>
+            <a:stCxn id="82" idx="0"/>
+            <a:endCxn id="6" idx="2"/>
+          </p:cNvCxnSpPr>
+          <p:nvPr/>
+        </p:nvCxnSpPr>
+        <p:spPr>
+          <a:xfrm flipV="1">
+            <a:off x="1120870" y="4267436"/>
+            <a:ext cx="0" cy="1397045"/>
+          </a:xfrm>
+          <a:prstGeom prst="straightConnector1">
+            <a:avLst/>
+          </a:prstGeom>
+          <a:ln>
+            <a:tailEnd type="triangle"/>
+          </a:ln>
+        </p:spPr>
+        <p:style>
+          <a:lnRef idx="3">
+            <a:schemeClr val="dk1"/>
+          </a:lnRef>
+          <a:fillRef idx="0">
+            <a:schemeClr val="dk1"/>
+          </a:fillRef>
+          <a:effectRef idx="2">
+            <a:schemeClr val="dk1"/>
+          </a:effectRef>
+          <a:fontRef idx="minor">
+            <a:schemeClr val="tx1"/>
+          </a:fontRef>
+        </p:style>
+      </p:cxnSp>
+      <p:sp>
+        <p:nvSpPr>
+          <p:cNvPr id="90" name="TextBox 89">
+            <a:extLst>
+              <a:ext uri="{FF2B5EF4-FFF2-40B4-BE49-F238E27FC236}">
+                <a16:creationId xmlns:a16="http://schemas.microsoft.com/office/drawing/2014/main" id="{1323E467-B04A-F00C-A513-A6926E42B1AC}"/>
+              </a:ext>
+            </a:extLst>
+          </p:cNvPr>
+          <p:cNvSpPr txBox="1"/>
+          <p:nvPr/>
+        </p:nvSpPr>
+        <p:spPr>
+          <a:xfrm>
+            <a:off x="2203163" y="5724066"/>
+            <a:ext cx="722844" cy="307777"/>
+          </a:xfrm>
+          <a:prstGeom prst="rect">
+            <a:avLst/>
+          </a:prstGeom>
+          <a:noFill/>
+        </p:spPr>
+        <p:txBody>
+          <a:bodyPr wrap="square" rtlCol="0">
+            <a:spAutoFit/>
+          </a:bodyPr>
+          <a:lstStyle/>
+          <a:p>
+            <a:r>
+              <a:rPr lang="ko-KR" altLang="en-US" sz="1400" dirty="0"/>
+              <a:t>응답</a:t>
+            </a:r>
+          </a:p>
+        </p:txBody>
+      </p:sp>
+      <p:sp>
+        <p:nvSpPr>
+          <p:cNvPr id="8" name="직사각형 7">
+            <a:extLst>
+              <a:ext uri="{FF2B5EF4-FFF2-40B4-BE49-F238E27FC236}">
+                <a16:creationId xmlns:a16="http://schemas.microsoft.com/office/drawing/2014/main" id="{31C1CD92-32EC-CA8F-F40B-381C73684D16}"/>
+              </a:ext>
+            </a:extLst>
+          </p:cNvPr>
+          <p:cNvSpPr/>
+          <p:nvPr/>
+        </p:nvSpPr>
+        <p:spPr>
+          <a:xfrm>
+            <a:off x="7721594" y="2572947"/>
+            <a:ext cx="1349489" cy="752938"/>
+          </a:xfrm>
+          <a:prstGeom prst="rect">
+            <a:avLst/>
+          </a:prstGeom>
+          <a:solidFill>
+            <a:schemeClr val="accent5">
+              <a:lumMod val="60000"/>
+              <a:lumOff val="40000"/>
+            </a:schemeClr>
+          </a:solidFill>
+        </p:spPr>
+        <p:style>
+          <a:lnRef idx="2">
+            <a:schemeClr val="accent1">
+              <a:shade val="50000"/>
+            </a:schemeClr>
+          </a:lnRef>
+          <a:fillRef idx="1">
+            <a:schemeClr val="accent1"/>
+          </a:fillRef>
+          <a:effectRef idx="0">
+            <a:schemeClr val="accent1"/>
+          </a:effectRef>
+          <a:fontRef idx="minor">
+            <a:schemeClr val="lt1"/>
+          </a:fontRef>
+        </p:style>
+        <p:txBody>
+          <a:bodyPr rtlCol="0" anchor="ctr"/>
+          <a:lstStyle/>
+          <a:p>
+            <a:pPr algn="ctr"/>
+            <a:endParaRPr lang="ko-KR" altLang="en-US"/>
+          </a:p>
+        </p:txBody>
+      </p:sp>
+      <p:sp>
+        <p:nvSpPr>
+          <p:cNvPr id="10" name="TextBox 9">
+            <a:extLst>
+              <a:ext uri="{FF2B5EF4-FFF2-40B4-BE49-F238E27FC236}">
+                <a16:creationId xmlns:a16="http://schemas.microsoft.com/office/drawing/2014/main" id="{B30AD9A8-A21E-ACA1-FD86-417AACAF11AB}"/>
+              </a:ext>
+            </a:extLst>
+          </p:cNvPr>
+          <p:cNvSpPr txBox="1"/>
+          <p:nvPr/>
+        </p:nvSpPr>
+        <p:spPr>
+          <a:xfrm>
+            <a:off x="7869451" y="2810916"/>
+            <a:ext cx="1201632" cy="276999"/>
+          </a:xfrm>
+          <a:prstGeom prst="rect">
+            <a:avLst/>
+          </a:prstGeom>
+          <a:noFill/>
+        </p:spPr>
+        <p:txBody>
+          <a:bodyPr wrap="square" rtlCol="0">
+            <a:spAutoFit/>
+          </a:bodyPr>
+          <a:lstStyle/>
+          <a:p>
+            <a:r>
+              <a:rPr lang="ko-KR" altLang="en-US" sz="1200" b="1" dirty="0"/>
+              <a:t>결제 성공 </a:t>
+            </a:r>
+          </a:p>
+        </p:txBody>
+      </p:sp>
+      <p:sp>
+        <p:nvSpPr>
+          <p:cNvPr id="18" name="직사각형 17">
+            <a:extLst>
+              <a:ext uri="{FF2B5EF4-FFF2-40B4-BE49-F238E27FC236}">
+                <a16:creationId xmlns:a16="http://schemas.microsoft.com/office/drawing/2014/main" id="{18BC5B6D-7BB1-5584-73DF-B1E5EEAC67F5}"/>
+              </a:ext>
+            </a:extLst>
+          </p:cNvPr>
+          <p:cNvSpPr/>
+          <p:nvPr/>
+        </p:nvSpPr>
+        <p:spPr>
+          <a:xfrm>
+            <a:off x="7721594" y="413247"/>
+            <a:ext cx="1349489" cy="752938"/>
+          </a:xfrm>
+          <a:prstGeom prst="rect">
+            <a:avLst/>
+          </a:prstGeom>
+          <a:solidFill>
+            <a:schemeClr val="accent5">
+              <a:lumMod val="60000"/>
+              <a:lumOff val="40000"/>
+            </a:schemeClr>
+          </a:solidFill>
+        </p:spPr>
+        <p:style>
+          <a:lnRef idx="2">
+            <a:schemeClr val="accent1">
+              <a:shade val="50000"/>
+            </a:schemeClr>
+          </a:lnRef>
+          <a:fillRef idx="1">
+            <a:schemeClr val="accent1"/>
+          </a:fillRef>
+          <a:effectRef idx="0">
+            <a:schemeClr val="accent1"/>
+          </a:effectRef>
+          <a:fontRef idx="minor">
+            <a:schemeClr val="lt1"/>
+          </a:fontRef>
+        </p:style>
+        <p:txBody>
+          <a:bodyPr rtlCol="0" anchor="ctr"/>
+          <a:lstStyle/>
+          <a:p>
+            <a:pPr algn="ctr"/>
+            <a:endParaRPr lang="ko-KR" altLang="en-US"/>
+          </a:p>
+        </p:txBody>
+      </p:sp>
+      <p:sp>
+        <p:nvSpPr>
+          <p:cNvPr id="21" name="TextBox 20">
+            <a:extLst>
+              <a:ext uri="{FF2B5EF4-FFF2-40B4-BE49-F238E27FC236}">
+                <a16:creationId xmlns:a16="http://schemas.microsoft.com/office/drawing/2014/main" id="{8E885D53-F0E3-3FBF-7877-B290C45EDEFC}"/>
+              </a:ext>
+            </a:extLst>
+          </p:cNvPr>
+          <p:cNvSpPr txBox="1"/>
+          <p:nvPr/>
+        </p:nvSpPr>
+        <p:spPr>
+          <a:xfrm>
+            <a:off x="7869451" y="651216"/>
+            <a:ext cx="1201632" cy="276999"/>
+          </a:xfrm>
+          <a:prstGeom prst="rect">
+            <a:avLst/>
+          </a:prstGeom>
+          <a:noFill/>
+        </p:spPr>
+        <p:txBody>
+          <a:bodyPr wrap="square" rtlCol="0">
+            <a:spAutoFit/>
+          </a:bodyPr>
+          <a:lstStyle/>
+          <a:p>
+            <a:r>
+              <a:rPr lang="ko-KR" altLang="en-US" sz="1200" b="1" dirty="0"/>
+              <a:t>결제 실패</a:t>
+            </a:r>
+          </a:p>
+        </p:txBody>
+      </p:sp>
+      <p:cxnSp>
+        <p:nvCxnSpPr>
+          <p:cNvPr id="23" name="직선 화살표 연결선 22">
+            <a:extLst>
+              <a:ext uri="{FF2B5EF4-FFF2-40B4-BE49-F238E27FC236}">
+                <a16:creationId xmlns:a16="http://schemas.microsoft.com/office/drawing/2014/main" id="{90693C7D-08DF-9BE1-E1A2-8E6E6C474F30}"/>
+              </a:ext>
+            </a:extLst>
+          </p:cNvPr>
+          <p:cNvCxnSpPr>
+            <a:cxnSpLocks/>
+            <a:stCxn id="14" idx="2"/>
+            <a:endCxn id="8" idx="0"/>
+          </p:cNvCxnSpPr>
+          <p:nvPr/>
+        </p:nvCxnSpPr>
+        <p:spPr>
+          <a:xfrm>
+            <a:off x="8396339" y="2268970"/>
+            <a:ext cx="0" cy="303977"/>
+          </a:xfrm>
+          <a:prstGeom prst="straightConnector1">
+            <a:avLst/>
+          </a:prstGeom>
+          <a:ln>
+            <a:tailEnd type="triangle"/>
+          </a:ln>
+        </p:spPr>
+        <p:style>
+          <a:lnRef idx="3">
+            <a:schemeClr val="dk1"/>
+          </a:lnRef>
+          <a:fillRef idx="0">
+            <a:schemeClr val="dk1"/>
+          </a:fillRef>
+          <a:effectRef idx="2">
+            <a:schemeClr val="dk1"/>
+          </a:effectRef>
+          <a:fontRef idx="minor">
+            <a:schemeClr val="tx1"/>
+          </a:fontRef>
+        </p:style>
+      </p:cxnSp>
+      <p:cxnSp>
+        <p:nvCxnSpPr>
+          <p:cNvPr id="34" name="직선 화살표 연결선 33">
+            <a:extLst>
+              <a:ext uri="{FF2B5EF4-FFF2-40B4-BE49-F238E27FC236}">
+                <a16:creationId xmlns:a16="http://schemas.microsoft.com/office/drawing/2014/main" id="{EDAD8F47-24CD-EBCB-C414-ABE48C8AF7B3}"/>
+              </a:ext>
+            </a:extLst>
+          </p:cNvPr>
+          <p:cNvCxnSpPr>
+            <a:cxnSpLocks/>
+            <a:stCxn id="14" idx="0"/>
+            <a:endCxn id="18" idx="2"/>
+          </p:cNvCxnSpPr>
+          <p:nvPr/>
+        </p:nvCxnSpPr>
+        <p:spPr>
+          <a:xfrm flipV="1">
+            <a:off x="8396339" y="1166185"/>
+            <a:ext cx="0" cy="349847"/>
+          </a:xfrm>
+          <a:prstGeom prst="straightConnector1">
+            <a:avLst/>
+          </a:prstGeom>
+          <a:ln>
+            <a:tailEnd type="triangle"/>
+          </a:ln>
+        </p:spPr>
+        <p:style>
+          <a:lnRef idx="3">
+            <a:schemeClr val="dk1"/>
+          </a:lnRef>
+          <a:fillRef idx="0">
+            <a:schemeClr val="dk1"/>
+          </a:fillRef>
+          <a:effectRef idx="2">
+            <a:schemeClr val="dk1"/>
+          </a:effectRef>
+          <a:fontRef idx="minor">
+            <a:schemeClr val="tx1"/>
+          </a:fontRef>
+        </p:style>
+      </p:cxnSp>
+      <p:cxnSp>
+        <p:nvCxnSpPr>
+          <p:cNvPr id="37" name="연결선: 꺾임 36">
+            <a:extLst>
+              <a:ext uri="{FF2B5EF4-FFF2-40B4-BE49-F238E27FC236}">
+                <a16:creationId xmlns:a16="http://schemas.microsoft.com/office/drawing/2014/main" id="{4ABD8F46-A1AC-E157-04A0-8ECAE4B6021C}"/>
+              </a:ext>
+            </a:extLst>
+          </p:cNvPr>
+          <p:cNvCxnSpPr>
+            <a:cxnSpLocks/>
+            <a:stCxn id="18" idx="0"/>
+            <a:endCxn id="2" idx="0"/>
+          </p:cNvCxnSpPr>
+          <p:nvPr/>
+        </p:nvCxnSpPr>
+        <p:spPr>
+          <a:xfrm rot="16200000" flipH="1" flipV="1">
+            <a:off x="5595562" y="-1284746"/>
+            <a:ext cx="1102785" cy="4498769"/>
+          </a:xfrm>
+          <a:prstGeom prst="bentConnector3">
+            <a:avLst>
+              <a:gd name="adj1" fmla="val -20729"/>
+            </a:avLst>
+          </a:prstGeom>
+          <a:ln>
+            <a:tailEnd type="triangle"/>
+          </a:ln>
+        </p:spPr>
+        <p:style>
+          <a:lnRef idx="3">
+            <a:schemeClr val="dk1"/>
+          </a:lnRef>
+          <a:fillRef idx="0">
+            <a:schemeClr val="dk1"/>
+          </a:fillRef>
+          <a:effectRef idx="2">
+            <a:schemeClr val="dk1"/>
+          </a:effectRef>
+          <a:fontRef idx="minor">
+            <a:schemeClr val="tx1"/>
+          </a:fontRef>
+        </p:style>
+      </p:cxnSp>
+      <p:sp>
+        <p:nvSpPr>
+          <p:cNvPr id="50" name="TextBox 49">
+            <a:extLst>
+              <a:ext uri="{FF2B5EF4-FFF2-40B4-BE49-F238E27FC236}">
+                <a16:creationId xmlns:a16="http://schemas.microsoft.com/office/drawing/2014/main" id="{D1B818B8-7F3A-5DAD-AF8F-A429CF6BFAF9}"/>
+              </a:ext>
+            </a:extLst>
+          </p:cNvPr>
+          <p:cNvSpPr txBox="1"/>
+          <p:nvPr/>
+        </p:nvSpPr>
+        <p:spPr>
+          <a:xfrm>
+            <a:off x="369688" y="525993"/>
+            <a:ext cx="5240805" cy="584775"/>
+          </a:xfrm>
+          <a:prstGeom prst="rect">
+            <a:avLst/>
+          </a:prstGeom>
+          <a:noFill/>
+        </p:spPr>
+        <p:txBody>
+          <a:bodyPr wrap="square" rtlCol="0">
+            <a:spAutoFit/>
+          </a:bodyPr>
+          <a:lstStyle/>
+          <a:p>
+            <a:r>
+              <a:rPr lang="ko-KR" altLang="en-US" sz="3200" b="1" dirty="0"/>
+              <a:t>예약</a:t>
+            </a:r>
+          </a:p>
+        </p:txBody>
+      </p:sp>
+      <p:sp>
+        <p:nvSpPr>
+          <p:cNvPr id="52" name="직사각형 51">
+            <a:extLst>
+              <a:ext uri="{FF2B5EF4-FFF2-40B4-BE49-F238E27FC236}">
+                <a16:creationId xmlns:a16="http://schemas.microsoft.com/office/drawing/2014/main" id="{E203F7DA-52AF-D7F4-AC15-1651E2F7EE5E}"/>
+              </a:ext>
+            </a:extLst>
+          </p:cNvPr>
+          <p:cNvSpPr/>
+          <p:nvPr/>
+        </p:nvSpPr>
+        <p:spPr>
+          <a:xfrm>
+            <a:off x="3222825" y="3529286"/>
+            <a:ext cx="1349489" cy="752938"/>
+          </a:xfrm>
+          <a:prstGeom prst="rect">
+            <a:avLst/>
+          </a:prstGeom>
+          <a:solidFill>
+            <a:schemeClr val="accent5">
+              <a:lumMod val="60000"/>
+              <a:lumOff val="40000"/>
+            </a:schemeClr>
+          </a:solidFill>
+        </p:spPr>
+        <p:style>
+          <a:lnRef idx="2">
+            <a:schemeClr val="accent1">
+              <a:shade val="50000"/>
+            </a:schemeClr>
+          </a:lnRef>
+          <a:fillRef idx="1">
+            <a:schemeClr val="accent1"/>
+          </a:fillRef>
+          <a:effectRef idx="0">
+            <a:schemeClr val="accent1"/>
+          </a:effectRef>
+          <a:fontRef idx="minor">
+            <a:schemeClr val="lt1"/>
+          </a:fontRef>
+        </p:style>
+        <p:txBody>
+          <a:bodyPr rtlCol="0" anchor="ctr"/>
+          <a:lstStyle/>
+          <a:p>
+            <a:pPr algn="ctr"/>
+            <a:endParaRPr lang="ko-KR" altLang="en-US"/>
+          </a:p>
+        </p:txBody>
+      </p:sp>
+      <p:sp>
+        <p:nvSpPr>
+          <p:cNvPr id="53" name="TextBox 52">
+            <a:extLst>
+              <a:ext uri="{FF2B5EF4-FFF2-40B4-BE49-F238E27FC236}">
+                <a16:creationId xmlns:a16="http://schemas.microsoft.com/office/drawing/2014/main" id="{946CA27C-8FCB-C033-BD30-32467E9823EE}"/>
+              </a:ext>
+            </a:extLst>
+          </p:cNvPr>
+          <p:cNvSpPr txBox="1"/>
+          <p:nvPr/>
+        </p:nvSpPr>
+        <p:spPr>
+          <a:xfrm>
+            <a:off x="3272109" y="3788087"/>
+            <a:ext cx="1228953" cy="276999"/>
+          </a:xfrm>
+          <a:prstGeom prst="rect">
+            <a:avLst/>
+          </a:prstGeom>
+          <a:noFill/>
+        </p:spPr>
+        <p:txBody>
+          <a:bodyPr wrap="square" rtlCol="0">
+            <a:spAutoFit/>
+          </a:bodyPr>
+          <a:lstStyle/>
+          <a:p>
+            <a:r>
+              <a:rPr lang="ko-KR" altLang="en-US" sz="1200" b="1" dirty="0"/>
+              <a:t>예약 내역 요청</a:t>
+            </a:r>
+          </a:p>
+        </p:txBody>
+      </p:sp>
+      <p:sp>
+        <p:nvSpPr>
+          <p:cNvPr id="55" name="직사각형 54">
+            <a:extLst>
+              <a:ext uri="{FF2B5EF4-FFF2-40B4-BE49-F238E27FC236}">
+                <a16:creationId xmlns:a16="http://schemas.microsoft.com/office/drawing/2014/main" id="{C0EC734C-3E72-443F-2A33-F607056C578D}"/>
+              </a:ext>
+            </a:extLst>
+          </p:cNvPr>
+          <p:cNvSpPr/>
+          <p:nvPr/>
+        </p:nvSpPr>
+        <p:spPr>
+          <a:xfrm>
+            <a:off x="7721594" y="3529286"/>
+            <a:ext cx="1349489" cy="752938"/>
+          </a:xfrm>
+          <a:prstGeom prst="rect">
+            <a:avLst/>
+          </a:prstGeom>
+          <a:solidFill>
+            <a:schemeClr val="accent5">
+              <a:lumMod val="60000"/>
+              <a:lumOff val="40000"/>
+            </a:schemeClr>
+          </a:solidFill>
+        </p:spPr>
+        <p:style>
+          <a:lnRef idx="2">
+            <a:schemeClr val="accent1">
+              <a:shade val="50000"/>
+            </a:schemeClr>
+          </a:lnRef>
+          <a:fillRef idx="1">
+            <a:schemeClr val="accent1"/>
+          </a:fillRef>
+          <a:effectRef idx="0">
+            <a:schemeClr val="accent1"/>
+          </a:effectRef>
+          <a:fontRef idx="minor">
+            <a:schemeClr val="lt1"/>
+          </a:fontRef>
+        </p:style>
+        <p:txBody>
+          <a:bodyPr rtlCol="0" anchor="ctr"/>
+          <a:lstStyle/>
+          <a:p>
+            <a:pPr algn="ctr"/>
+            <a:endParaRPr lang="ko-KR" altLang="en-US"/>
+          </a:p>
+        </p:txBody>
+      </p:sp>
+      <p:sp>
+        <p:nvSpPr>
+          <p:cNvPr id="56" name="TextBox 55">
+            <a:extLst>
+              <a:ext uri="{FF2B5EF4-FFF2-40B4-BE49-F238E27FC236}">
+                <a16:creationId xmlns:a16="http://schemas.microsoft.com/office/drawing/2014/main" id="{F8E47F79-22F7-0266-0B06-773955078CB3}"/>
+              </a:ext>
+            </a:extLst>
+          </p:cNvPr>
+          <p:cNvSpPr txBox="1"/>
+          <p:nvPr/>
+        </p:nvSpPr>
+        <p:spPr>
+          <a:xfrm>
+            <a:off x="7911768" y="3682058"/>
+            <a:ext cx="1124037" cy="461665"/>
+          </a:xfrm>
+          <a:prstGeom prst="rect">
+            <a:avLst/>
+          </a:prstGeom>
+          <a:noFill/>
+        </p:spPr>
+        <p:txBody>
+          <a:bodyPr wrap="square" rtlCol="0">
+            <a:spAutoFit/>
+          </a:bodyPr>
+          <a:lstStyle/>
+          <a:p>
+            <a:r>
+              <a:rPr lang="ko-KR" altLang="en-US" sz="1200" b="1" dirty="0"/>
+              <a:t>등록된 예약 정보 조회</a:t>
+            </a:r>
+          </a:p>
+        </p:txBody>
+      </p:sp>
+      <p:cxnSp>
+        <p:nvCxnSpPr>
+          <p:cNvPr id="58" name="직선 화살표 연결선 57">
+            <a:extLst>
+              <a:ext uri="{FF2B5EF4-FFF2-40B4-BE49-F238E27FC236}">
+                <a16:creationId xmlns:a16="http://schemas.microsoft.com/office/drawing/2014/main" id="{29350B97-9B65-D8BC-848E-9B1B665E2FE6}"/>
+              </a:ext>
+            </a:extLst>
+          </p:cNvPr>
+          <p:cNvCxnSpPr>
+            <a:cxnSpLocks/>
+            <a:stCxn id="52" idx="3"/>
+            <a:endCxn id="55" idx="1"/>
+          </p:cNvCxnSpPr>
+          <p:nvPr/>
+        </p:nvCxnSpPr>
+        <p:spPr>
+          <a:xfrm>
+            <a:off x="4572314" y="3905755"/>
+            <a:ext cx="3149280" cy="0"/>
+          </a:xfrm>
+          <a:prstGeom prst="straightConnector1">
+            <a:avLst/>
+          </a:prstGeom>
+          <a:ln>
+            <a:tailEnd type="triangle"/>
+          </a:ln>
+        </p:spPr>
+        <p:style>
+          <a:lnRef idx="3">
+            <a:schemeClr val="dk1"/>
+          </a:lnRef>
+          <a:fillRef idx="0">
+            <a:schemeClr val="dk1"/>
+          </a:fillRef>
+          <a:effectRef idx="2">
+            <a:schemeClr val="dk1"/>
+          </a:effectRef>
+          <a:fontRef idx="minor">
+            <a:schemeClr val="tx1"/>
+          </a:fontRef>
+        </p:style>
+      </p:cxnSp>
+      <p:cxnSp>
+        <p:nvCxnSpPr>
+          <p:cNvPr id="62" name="직선 화살표 연결선 61">
+            <a:extLst>
+              <a:ext uri="{FF2B5EF4-FFF2-40B4-BE49-F238E27FC236}">
+                <a16:creationId xmlns:a16="http://schemas.microsoft.com/office/drawing/2014/main" id="{5DB11EE2-CB1D-29CF-5053-275A2B1613E5}"/>
+              </a:ext>
+            </a:extLst>
+          </p:cNvPr>
+          <p:cNvCxnSpPr>
+            <a:cxnSpLocks/>
+            <a:stCxn id="6" idx="3"/>
+            <a:endCxn id="52" idx="1"/>
+          </p:cNvCxnSpPr>
+          <p:nvPr/>
+        </p:nvCxnSpPr>
+        <p:spPr>
+          <a:xfrm>
+            <a:off x="1735346" y="3175040"/>
+            <a:ext cx="1487479" cy="730715"/>
+          </a:xfrm>
+          <a:prstGeom prst="straightConnector1">
+            <a:avLst/>
+          </a:prstGeom>
+          <a:ln>
+            <a:tailEnd type="triangle"/>
+          </a:ln>
+        </p:spPr>
+        <p:style>
+          <a:lnRef idx="3">
+            <a:schemeClr val="dk1"/>
+          </a:lnRef>
+          <a:fillRef idx="0">
+            <a:schemeClr val="dk1"/>
+          </a:fillRef>
+          <a:effectRef idx="2">
+            <a:schemeClr val="dk1"/>
+          </a:effectRef>
+          <a:fontRef idx="minor">
+            <a:schemeClr val="tx1"/>
+          </a:fontRef>
+        </p:style>
+      </p:cxnSp>
+      <p:cxnSp>
+        <p:nvCxnSpPr>
+          <p:cNvPr id="65" name="직선 화살표 연결선 64">
+            <a:extLst>
+              <a:ext uri="{FF2B5EF4-FFF2-40B4-BE49-F238E27FC236}">
+                <a16:creationId xmlns:a16="http://schemas.microsoft.com/office/drawing/2014/main" id="{73775F25-5567-766C-E033-10AF2EDDE4C9}"/>
+              </a:ext>
+            </a:extLst>
+          </p:cNvPr>
+          <p:cNvCxnSpPr>
+            <a:cxnSpLocks/>
+            <a:stCxn id="55" idx="3"/>
+            <a:endCxn id="19" idx="2"/>
+          </p:cNvCxnSpPr>
+          <p:nvPr/>
+        </p:nvCxnSpPr>
+        <p:spPr>
+          <a:xfrm flipV="1">
+            <a:off x="9071083" y="3205663"/>
+            <a:ext cx="1460160" cy="700092"/>
+          </a:xfrm>
+          <a:prstGeom prst="straightConnector1">
+            <a:avLst/>
+          </a:prstGeom>
+          <a:ln>
+            <a:tailEnd type="triangle"/>
+          </a:ln>
+        </p:spPr>
+        <p:style>
+          <a:lnRef idx="3">
+            <a:schemeClr val="dk1"/>
+          </a:lnRef>
+          <a:fillRef idx="0">
+            <a:schemeClr val="dk1"/>
+          </a:fillRef>
+          <a:effectRef idx="2">
+            <a:schemeClr val="dk1"/>
+          </a:effectRef>
+          <a:fontRef idx="minor">
+            <a:schemeClr val="tx1"/>
+          </a:fontRef>
+        </p:style>
+      </p:cxnSp>
+      <p:sp>
+        <p:nvSpPr>
+          <p:cNvPr id="84" name="직사각형 83">
+            <a:extLst>
+              <a:ext uri="{FF2B5EF4-FFF2-40B4-BE49-F238E27FC236}">
+                <a16:creationId xmlns:a16="http://schemas.microsoft.com/office/drawing/2014/main" id="{826CFFB2-DC8B-C6D5-F222-44739877B922}"/>
+              </a:ext>
+            </a:extLst>
+          </p:cNvPr>
+          <p:cNvSpPr/>
+          <p:nvPr/>
+        </p:nvSpPr>
+        <p:spPr>
+          <a:xfrm>
+            <a:off x="3225114" y="4541025"/>
+            <a:ext cx="1349489" cy="752938"/>
+          </a:xfrm>
+          <a:prstGeom prst="rect">
+            <a:avLst/>
+          </a:prstGeom>
+          <a:solidFill>
+            <a:schemeClr val="accent5">
+              <a:lumMod val="60000"/>
+              <a:lumOff val="40000"/>
+            </a:schemeClr>
+          </a:solidFill>
+        </p:spPr>
+        <p:style>
+          <a:lnRef idx="2">
+            <a:schemeClr val="accent1">
+              <a:shade val="50000"/>
+            </a:schemeClr>
+          </a:lnRef>
+          <a:fillRef idx="1">
+            <a:schemeClr val="accent1"/>
+          </a:fillRef>
+          <a:effectRef idx="0">
+            <a:schemeClr val="accent1"/>
+          </a:effectRef>
+          <a:fontRef idx="minor">
+            <a:schemeClr val="lt1"/>
+          </a:fontRef>
+        </p:style>
+        <p:txBody>
+          <a:bodyPr rtlCol="0" anchor="ctr"/>
+          <a:lstStyle/>
+          <a:p>
+            <a:pPr algn="ctr"/>
+            <a:endParaRPr lang="ko-KR" altLang="en-US"/>
+          </a:p>
+        </p:txBody>
+      </p:sp>
+      <p:sp>
+        <p:nvSpPr>
+          <p:cNvPr id="86" name="TextBox 85">
+            <a:extLst>
+              <a:ext uri="{FF2B5EF4-FFF2-40B4-BE49-F238E27FC236}">
+                <a16:creationId xmlns:a16="http://schemas.microsoft.com/office/drawing/2014/main" id="{185384ED-DB24-8A81-B82A-4D11A3C2241C}"/>
+              </a:ext>
+            </a:extLst>
+          </p:cNvPr>
+          <p:cNvSpPr txBox="1"/>
+          <p:nvPr/>
+        </p:nvSpPr>
+        <p:spPr>
+          <a:xfrm>
+            <a:off x="3274398" y="4799826"/>
+            <a:ext cx="1228953" cy="276999"/>
+          </a:xfrm>
+          <a:prstGeom prst="rect">
+            <a:avLst/>
+          </a:prstGeom>
+          <a:noFill/>
+        </p:spPr>
+        <p:txBody>
+          <a:bodyPr wrap="square" rtlCol="0">
+            <a:spAutoFit/>
+          </a:bodyPr>
+          <a:lstStyle/>
+          <a:p>
+            <a:r>
+              <a:rPr lang="ko-KR" altLang="en-US" sz="1200" b="1" dirty="0"/>
+              <a:t>예약 취소 요청</a:t>
+            </a:r>
+          </a:p>
+        </p:txBody>
+      </p:sp>
+      <p:sp>
+        <p:nvSpPr>
+          <p:cNvPr id="87" name="직사각형 86">
+            <a:extLst>
+              <a:ext uri="{FF2B5EF4-FFF2-40B4-BE49-F238E27FC236}">
+                <a16:creationId xmlns:a16="http://schemas.microsoft.com/office/drawing/2014/main" id="{DBC77FE0-1835-7B60-58A5-A6308B3D9D1C}"/>
+              </a:ext>
+            </a:extLst>
+          </p:cNvPr>
+          <p:cNvSpPr/>
+          <p:nvPr/>
+        </p:nvSpPr>
+        <p:spPr>
+          <a:xfrm>
+            <a:off x="7721594" y="4525861"/>
+            <a:ext cx="1349489" cy="752938"/>
+          </a:xfrm>
+          <a:prstGeom prst="rect">
+            <a:avLst/>
+          </a:prstGeom>
+          <a:solidFill>
+            <a:schemeClr val="accent5">
+              <a:lumMod val="60000"/>
+              <a:lumOff val="40000"/>
+            </a:schemeClr>
+          </a:solidFill>
+        </p:spPr>
+        <p:style>
+          <a:lnRef idx="2">
+            <a:schemeClr val="accent1">
+              <a:shade val="50000"/>
+            </a:schemeClr>
+          </a:lnRef>
+          <a:fillRef idx="1">
+            <a:schemeClr val="accent1"/>
+          </a:fillRef>
+          <a:effectRef idx="0">
+            <a:schemeClr val="accent1"/>
+          </a:effectRef>
+          <a:fontRef idx="minor">
+            <a:schemeClr val="lt1"/>
+          </a:fontRef>
+        </p:style>
+        <p:txBody>
+          <a:bodyPr rtlCol="0" anchor="ctr"/>
+          <a:lstStyle/>
+          <a:p>
+            <a:pPr algn="ctr"/>
+            <a:endParaRPr lang="ko-KR" altLang="en-US"/>
+          </a:p>
+        </p:txBody>
+      </p:sp>
+      <p:sp>
+        <p:nvSpPr>
+          <p:cNvPr id="89" name="직사각형 88">
+            <a:extLst>
+              <a:ext uri="{FF2B5EF4-FFF2-40B4-BE49-F238E27FC236}">
+                <a16:creationId xmlns:a16="http://schemas.microsoft.com/office/drawing/2014/main" id="{FB4A1E9C-0E2A-B3FF-CD7D-97DCE1C4EC69}"/>
+              </a:ext>
+            </a:extLst>
+          </p:cNvPr>
+          <p:cNvSpPr/>
+          <p:nvPr/>
+        </p:nvSpPr>
+        <p:spPr>
+          <a:xfrm>
+            <a:off x="5542865" y="4532056"/>
+            <a:ext cx="1349489" cy="752938"/>
+          </a:xfrm>
+          <a:prstGeom prst="rect">
+            <a:avLst/>
+          </a:prstGeom>
+          <a:solidFill>
+            <a:schemeClr val="accent5">
+              <a:lumMod val="60000"/>
+              <a:lumOff val="40000"/>
+            </a:schemeClr>
+          </a:solidFill>
+        </p:spPr>
+        <p:style>
+          <a:lnRef idx="2">
+            <a:schemeClr val="accent1">
+              <a:shade val="50000"/>
+            </a:schemeClr>
+          </a:lnRef>
+          <a:fillRef idx="1">
+            <a:schemeClr val="accent1"/>
+          </a:fillRef>
+          <a:effectRef idx="0">
+            <a:schemeClr val="accent1"/>
+          </a:effectRef>
+          <a:fontRef idx="minor">
+            <a:schemeClr val="lt1"/>
+          </a:fontRef>
+        </p:style>
+        <p:txBody>
+          <a:bodyPr rtlCol="0" anchor="ctr"/>
+          <a:lstStyle/>
+          <a:p>
+            <a:pPr algn="ctr"/>
+            <a:endParaRPr lang="ko-KR" altLang="en-US"/>
+          </a:p>
+        </p:txBody>
+      </p:sp>
+      <p:sp>
+        <p:nvSpPr>
+          <p:cNvPr id="91" name="TextBox 90">
+            <a:extLst>
+              <a:ext uri="{FF2B5EF4-FFF2-40B4-BE49-F238E27FC236}">
+                <a16:creationId xmlns:a16="http://schemas.microsoft.com/office/drawing/2014/main" id="{60E6D2A3-90E0-0F53-D43B-CCD693A6DC97}"/>
+              </a:ext>
+            </a:extLst>
+          </p:cNvPr>
+          <p:cNvSpPr txBox="1"/>
+          <p:nvPr/>
+        </p:nvSpPr>
+        <p:spPr>
+          <a:xfrm>
+            <a:off x="5682030" y="4716351"/>
+            <a:ext cx="1025412" cy="461665"/>
+          </a:xfrm>
+          <a:prstGeom prst="rect">
+            <a:avLst/>
+          </a:prstGeom>
+          <a:noFill/>
+        </p:spPr>
+        <p:txBody>
+          <a:bodyPr wrap="square" rtlCol="0">
+            <a:spAutoFit/>
+          </a:bodyPr>
+          <a:lstStyle/>
+          <a:p>
+            <a:r>
+              <a:rPr lang="ko-KR" altLang="en-US" sz="1200" b="1"/>
+              <a:t>수수료 및 확인 페이지</a:t>
+            </a:r>
+            <a:endParaRPr lang="ko-KR" altLang="en-US" sz="1200" b="1" dirty="0"/>
+          </a:p>
+        </p:txBody>
+      </p:sp>
+      <p:sp>
+        <p:nvSpPr>
+          <p:cNvPr id="92" name="TextBox 91">
+            <a:extLst>
+              <a:ext uri="{FF2B5EF4-FFF2-40B4-BE49-F238E27FC236}">
+                <a16:creationId xmlns:a16="http://schemas.microsoft.com/office/drawing/2014/main" id="{C9DB3F4D-7750-DBB4-106B-F6737AF45A31}"/>
+              </a:ext>
+            </a:extLst>
+          </p:cNvPr>
+          <p:cNvSpPr txBox="1"/>
+          <p:nvPr/>
+        </p:nvSpPr>
+        <p:spPr>
+          <a:xfrm>
+            <a:off x="7806852" y="4784863"/>
+            <a:ext cx="1228953" cy="276999"/>
+          </a:xfrm>
+          <a:prstGeom prst="rect">
+            <a:avLst/>
+          </a:prstGeom>
+          <a:noFill/>
+        </p:spPr>
+        <p:txBody>
+          <a:bodyPr wrap="square" rtlCol="0">
+            <a:spAutoFit/>
+          </a:bodyPr>
+          <a:lstStyle/>
+          <a:p>
+            <a:r>
+              <a:rPr lang="ko-KR" altLang="en-US" sz="1200" b="1" dirty="0"/>
+              <a:t>예약 취소 완료</a:t>
+            </a:r>
+          </a:p>
+        </p:txBody>
+      </p:sp>
+      <p:cxnSp>
+        <p:nvCxnSpPr>
+          <p:cNvPr id="93" name="직선 화살표 연결선 92">
+            <a:extLst>
+              <a:ext uri="{FF2B5EF4-FFF2-40B4-BE49-F238E27FC236}">
+                <a16:creationId xmlns:a16="http://schemas.microsoft.com/office/drawing/2014/main" id="{474DE377-8E51-1AE8-CA07-085F5B5E7258}"/>
+              </a:ext>
+            </a:extLst>
+          </p:cNvPr>
+          <p:cNvCxnSpPr>
+            <a:cxnSpLocks/>
+            <a:stCxn id="6" idx="3"/>
+            <a:endCxn id="84" idx="1"/>
+          </p:cNvCxnSpPr>
+          <p:nvPr/>
+        </p:nvCxnSpPr>
+        <p:spPr>
+          <a:xfrm>
+            <a:off x="1735346" y="3175040"/>
+            <a:ext cx="1489768" cy="1742454"/>
+          </a:xfrm>
+          <a:prstGeom prst="straightConnector1">
+            <a:avLst/>
+          </a:prstGeom>
+          <a:ln>
+            <a:tailEnd type="triangle"/>
+          </a:ln>
+        </p:spPr>
+        <p:style>
+          <a:lnRef idx="3">
+            <a:schemeClr val="dk1"/>
+          </a:lnRef>
+          <a:fillRef idx="0">
+            <a:schemeClr val="dk1"/>
+          </a:fillRef>
+          <a:effectRef idx="2">
+            <a:schemeClr val="dk1"/>
+          </a:effectRef>
+          <a:fontRef idx="minor">
+            <a:schemeClr val="tx1"/>
+          </a:fontRef>
+        </p:style>
+      </p:cxnSp>
+      <p:cxnSp>
+        <p:nvCxnSpPr>
+          <p:cNvPr id="96" name="직선 화살표 연결선 95">
+            <a:extLst>
+              <a:ext uri="{FF2B5EF4-FFF2-40B4-BE49-F238E27FC236}">
+                <a16:creationId xmlns:a16="http://schemas.microsoft.com/office/drawing/2014/main" id="{F22B7B72-1CBB-6FA4-B5A2-968C46E753BA}"/>
+              </a:ext>
+            </a:extLst>
+          </p:cNvPr>
+          <p:cNvCxnSpPr>
+            <a:cxnSpLocks/>
+            <a:stCxn id="84" idx="3"/>
+            <a:endCxn id="89" idx="1"/>
+          </p:cNvCxnSpPr>
+          <p:nvPr/>
+        </p:nvCxnSpPr>
+        <p:spPr>
+          <a:xfrm flipV="1">
+            <a:off x="4574603" y="4908525"/>
+            <a:ext cx="968262" cy="8969"/>
+          </a:xfrm>
+          <a:prstGeom prst="straightConnector1">
+            <a:avLst/>
+          </a:prstGeom>
+          <a:ln>
+            <a:tailEnd type="triangle"/>
+          </a:ln>
+        </p:spPr>
+        <p:style>
+          <a:lnRef idx="3">
+            <a:schemeClr val="dk1"/>
+          </a:lnRef>
+          <a:fillRef idx="0">
+            <a:schemeClr val="dk1"/>
+          </a:fillRef>
+          <a:effectRef idx="2">
+            <a:schemeClr val="dk1"/>
+          </a:effectRef>
+          <a:fontRef idx="minor">
+            <a:schemeClr val="tx1"/>
+          </a:fontRef>
+        </p:style>
+      </p:cxnSp>
+      <p:cxnSp>
+        <p:nvCxnSpPr>
+          <p:cNvPr id="99" name="직선 화살표 연결선 98">
+            <a:extLst>
+              <a:ext uri="{FF2B5EF4-FFF2-40B4-BE49-F238E27FC236}">
+                <a16:creationId xmlns:a16="http://schemas.microsoft.com/office/drawing/2014/main" id="{2522F679-AA5D-D678-81A4-8B99572B7271}"/>
+              </a:ext>
+            </a:extLst>
+          </p:cNvPr>
+          <p:cNvCxnSpPr>
+            <a:cxnSpLocks/>
+            <a:stCxn id="89" idx="3"/>
+            <a:endCxn id="87" idx="1"/>
+          </p:cNvCxnSpPr>
+          <p:nvPr/>
+        </p:nvCxnSpPr>
+        <p:spPr>
+          <a:xfrm flipV="1">
+            <a:off x="6892354" y="4902330"/>
+            <a:ext cx="829240" cy="6195"/>
+          </a:xfrm>
+          <a:prstGeom prst="straightConnector1">
+            <a:avLst/>
+          </a:prstGeom>
+          <a:ln>
+            <a:tailEnd type="triangle"/>
+          </a:ln>
+        </p:spPr>
+        <p:style>
+          <a:lnRef idx="3">
+            <a:schemeClr val="dk1"/>
+          </a:lnRef>
+          <a:fillRef idx="0">
+            <a:schemeClr val="dk1"/>
+          </a:fillRef>
+          <a:effectRef idx="2">
+            <a:schemeClr val="dk1"/>
+          </a:effectRef>
+          <a:fontRef idx="minor">
+            <a:schemeClr val="tx1"/>
+          </a:fontRef>
+        </p:style>
+      </p:cxnSp>
+      <p:cxnSp>
+        <p:nvCxnSpPr>
+          <p:cNvPr id="102" name="직선 화살표 연결선 101">
+            <a:extLst>
+              <a:ext uri="{FF2B5EF4-FFF2-40B4-BE49-F238E27FC236}">
+                <a16:creationId xmlns:a16="http://schemas.microsoft.com/office/drawing/2014/main" id="{396281DA-ACA9-5427-DAAD-448320AA5E60}"/>
+              </a:ext>
+            </a:extLst>
+          </p:cNvPr>
+          <p:cNvCxnSpPr>
+            <a:cxnSpLocks/>
+            <a:stCxn id="87" idx="3"/>
+            <a:endCxn id="19" idx="2"/>
+          </p:cNvCxnSpPr>
+          <p:nvPr/>
+        </p:nvCxnSpPr>
+        <p:spPr>
+          <a:xfrm flipV="1">
+            <a:off x="9071083" y="3205663"/>
+            <a:ext cx="1460160" cy="1696667"/>
+          </a:xfrm>
+          <a:prstGeom prst="straightConnector1">
+            <a:avLst/>
+          </a:prstGeom>
+          <a:ln>
+            <a:tailEnd type="triangle"/>
+          </a:ln>
+        </p:spPr>
+        <p:style>
+          <a:lnRef idx="3">
+            <a:schemeClr val="dk1"/>
+          </a:lnRef>
+          <a:fillRef idx="0">
+            <a:schemeClr val="dk1"/>
+          </a:fillRef>
+          <a:effectRef idx="2">
+            <a:schemeClr val="dk1"/>
+          </a:effectRef>
+          <a:fontRef idx="minor">
+            <a:schemeClr val="tx1"/>
+          </a:fontRef>
+        </p:style>
+      </p:cxnSp>
+      <p:cxnSp>
+        <p:nvCxnSpPr>
+          <p:cNvPr id="105" name="직선 화살표 연결선 104">
+            <a:extLst>
+              <a:ext uri="{FF2B5EF4-FFF2-40B4-BE49-F238E27FC236}">
+                <a16:creationId xmlns:a16="http://schemas.microsoft.com/office/drawing/2014/main" id="{86294360-1A9B-7CAE-8C40-35A5F1F7A73E}"/>
+              </a:ext>
+            </a:extLst>
+          </p:cNvPr>
+          <p:cNvCxnSpPr>
+            <a:cxnSpLocks/>
+            <a:stCxn id="10" idx="3"/>
+            <a:endCxn id="19" idx="2"/>
+          </p:cNvCxnSpPr>
+          <p:nvPr/>
+        </p:nvCxnSpPr>
+        <p:spPr>
+          <a:xfrm>
+            <a:off x="9071083" y="2949416"/>
+            <a:ext cx="1460160" cy="256247"/>
+          </a:xfrm>
+          <a:prstGeom prst="straightConnector1">
+            <a:avLst/>
+          </a:prstGeom>
+          <a:ln>
+            <a:tailEnd type="triangle"/>
+          </a:ln>
+        </p:spPr>
+        <p:style>
+          <a:lnRef idx="3">
+            <a:schemeClr val="dk1"/>
+          </a:lnRef>
+          <a:fillRef idx="0">
+            <a:schemeClr val="dk1"/>
+          </a:fillRef>
+          <a:effectRef idx="2">
+            <a:schemeClr val="dk1"/>
+          </a:effectRef>
+          <a:fontRef idx="minor">
+            <a:schemeClr val="tx1"/>
+          </a:fontRef>
+        </p:style>
+      </p:cxnSp>
+      <p:sp>
+        <p:nvSpPr>
+          <p:cNvPr id="108" name="TextBox 107">
+            <a:extLst>
+              <a:ext uri="{FF2B5EF4-FFF2-40B4-BE49-F238E27FC236}">
+                <a16:creationId xmlns:a16="http://schemas.microsoft.com/office/drawing/2014/main" id="{A424FD5C-8142-3296-9225-4544FCC7FEF5}"/>
+              </a:ext>
+            </a:extLst>
+          </p:cNvPr>
+          <p:cNvSpPr txBox="1"/>
+          <p:nvPr/>
+        </p:nvSpPr>
+        <p:spPr>
+          <a:xfrm>
+            <a:off x="3897569" y="1054366"/>
+            <a:ext cx="961131" cy="307777"/>
+          </a:xfrm>
+          <a:prstGeom prst="rect">
+            <a:avLst/>
+          </a:prstGeom>
+          <a:noFill/>
+        </p:spPr>
+        <p:txBody>
+          <a:bodyPr wrap="square" rtlCol="0">
+            <a:spAutoFit/>
+          </a:bodyPr>
+          <a:lstStyle/>
+          <a:p>
+            <a:r>
+              <a:rPr lang="en-US" altLang="ko-KR" sz="1400" dirty="0"/>
+              <a:t>RETURN</a:t>
+            </a:r>
+            <a:endParaRPr lang="ko-KR" altLang="en-US" sz="1400" dirty="0"/>
+          </a:p>
+        </p:txBody>
+      </p:sp>
+    </p:spTree>
+    <p:extLst>
+      <p:ext uri="{BB962C8B-B14F-4D97-AF65-F5344CB8AC3E}">
+        <p14:creationId xmlns:p14="http://schemas.microsoft.com/office/powerpoint/2010/main" val="298134711"/>
+      </p:ext>
+    </p:extLst>
+  </p:cSld>
+  <p:clrMapOvr>
+    <a:masterClrMapping/>
+  </p:clrMapOvr>
+</p:sld>
+</file>
+
+<file path=ppt/slides/slide4.xml><?xml version="1.0" encoding="utf-8"?>
+<p:sld xmlns:a="http://schemas.openxmlformats.org/drawingml/2006/main" xmlns:r="http://schemas.openxmlformats.org/officeDocument/2006/relationships" xmlns:p="http://schemas.openxmlformats.org/presentationml/2006/main">
+  <p:cSld>
+    <p:bg>
+      <p:bgPr>
+        <a:solidFill>
+          <a:schemeClr val="accent6">
+            <a:lumMod val="20000"/>
+            <a:lumOff val="80000"/>
+          </a:schemeClr>
+        </a:solidFill>
+        <a:effectLst/>
+      </p:bgPr>
+    </p:bg>
+    <p:spTree>
+      <p:nvGrpSpPr>
+        <p:cNvPr id="1" name=""/>
+        <p:cNvGrpSpPr/>
+        <p:nvPr/>
+      </p:nvGrpSpPr>
+      <p:grpSpPr>
+        <a:xfrm>
+          <a:off x="0" y="0"/>
+          <a:ext cx="0" cy="0"/>
+          <a:chOff x="0" y="0"/>
+          <a:chExt cx="0" cy="0"/>
+        </a:xfrm>
+      </p:grpSpPr>
+      <p:sp>
+        <p:nvSpPr>
+          <p:cNvPr id="6" name="직사각형 5">
+            <a:extLst>
+              <a:ext uri="{FF2B5EF4-FFF2-40B4-BE49-F238E27FC236}">
+                <a16:creationId xmlns:a16="http://schemas.microsoft.com/office/drawing/2014/main" id="{DAEB0A26-70FE-572E-BEC6-4D475017D82C}"/>
+              </a:ext>
+            </a:extLst>
+          </p:cNvPr>
+          <p:cNvSpPr/>
+          <p:nvPr/>
+        </p:nvSpPr>
+        <p:spPr>
+          <a:xfrm>
+            <a:off x="506394" y="2082643"/>
+            <a:ext cx="1228952" cy="2184793"/>
+          </a:xfrm>
+          <a:prstGeom prst="rect">
+            <a:avLst/>
+          </a:prstGeom>
+          <a:solidFill>
+            <a:schemeClr val="accent5">
+              <a:lumMod val="60000"/>
+              <a:lumOff val="40000"/>
+            </a:schemeClr>
+          </a:solidFill>
+        </p:spPr>
+        <p:style>
+          <a:lnRef idx="2">
+            <a:schemeClr val="accent1">
+              <a:shade val="50000"/>
+            </a:schemeClr>
+          </a:lnRef>
+          <a:fillRef idx="1">
+            <a:schemeClr val="accent1"/>
+          </a:fillRef>
+          <a:effectRef idx="0">
+            <a:schemeClr val="accent1"/>
+          </a:effectRef>
+          <a:fontRef idx="minor">
+            <a:schemeClr val="lt1"/>
+          </a:fontRef>
+        </p:style>
+        <p:txBody>
+          <a:bodyPr rtlCol="0" anchor="ctr"/>
+          <a:lstStyle/>
+          <a:p>
+            <a:pPr algn="ctr"/>
+            <a:endParaRPr lang="ko-KR" altLang="en-US"/>
+          </a:p>
+        </p:txBody>
+      </p:sp>
+      <p:sp>
+        <p:nvSpPr>
+          <p:cNvPr id="9" name="TextBox 8">
+            <a:extLst>
+              <a:ext uri="{FF2B5EF4-FFF2-40B4-BE49-F238E27FC236}">
+                <a16:creationId xmlns:a16="http://schemas.microsoft.com/office/drawing/2014/main" id="{CA66C5E4-BF81-6A97-5688-6EC01ED41A52}"/>
+              </a:ext>
+            </a:extLst>
+          </p:cNvPr>
+          <p:cNvSpPr txBox="1"/>
+          <p:nvPr/>
+        </p:nvSpPr>
+        <p:spPr>
+          <a:xfrm>
+            <a:off x="604540" y="2974985"/>
+            <a:ext cx="1032661" cy="400110"/>
+          </a:xfrm>
+          <a:prstGeom prst="rect">
+            <a:avLst/>
+          </a:prstGeom>
+          <a:noFill/>
+        </p:spPr>
+        <p:txBody>
+          <a:bodyPr wrap="square" rtlCol="0">
+            <a:spAutoFit/>
+          </a:bodyPr>
+          <a:lstStyle/>
+          <a:p>
+            <a:r>
+              <a:rPr lang="ko-KR" altLang="en-US" sz="2000" b="1" dirty="0"/>
+              <a:t>사용자</a:t>
+            </a:r>
+          </a:p>
+        </p:txBody>
+      </p:sp>
+      <p:sp>
+        <p:nvSpPr>
+          <p:cNvPr id="16" name="TextBox 15">
+            <a:extLst>
+              <a:ext uri="{FF2B5EF4-FFF2-40B4-BE49-F238E27FC236}">
+                <a16:creationId xmlns:a16="http://schemas.microsoft.com/office/drawing/2014/main" id="{5AD063E9-2218-BDCE-A748-4823A8854A4B}"/>
+              </a:ext>
+            </a:extLst>
+          </p:cNvPr>
+          <p:cNvSpPr txBox="1"/>
+          <p:nvPr/>
+        </p:nvSpPr>
+        <p:spPr>
+          <a:xfrm>
+            <a:off x="1910522" y="2827495"/>
+            <a:ext cx="722844" cy="307777"/>
+          </a:xfrm>
+          <a:prstGeom prst="rect">
+            <a:avLst/>
+          </a:prstGeom>
+          <a:noFill/>
+        </p:spPr>
+        <p:txBody>
+          <a:bodyPr wrap="square" rtlCol="0">
+            <a:spAutoFit/>
+          </a:bodyPr>
+          <a:lstStyle/>
+          <a:p>
+            <a:r>
+              <a:rPr lang="ko-KR" altLang="en-US" sz="1400" dirty="0"/>
+              <a:t>요청</a:t>
+            </a:r>
+          </a:p>
+        </p:txBody>
+      </p:sp>
+      <p:sp>
+        <p:nvSpPr>
+          <p:cNvPr id="2" name="직사각형 1">
+            <a:extLst>
+              <a:ext uri="{FF2B5EF4-FFF2-40B4-BE49-F238E27FC236}">
+                <a16:creationId xmlns:a16="http://schemas.microsoft.com/office/drawing/2014/main" id="{18E3425B-D7F0-85AC-542E-FF314B91BA47}"/>
+              </a:ext>
+            </a:extLst>
+          </p:cNvPr>
+          <p:cNvSpPr/>
+          <p:nvPr/>
+        </p:nvSpPr>
+        <p:spPr>
+          <a:xfrm>
+            <a:off x="2578038" y="2798571"/>
+            <a:ext cx="1349489" cy="752938"/>
+          </a:xfrm>
+          <a:prstGeom prst="rect">
+            <a:avLst/>
+          </a:prstGeom>
+          <a:solidFill>
+            <a:schemeClr val="accent5">
+              <a:lumMod val="60000"/>
+              <a:lumOff val="40000"/>
+            </a:schemeClr>
+          </a:solidFill>
+        </p:spPr>
+        <p:style>
+          <a:lnRef idx="2">
+            <a:schemeClr val="accent1">
+              <a:shade val="50000"/>
+            </a:schemeClr>
+          </a:lnRef>
+          <a:fillRef idx="1">
+            <a:schemeClr val="accent1"/>
+          </a:fillRef>
+          <a:effectRef idx="0">
+            <a:schemeClr val="accent1"/>
+          </a:effectRef>
+          <a:fontRef idx="minor">
+            <a:schemeClr val="lt1"/>
+          </a:fontRef>
+        </p:style>
+        <p:txBody>
+          <a:bodyPr rtlCol="0" anchor="ctr"/>
+          <a:lstStyle/>
+          <a:p>
+            <a:pPr algn="ctr"/>
+            <a:endParaRPr lang="ko-KR" altLang="en-US"/>
+          </a:p>
+        </p:txBody>
+      </p:sp>
+      <p:sp>
+        <p:nvSpPr>
+          <p:cNvPr id="3" name="TextBox 2">
+            <a:extLst>
+              <a:ext uri="{FF2B5EF4-FFF2-40B4-BE49-F238E27FC236}">
+                <a16:creationId xmlns:a16="http://schemas.microsoft.com/office/drawing/2014/main" id="{DC9BFEAE-6169-7157-E812-E027D66F1ADF}"/>
+              </a:ext>
+            </a:extLst>
+          </p:cNvPr>
+          <p:cNvSpPr txBox="1"/>
+          <p:nvPr/>
+        </p:nvSpPr>
+        <p:spPr>
+          <a:xfrm>
+            <a:off x="2855159" y="3036863"/>
+            <a:ext cx="778686" cy="276999"/>
+          </a:xfrm>
+          <a:prstGeom prst="rect">
+            <a:avLst/>
+          </a:prstGeom>
+          <a:noFill/>
+        </p:spPr>
+        <p:txBody>
+          <a:bodyPr wrap="square" rtlCol="0">
+            <a:spAutoFit/>
+          </a:bodyPr>
+          <a:lstStyle/>
+          <a:p>
+            <a:r>
+              <a:rPr lang="ko-KR" altLang="en-US" sz="1200" b="1" dirty="0"/>
+              <a:t>로그인</a:t>
+            </a:r>
+          </a:p>
+        </p:txBody>
+      </p:sp>
+      <p:sp>
+        <p:nvSpPr>
+          <p:cNvPr id="12" name="직사각형 11">
+            <a:extLst>
+              <a:ext uri="{FF2B5EF4-FFF2-40B4-BE49-F238E27FC236}">
+                <a16:creationId xmlns:a16="http://schemas.microsoft.com/office/drawing/2014/main" id="{4164C94E-39A3-42DD-D766-00F56EDE0EF0}"/>
+              </a:ext>
+            </a:extLst>
+          </p:cNvPr>
+          <p:cNvSpPr/>
+          <p:nvPr/>
+        </p:nvSpPr>
+        <p:spPr>
+          <a:xfrm>
+            <a:off x="4864314" y="2788845"/>
+            <a:ext cx="1349489" cy="752938"/>
+          </a:xfrm>
+          <a:prstGeom prst="rect">
+            <a:avLst/>
+          </a:prstGeom>
+          <a:solidFill>
+            <a:schemeClr val="accent5">
+              <a:lumMod val="60000"/>
+              <a:lumOff val="40000"/>
+            </a:schemeClr>
+          </a:solidFill>
+        </p:spPr>
+        <p:style>
+          <a:lnRef idx="2">
+            <a:schemeClr val="accent1">
+              <a:shade val="50000"/>
+            </a:schemeClr>
+          </a:lnRef>
+          <a:fillRef idx="1">
+            <a:schemeClr val="accent1"/>
+          </a:fillRef>
+          <a:effectRef idx="0">
+            <a:schemeClr val="accent1"/>
+          </a:effectRef>
+          <a:fontRef idx="minor">
+            <a:schemeClr val="lt1"/>
+          </a:fontRef>
+        </p:style>
+        <p:txBody>
+          <a:bodyPr rtlCol="0" anchor="ctr"/>
+          <a:lstStyle/>
+          <a:p>
+            <a:pPr algn="ctr"/>
+            <a:endParaRPr lang="ko-KR" altLang="en-US"/>
+          </a:p>
+        </p:txBody>
+      </p:sp>
+      <p:sp>
+        <p:nvSpPr>
+          <p:cNvPr id="13" name="TextBox 12">
+            <a:extLst>
+              <a:ext uri="{FF2B5EF4-FFF2-40B4-BE49-F238E27FC236}">
+                <a16:creationId xmlns:a16="http://schemas.microsoft.com/office/drawing/2014/main" id="{FA0D80AD-D7C4-6613-B94F-9E9B1B5B0740}"/>
+              </a:ext>
+            </a:extLst>
+          </p:cNvPr>
+          <p:cNvSpPr txBox="1"/>
+          <p:nvPr/>
+        </p:nvSpPr>
+        <p:spPr>
+          <a:xfrm>
+            <a:off x="4945725" y="2922105"/>
+            <a:ext cx="1261133" cy="461665"/>
+          </a:xfrm>
+          <a:prstGeom prst="rect">
+            <a:avLst/>
+          </a:prstGeom>
+          <a:noFill/>
+        </p:spPr>
+        <p:txBody>
+          <a:bodyPr wrap="square" rtlCol="0">
+            <a:spAutoFit/>
+          </a:bodyPr>
+          <a:lstStyle/>
+          <a:p>
+            <a:r>
+              <a:rPr lang="ko-KR" altLang="en-US" sz="1200" b="1" dirty="0"/>
+              <a:t>새 게시글 작성 요청</a:t>
+            </a:r>
+          </a:p>
+        </p:txBody>
+      </p:sp>
+      <p:sp>
+        <p:nvSpPr>
+          <p:cNvPr id="14" name="직사각형 13">
+            <a:extLst>
+              <a:ext uri="{FF2B5EF4-FFF2-40B4-BE49-F238E27FC236}">
+                <a16:creationId xmlns:a16="http://schemas.microsoft.com/office/drawing/2014/main" id="{55D15C13-A4A7-AD45-3FEA-F4E53C8C7B99}"/>
+              </a:ext>
+            </a:extLst>
+          </p:cNvPr>
+          <p:cNvSpPr/>
+          <p:nvPr/>
+        </p:nvSpPr>
+        <p:spPr>
+          <a:xfrm>
+            <a:off x="9029930" y="2789664"/>
+            <a:ext cx="1349489" cy="752938"/>
+          </a:xfrm>
+          <a:prstGeom prst="rect">
+            <a:avLst/>
+          </a:prstGeom>
+          <a:solidFill>
+            <a:schemeClr val="accent5">
+              <a:lumMod val="60000"/>
+              <a:lumOff val="40000"/>
+            </a:schemeClr>
+          </a:solidFill>
+        </p:spPr>
+        <p:style>
+          <a:lnRef idx="2">
+            <a:schemeClr val="accent1">
+              <a:shade val="50000"/>
+            </a:schemeClr>
+          </a:lnRef>
+          <a:fillRef idx="1">
+            <a:schemeClr val="accent1"/>
+          </a:fillRef>
+          <a:effectRef idx="0">
+            <a:schemeClr val="accent1"/>
+          </a:effectRef>
+          <a:fontRef idx="minor">
+            <a:schemeClr val="lt1"/>
+          </a:fontRef>
+        </p:style>
+        <p:txBody>
+          <a:bodyPr rtlCol="0" anchor="ctr"/>
+          <a:lstStyle/>
+          <a:p>
+            <a:pPr algn="ctr"/>
+            <a:endParaRPr lang="ko-KR" altLang="en-US"/>
+          </a:p>
+        </p:txBody>
+      </p:sp>
+      <p:sp>
+        <p:nvSpPr>
+          <p:cNvPr id="17" name="TextBox 16">
+            <a:extLst>
+              <a:ext uri="{FF2B5EF4-FFF2-40B4-BE49-F238E27FC236}">
+                <a16:creationId xmlns:a16="http://schemas.microsoft.com/office/drawing/2014/main" id="{B6C20147-F40B-59E2-0563-2C0B9D29F7F6}"/>
+              </a:ext>
+            </a:extLst>
+          </p:cNvPr>
+          <p:cNvSpPr txBox="1"/>
+          <p:nvPr/>
+        </p:nvSpPr>
+        <p:spPr>
+          <a:xfrm>
+            <a:off x="9400649" y="3027633"/>
+            <a:ext cx="675824" cy="276999"/>
+          </a:xfrm>
+          <a:prstGeom prst="rect">
+            <a:avLst/>
+          </a:prstGeom>
+          <a:noFill/>
+        </p:spPr>
+        <p:txBody>
+          <a:bodyPr wrap="square" rtlCol="0">
+            <a:spAutoFit/>
+          </a:bodyPr>
+          <a:lstStyle/>
+          <a:p>
+            <a:r>
+              <a:rPr lang="ko-KR" altLang="en-US" sz="1200" b="1" dirty="0"/>
+              <a:t>등록 </a:t>
+            </a:r>
+          </a:p>
+        </p:txBody>
+      </p:sp>
+      <p:sp>
+        <p:nvSpPr>
+          <p:cNvPr id="19" name="원통형 18">
+            <a:extLst>
+              <a:ext uri="{FF2B5EF4-FFF2-40B4-BE49-F238E27FC236}">
+                <a16:creationId xmlns:a16="http://schemas.microsoft.com/office/drawing/2014/main" id="{9CAB8FE3-40AE-0CEA-1C7B-2FFAE84A62F1}"/>
+              </a:ext>
+            </a:extLst>
+          </p:cNvPr>
+          <p:cNvSpPr/>
+          <p:nvPr/>
+        </p:nvSpPr>
+        <p:spPr>
+          <a:xfrm>
+            <a:off x="10786568" y="2489088"/>
+            <a:ext cx="1003610" cy="1338147"/>
+          </a:xfrm>
+          <a:prstGeom prst="can">
+            <a:avLst/>
+          </a:prstGeom>
+          <a:solidFill>
+            <a:schemeClr val="accent4">
+              <a:lumMod val="60000"/>
+              <a:lumOff val="40000"/>
+            </a:schemeClr>
+          </a:solidFill>
+        </p:spPr>
+        <p:style>
+          <a:lnRef idx="2">
+            <a:schemeClr val="accent1">
+              <a:shade val="50000"/>
+            </a:schemeClr>
+          </a:lnRef>
+          <a:fillRef idx="1">
+            <a:schemeClr val="accent1"/>
+          </a:fillRef>
+          <a:effectRef idx="0">
+            <a:schemeClr val="accent1"/>
+          </a:effectRef>
+          <a:fontRef idx="minor">
+            <a:schemeClr val="lt1"/>
+          </a:fontRef>
+        </p:style>
+        <p:txBody>
+          <a:bodyPr rtlCol="0" anchor="ctr"/>
+          <a:lstStyle/>
+          <a:p>
+            <a:pPr algn="ctr"/>
+            <a:endParaRPr lang="ko-KR" altLang="en-US"/>
+          </a:p>
+        </p:txBody>
+      </p:sp>
+      <p:sp>
+        <p:nvSpPr>
+          <p:cNvPr id="20" name="TextBox 19">
+            <a:extLst>
+              <a:ext uri="{FF2B5EF4-FFF2-40B4-BE49-F238E27FC236}">
+                <a16:creationId xmlns:a16="http://schemas.microsoft.com/office/drawing/2014/main" id="{86B84CA7-1CD7-01FE-6EDB-4C59E9492786}"/>
+              </a:ext>
+            </a:extLst>
+          </p:cNvPr>
+          <p:cNvSpPr txBox="1"/>
+          <p:nvPr/>
+        </p:nvSpPr>
+        <p:spPr>
+          <a:xfrm>
+            <a:off x="11036711" y="3013949"/>
+            <a:ext cx="819302" cy="400110"/>
+          </a:xfrm>
+          <a:prstGeom prst="rect">
+            <a:avLst/>
+          </a:prstGeom>
+          <a:noFill/>
+        </p:spPr>
+        <p:txBody>
+          <a:bodyPr wrap="square" rtlCol="0">
+            <a:spAutoFit/>
+          </a:bodyPr>
+          <a:lstStyle/>
+          <a:p>
+            <a:r>
+              <a:rPr lang="en-US" altLang="ko-KR" sz="2000" b="1" dirty="0"/>
+              <a:t>DB</a:t>
+            </a:r>
+            <a:endParaRPr lang="ko-KR" altLang="en-US" sz="2000" b="1" dirty="0"/>
+          </a:p>
+        </p:txBody>
+      </p:sp>
+      <p:cxnSp>
+        <p:nvCxnSpPr>
+          <p:cNvPr id="45" name="직선 화살표 연결선 44">
+            <a:extLst>
+              <a:ext uri="{FF2B5EF4-FFF2-40B4-BE49-F238E27FC236}">
+                <a16:creationId xmlns:a16="http://schemas.microsoft.com/office/drawing/2014/main" id="{FD69A057-1055-F3C6-A840-01AE2A6E4549}"/>
+              </a:ext>
+            </a:extLst>
+          </p:cNvPr>
+          <p:cNvCxnSpPr>
+            <a:cxnSpLocks/>
+            <a:stCxn id="6" idx="3"/>
+            <a:endCxn id="2" idx="1"/>
+          </p:cNvCxnSpPr>
+          <p:nvPr/>
+        </p:nvCxnSpPr>
+        <p:spPr>
+          <a:xfrm>
+            <a:off x="1735346" y="3175040"/>
+            <a:ext cx="842692" cy="0"/>
+          </a:xfrm>
+          <a:prstGeom prst="straightConnector1">
+            <a:avLst/>
+          </a:prstGeom>
+          <a:ln>
+            <a:tailEnd type="triangle"/>
+          </a:ln>
+        </p:spPr>
+        <p:style>
+          <a:lnRef idx="3">
+            <a:schemeClr val="dk1"/>
+          </a:lnRef>
+          <a:fillRef idx="0">
+            <a:schemeClr val="dk1"/>
+          </a:fillRef>
+          <a:effectRef idx="2">
+            <a:schemeClr val="dk1"/>
+          </a:effectRef>
+          <a:fontRef idx="minor">
+            <a:schemeClr val="tx1"/>
+          </a:fontRef>
+        </p:style>
+      </p:cxnSp>
+      <p:cxnSp>
+        <p:nvCxnSpPr>
+          <p:cNvPr id="51" name="직선 화살표 연결선 50">
+            <a:extLst>
+              <a:ext uri="{FF2B5EF4-FFF2-40B4-BE49-F238E27FC236}">
+                <a16:creationId xmlns:a16="http://schemas.microsoft.com/office/drawing/2014/main" id="{BAB5D22D-0DE3-0D2F-8EE1-2B33082BC0B5}"/>
+              </a:ext>
+            </a:extLst>
+          </p:cNvPr>
+          <p:cNvCxnSpPr>
+            <a:cxnSpLocks/>
+            <a:stCxn id="2" idx="3"/>
+            <a:endCxn id="12" idx="1"/>
+          </p:cNvCxnSpPr>
+          <p:nvPr/>
+        </p:nvCxnSpPr>
+        <p:spPr>
+          <a:xfrm flipV="1">
+            <a:off x="3927527" y="3165314"/>
+            <a:ext cx="936787" cy="9726"/>
+          </a:xfrm>
+          <a:prstGeom prst="straightConnector1">
+            <a:avLst/>
+          </a:prstGeom>
+          <a:ln>
+            <a:tailEnd type="triangle"/>
+          </a:ln>
+        </p:spPr>
+        <p:style>
+          <a:lnRef idx="3">
+            <a:schemeClr val="dk1"/>
+          </a:lnRef>
+          <a:fillRef idx="0">
+            <a:schemeClr val="dk1"/>
+          </a:fillRef>
+          <a:effectRef idx="2">
+            <a:schemeClr val="dk1"/>
+          </a:effectRef>
+          <a:fontRef idx="minor">
+            <a:schemeClr val="tx1"/>
+          </a:fontRef>
+        </p:style>
+      </p:cxnSp>
+      <p:cxnSp>
+        <p:nvCxnSpPr>
+          <p:cNvPr id="54" name="직선 화살표 연결선 53">
+            <a:extLst>
+              <a:ext uri="{FF2B5EF4-FFF2-40B4-BE49-F238E27FC236}">
+                <a16:creationId xmlns:a16="http://schemas.microsoft.com/office/drawing/2014/main" id="{520C419D-828F-F1B7-4C46-E95C0C058478}"/>
+              </a:ext>
+            </a:extLst>
+          </p:cNvPr>
+          <p:cNvCxnSpPr>
+            <a:cxnSpLocks/>
+            <a:stCxn id="99" idx="3"/>
+            <a:endCxn id="14" idx="1"/>
+          </p:cNvCxnSpPr>
+          <p:nvPr/>
+        </p:nvCxnSpPr>
+        <p:spPr>
+          <a:xfrm flipV="1">
+            <a:off x="8466003" y="3166133"/>
+            <a:ext cx="563927" cy="2092"/>
+          </a:xfrm>
+          <a:prstGeom prst="straightConnector1">
+            <a:avLst/>
+          </a:prstGeom>
+          <a:ln>
+            <a:tailEnd type="triangle"/>
+          </a:ln>
+        </p:spPr>
+        <p:style>
+          <a:lnRef idx="3">
+            <a:schemeClr val="dk1"/>
+          </a:lnRef>
+          <a:fillRef idx="0">
+            <a:schemeClr val="dk1"/>
+          </a:fillRef>
+          <a:effectRef idx="2">
+            <a:schemeClr val="dk1"/>
+          </a:effectRef>
+          <a:fontRef idx="minor">
+            <a:schemeClr val="tx1"/>
+          </a:fontRef>
+        </p:style>
+      </p:cxnSp>
+      <p:cxnSp>
+        <p:nvCxnSpPr>
+          <p:cNvPr id="80" name="연결선: 꺾임 79">
+            <a:extLst>
+              <a:ext uri="{FF2B5EF4-FFF2-40B4-BE49-F238E27FC236}">
+                <a16:creationId xmlns:a16="http://schemas.microsoft.com/office/drawing/2014/main" id="{417EA4D9-7C4E-D68F-25AB-183B2432C1E7}"/>
+              </a:ext>
+            </a:extLst>
+          </p:cNvPr>
+          <p:cNvCxnSpPr>
+            <a:cxnSpLocks/>
+            <a:stCxn id="19" idx="3"/>
+            <a:endCxn id="82" idx="3"/>
+          </p:cNvCxnSpPr>
+          <p:nvPr/>
+        </p:nvCxnSpPr>
+        <p:spPr>
+          <a:xfrm rot="5400000">
+            <a:off x="5687488" y="-64638"/>
+            <a:ext cx="1709012" cy="9492759"/>
+          </a:xfrm>
+          <a:prstGeom prst="bentConnector2">
+            <a:avLst/>
+          </a:prstGeom>
+          <a:ln>
+            <a:tailEnd type="triangle"/>
+          </a:ln>
+        </p:spPr>
+        <p:style>
+          <a:lnRef idx="3">
+            <a:schemeClr val="dk1"/>
+          </a:lnRef>
+          <a:fillRef idx="0">
+            <a:schemeClr val="dk1"/>
+          </a:fillRef>
+          <a:effectRef idx="2">
+            <a:schemeClr val="dk1"/>
+          </a:effectRef>
+          <a:fontRef idx="minor">
+            <a:schemeClr val="tx1"/>
+          </a:fontRef>
+        </p:style>
+      </p:cxnSp>
+      <p:sp>
+        <p:nvSpPr>
+          <p:cNvPr id="82" name="직사각형 81">
+            <a:extLst>
+              <a:ext uri="{FF2B5EF4-FFF2-40B4-BE49-F238E27FC236}">
+                <a16:creationId xmlns:a16="http://schemas.microsoft.com/office/drawing/2014/main" id="{BF27FF35-E84F-9FCB-BC1C-C9B65F50EF1C}"/>
+              </a:ext>
+            </a:extLst>
+          </p:cNvPr>
+          <p:cNvSpPr/>
+          <p:nvPr/>
+        </p:nvSpPr>
+        <p:spPr>
+          <a:xfrm>
+            <a:off x="446125" y="5159778"/>
+            <a:ext cx="1349489" cy="752938"/>
+          </a:xfrm>
+          <a:prstGeom prst="rect">
+            <a:avLst/>
+          </a:prstGeom>
+          <a:solidFill>
+            <a:schemeClr val="accent5">
+              <a:lumMod val="60000"/>
+              <a:lumOff val="40000"/>
+            </a:schemeClr>
+          </a:solidFill>
+        </p:spPr>
+        <p:style>
+          <a:lnRef idx="2">
+            <a:schemeClr val="accent1">
+              <a:shade val="50000"/>
+            </a:schemeClr>
+          </a:lnRef>
+          <a:fillRef idx="1">
+            <a:schemeClr val="accent1"/>
+          </a:fillRef>
+          <a:effectRef idx="0">
+            <a:schemeClr val="accent1"/>
+          </a:effectRef>
+          <a:fontRef idx="minor">
+            <a:schemeClr val="lt1"/>
+          </a:fontRef>
+        </p:style>
+        <p:txBody>
+          <a:bodyPr rtlCol="0" anchor="ctr"/>
+          <a:lstStyle/>
+          <a:p>
+            <a:pPr algn="ctr"/>
+            <a:endParaRPr lang="ko-KR" altLang="en-US"/>
+          </a:p>
+        </p:txBody>
+      </p:sp>
+      <p:sp>
+        <p:nvSpPr>
+          <p:cNvPr id="83" name="TextBox 82">
+            <a:extLst>
+              <a:ext uri="{FF2B5EF4-FFF2-40B4-BE49-F238E27FC236}">
+                <a16:creationId xmlns:a16="http://schemas.microsoft.com/office/drawing/2014/main" id="{BFBCE4DC-4CB3-9328-A6BA-795C40F53F1A}"/>
+              </a:ext>
+            </a:extLst>
+          </p:cNvPr>
+          <p:cNvSpPr txBox="1"/>
+          <p:nvPr/>
+        </p:nvSpPr>
+        <p:spPr>
+          <a:xfrm>
+            <a:off x="801636" y="5397747"/>
+            <a:ext cx="830658" cy="276999"/>
+          </a:xfrm>
+          <a:prstGeom prst="rect">
+            <a:avLst/>
+          </a:prstGeom>
+          <a:noFill/>
+        </p:spPr>
+        <p:txBody>
+          <a:bodyPr wrap="square" rtlCol="0">
+            <a:spAutoFit/>
+          </a:bodyPr>
+          <a:lstStyle/>
+          <a:p>
+            <a:r>
+              <a:rPr lang="en-US" altLang="ko-KR" sz="1200" b="1" dirty="0"/>
+              <a:t>VIEW</a:t>
+            </a:r>
+            <a:endParaRPr lang="ko-KR" altLang="en-US" sz="1200" b="1" dirty="0"/>
+          </a:p>
+        </p:txBody>
+      </p:sp>
+      <p:cxnSp>
+        <p:nvCxnSpPr>
+          <p:cNvPr id="85" name="직선 화살표 연결선 84">
+            <a:extLst>
+              <a:ext uri="{FF2B5EF4-FFF2-40B4-BE49-F238E27FC236}">
+                <a16:creationId xmlns:a16="http://schemas.microsoft.com/office/drawing/2014/main" id="{A8B82EDE-6BC5-7BE9-B487-5360EFB48A60}"/>
+              </a:ext>
+            </a:extLst>
+          </p:cNvPr>
+          <p:cNvCxnSpPr>
+            <a:cxnSpLocks/>
+            <a:stCxn id="82" idx="0"/>
+            <a:endCxn id="6" idx="2"/>
+          </p:cNvCxnSpPr>
+          <p:nvPr/>
+        </p:nvCxnSpPr>
+        <p:spPr>
+          <a:xfrm flipV="1">
+            <a:off x="1120870" y="4267436"/>
+            <a:ext cx="0" cy="892342"/>
+          </a:xfrm>
+          <a:prstGeom prst="straightConnector1">
+            <a:avLst/>
+          </a:prstGeom>
+          <a:ln>
+            <a:tailEnd type="triangle"/>
+          </a:ln>
+        </p:spPr>
+        <p:style>
+          <a:lnRef idx="3">
+            <a:schemeClr val="dk1"/>
+          </a:lnRef>
+          <a:fillRef idx="0">
+            <a:schemeClr val="dk1"/>
+          </a:fillRef>
+          <a:effectRef idx="2">
+            <a:schemeClr val="dk1"/>
+          </a:effectRef>
+          <a:fontRef idx="minor">
+            <a:schemeClr val="tx1"/>
+          </a:fontRef>
+        </p:style>
+      </p:cxnSp>
+      <p:sp>
+        <p:nvSpPr>
+          <p:cNvPr id="90" name="TextBox 89">
+            <a:extLst>
+              <a:ext uri="{FF2B5EF4-FFF2-40B4-BE49-F238E27FC236}">
+                <a16:creationId xmlns:a16="http://schemas.microsoft.com/office/drawing/2014/main" id="{1323E467-B04A-F00C-A513-A6926E42B1AC}"/>
+              </a:ext>
+            </a:extLst>
+          </p:cNvPr>
+          <p:cNvSpPr txBox="1"/>
+          <p:nvPr/>
+        </p:nvSpPr>
+        <p:spPr>
+          <a:xfrm>
+            <a:off x="5308572" y="5228469"/>
+            <a:ext cx="722844" cy="307777"/>
+          </a:xfrm>
+          <a:prstGeom prst="rect">
+            <a:avLst/>
+          </a:prstGeom>
+          <a:noFill/>
+        </p:spPr>
+        <p:txBody>
+          <a:bodyPr wrap="square" rtlCol="0">
+            <a:spAutoFit/>
+          </a:bodyPr>
+          <a:lstStyle/>
+          <a:p>
+            <a:r>
+              <a:rPr lang="ko-KR" altLang="en-US" sz="1400" dirty="0"/>
+              <a:t>응답</a:t>
+            </a:r>
+          </a:p>
+        </p:txBody>
+      </p:sp>
+      <p:sp>
+        <p:nvSpPr>
+          <p:cNvPr id="8" name="직사각형 7">
+            <a:extLst>
+              <a:ext uri="{FF2B5EF4-FFF2-40B4-BE49-F238E27FC236}">
+                <a16:creationId xmlns:a16="http://schemas.microsoft.com/office/drawing/2014/main" id="{31C1CD92-32EC-CA8F-F40B-381C73684D16}"/>
+              </a:ext>
+            </a:extLst>
+          </p:cNvPr>
+          <p:cNvSpPr/>
+          <p:nvPr/>
+        </p:nvSpPr>
+        <p:spPr>
+          <a:xfrm>
+            <a:off x="7114963" y="4100125"/>
+            <a:ext cx="1349489" cy="752938"/>
+          </a:xfrm>
+          <a:prstGeom prst="rect">
+            <a:avLst/>
+          </a:prstGeom>
+          <a:solidFill>
+            <a:schemeClr val="accent5">
+              <a:lumMod val="60000"/>
+              <a:lumOff val="40000"/>
+            </a:schemeClr>
+          </a:solidFill>
+        </p:spPr>
+        <p:style>
+          <a:lnRef idx="2">
+            <a:schemeClr val="accent1">
+              <a:shade val="50000"/>
+            </a:schemeClr>
+          </a:lnRef>
+          <a:fillRef idx="1">
+            <a:schemeClr val="accent1"/>
+          </a:fillRef>
+          <a:effectRef idx="0">
+            <a:schemeClr val="accent1"/>
+          </a:effectRef>
+          <a:fontRef idx="minor">
+            <a:schemeClr val="lt1"/>
+          </a:fontRef>
+        </p:style>
+        <p:txBody>
+          <a:bodyPr rtlCol="0" anchor="ctr"/>
+          <a:lstStyle/>
+          <a:p>
+            <a:pPr algn="ctr"/>
+            <a:endParaRPr lang="ko-KR" altLang="en-US"/>
+          </a:p>
+        </p:txBody>
+      </p:sp>
+      <p:sp>
+        <p:nvSpPr>
+          <p:cNvPr id="10" name="TextBox 9">
+            <a:extLst>
+              <a:ext uri="{FF2B5EF4-FFF2-40B4-BE49-F238E27FC236}">
+                <a16:creationId xmlns:a16="http://schemas.microsoft.com/office/drawing/2014/main" id="{B30AD9A8-A21E-ACA1-FD86-417AACAF11AB}"/>
+              </a:ext>
+            </a:extLst>
+          </p:cNvPr>
+          <p:cNvSpPr txBox="1"/>
+          <p:nvPr/>
+        </p:nvSpPr>
+        <p:spPr>
+          <a:xfrm>
+            <a:off x="7262820" y="4338094"/>
+            <a:ext cx="1201632" cy="276999"/>
+          </a:xfrm>
+          <a:prstGeom prst="rect">
+            <a:avLst/>
+          </a:prstGeom>
+          <a:noFill/>
+        </p:spPr>
+        <p:txBody>
+          <a:bodyPr wrap="square" rtlCol="0">
+            <a:spAutoFit/>
+          </a:bodyPr>
+          <a:lstStyle/>
+          <a:p>
+            <a:r>
+              <a:rPr lang="ko-KR" altLang="en-US" sz="1200" b="1" dirty="0"/>
+              <a:t>작성계정 확인</a:t>
+            </a:r>
+          </a:p>
+        </p:txBody>
+      </p:sp>
+      <p:cxnSp>
+        <p:nvCxnSpPr>
+          <p:cNvPr id="23" name="직선 화살표 연결선 22">
+            <a:extLst>
+              <a:ext uri="{FF2B5EF4-FFF2-40B4-BE49-F238E27FC236}">
+                <a16:creationId xmlns:a16="http://schemas.microsoft.com/office/drawing/2014/main" id="{90693C7D-08DF-9BE1-E1A2-8E6E6C474F30}"/>
+              </a:ext>
+            </a:extLst>
+          </p:cNvPr>
+          <p:cNvCxnSpPr>
+            <a:cxnSpLocks/>
+            <a:stCxn id="76" idx="0"/>
+            <a:endCxn id="14" idx="2"/>
+          </p:cNvCxnSpPr>
+          <p:nvPr/>
+        </p:nvCxnSpPr>
+        <p:spPr>
+          <a:xfrm flipH="1" flipV="1">
+            <a:off x="9704675" y="3542602"/>
+            <a:ext cx="11421" cy="550589"/>
+          </a:xfrm>
+          <a:prstGeom prst="straightConnector1">
+            <a:avLst/>
+          </a:prstGeom>
+          <a:ln>
+            <a:tailEnd type="triangle"/>
+          </a:ln>
+        </p:spPr>
+        <p:style>
+          <a:lnRef idx="3">
+            <a:schemeClr val="dk1"/>
+          </a:lnRef>
+          <a:fillRef idx="0">
+            <a:schemeClr val="dk1"/>
+          </a:fillRef>
+          <a:effectRef idx="2">
+            <a:schemeClr val="dk1"/>
+          </a:effectRef>
+          <a:fontRef idx="minor">
+            <a:schemeClr val="tx1"/>
+          </a:fontRef>
+        </p:style>
+      </p:cxnSp>
+      <p:sp>
+        <p:nvSpPr>
+          <p:cNvPr id="50" name="TextBox 49">
+            <a:extLst>
+              <a:ext uri="{FF2B5EF4-FFF2-40B4-BE49-F238E27FC236}">
+                <a16:creationId xmlns:a16="http://schemas.microsoft.com/office/drawing/2014/main" id="{D1B818B8-7F3A-5DAD-AF8F-A429CF6BFAF9}"/>
+              </a:ext>
+            </a:extLst>
+          </p:cNvPr>
+          <p:cNvSpPr txBox="1"/>
+          <p:nvPr/>
+        </p:nvSpPr>
+        <p:spPr>
+          <a:xfrm>
+            <a:off x="369688" y="525993"/>
+            <a:ext cx="5240805" cy="584775"/>
+          </a:xfrm>
+          <a:prstGeom prst="rect">
+            <a:avLst/>
+          </a:prstGeom>
+          <a:noFill/>
+        </p:spPr>
+        <p:txBody>
+          <a:bodyPr wrap="square" rtlCol="0">
+            <a:spAutoFit/>
+          </a:bodyPr>
+          <a:lstStyle/>
+          <a:p>
+            <a:r>
+              <a:rPr lang="ko-KR" altLang="en-US" sz="3200" b="1" dirty="0"/>
+              <a:t>게시글</a:t>
+            </a:r>
+          </a:p>
+        </p:txBody>
+      </p:sp>
+      <p:sp>
+        <p:nvSpPr>
+          <p:cNvPr id="4" name="직사각형 3">
+            <a:extLst>
+              <a:ext uri="{FF2B5EF4-FFF2-40B4-BE49-F238E27FC236}">
+                <a16:creationId xmlns:a16="http://schemas.microsoft.com/office/drawing/2014/main" id="{0EC5F578-F349-528D-6300-488BAFA640EB}"/>
+              </a:ext>
+            </a:extLst>
+          </p:cNvPr>
+          <p:cNvSpPr/>
+          <p:nvPr/>
+        </p:nvSpPr>
+        <p:spPr>
+          <a:xfrm>
+            <a:off x="4909794" y="4093191"/>
+            <a:ext cx="1349489" cy="752938"/>
+          </a:xfrm>
+          <a:prstGeom prst="rect">
+            <a:avLst/>
+          </a:prstGeom>
+          <a:solidFill>
+            <a:schemeClr val="accent5">
+              <a:lumMod val="60000"/>
+              <a:lumOff val="40000"/>
+            </a:schemeClr>
+          </a:solidFill>
+        </p:spPr>
+        <p:style>
+          <a:lnRef idx="2">
+            <a:schemeClr val="accent1">
+              <a:shade val="50000"/>
+            </a:schemeClr>
+          </a:lnRef>
+          <a:fillRef idx="1">
+            <a:schemeClr val="accent1"/>
+          </a:fillRef>
+          <a:effectRef idx="0">
+            <a:schemeClr val="accent1"/>
+          </a:effectRef>
+          <a:fontRef idx="minor">
+            <a:schemeClr val="lt1"/>
+          </a:fontRef>
+        </p:style>
+        <p:txBody>
+          <a:bodyPr rtlCol="0" anchor="ctr"/>
+          <a:lstStyle/>
+          <a:p>
+            <a:pPr algn="ctr"/>
+            <a:endParaRPr lang="ko-KR" altLang="en-US"/>
+          </a:p>
+        </p:txBody>
+      </p:sp>
+      <p:sp>
+        <p:nvSpPr>
+          <p:cNvPr id="5" name="TextBox 4">
+            <a:extLst>
+              <a:ext uri="{FF2B5EF4-FFF2-40B4-BE49-F238E27FC236}">
+                <a16:creationId xmlns:a16="http://schemas.microsoft.com/office/drawing/2014/main" id="{42344A75-3911-FB51-08C7-9118B5205502}"/>
+              </a:ext>
+            </a:extLst>
+          </p:cNvPr>
+          <p:cNvSpPr txBox="1"/>
+          <p:nvPr/>
+        </p:nvSpPr>
+        <p:spPr>
+          <a:xfrm>
+            <a:off x="5009439" y="4231792"/>
+            <a:ext cx="1197419" cy="461665"/>
+          </a:xfrm>
+          <a:prstGeom prst="rect">
+            <a:avLst/>
+          </a:prstGeom>
+          <a:noFill/>
+        </p:spPr>
+        <p:txBody>
+          <a:bodyPr wrap="square" rtlCol="0">
+            <a:spAutoFit/>
+          </a:bodyPr>
+          <a:lstStyle/>
+          <a:p>
+            <a:r>
+              <a:rPr lang="ko-KR" altLang="en-US" sz="1200" b="1" dirty="0"/>
+              <a:t>게시글 수정 </a:t>
+            </a:r>
+            <a:endParaRPr lang="en-US" altLang="ko-KR" sz="1200" b="1" dirty="0"/>
+          </a:p>
+          <a:p>
+            <a:r>
+              <a:rPr lang="ko-KR" altLang="en-US" sz="1200" b="1" dirty="0"/>
+              <a:t>요청</a:t>
+            </a:r>
+          </a:p>
+        </p:txBody>
+      </p:sp>
+      <p:cxnSp>
+        <p:nvCxnSpPr>
+          <p:cNvPr id="53" name="직선 화살표 연결선 52">
+            <a:extLst>
+              <a:ext uri="{FF2B5EF4-FFF2-40B4-BE49-F238E27FC236}">
+                <a16:creationId xmlns:a16="http://schemas.microsoft.com/office/drawing/2014/main" id="{BECB488D-4728-3F36-ED7A-61A93CBA6204}"/>
+              </a:ext>
+            </a:extLst>
+          </p:cNvPr>
+          <p:cNvCxnSpPr>
+            <a:cxnSpLocks/>
+            <a:stCxn id="2" idx="3"/>
+            <a:endCxn id="4" idx="1"/>
+          </p:cNvCxnSpPr>
+          <p:nvPr/>
+        </p:nvCxnSpPr>
+        <p:spPr>
+          <a:xfrm>
+            <a:off x="3927527" y="3175040"/>
+            <a:ext cx="982267" cy="1294620"/>
+          </a:xfrm>
+          <a:prstGeom prst="straightConnector1">
+            <a:avLst/>
+          </a:prstGeom>
+          <a:ln>
+            <a:tailEnd type="triangle"/>
+          </a:ln>
+        </p:spPr>
+        <p:style>
+          <a:lnRef idx="3">
+            <a:schemeClr val="dk1"/>
+          </a:lnRef>
+          <a:fillRef idx="0">
+            <a:schemeClr val="dk1"/>
+          </a:fillRef>
+          <a:effectRef idx="2">
+            <a:schemeClr val="dk1"/>
+          </a:effectRef>
+          <a:fontRef idx="minor">
+            <a:schemeClr val="tx1"/>
+          </a:fontRef>
+        </p:style>
+      </p:cxnSp>
+      <p:cxnSp>
+        <p:nvCxnSpPr>
+          <p:cNvPr id="57" name="직선 화살표 연결선 56">
+            <a:extLst>
+              <a:ext uri="{FF2B5EF4-FFF2-40B4-BE49-F238E27FC236}">
+                <a16:creationId xmlns:a16="http://schemas.microsoft.com/office/drawing/2014/main" id="{330B71C9-2F8B-43DF-1106-646F8ED6C231}"/>
+              </a:ext>
+            </a:extLst>
+          </p:cNvPr>
+          <p:cNvCxnSpPr>
+            <a:cxnSpLocks/>
+            <a:stCxn id="4" idx="3"/>
+            <a:endCxn id="8" idx="1"/>
+          </p:cNvCxnSpPr>
+          <p:nvPr/>
+        </p:nvCxnSpPr>
+        <p:spPr>
+          <a:xfrm>
+            <a:off x="6259283" y="4469660"/>
+            <a:ext cx="855680" cy="6934"/>
+          </a:xfrm>
+          <a:prstGeom prst="straightConnector1">
+            <a:avLst/>
+          </a:prstGeom>
+          <a:ln>
+            <a:tailEnd type="triangle"/>
+          </a:ln>
+        </p:spPr>
+        <p:style>
+          <a:lnRef idx="3">
+            <a:schemeClr val="dk1"/>
+          </a:lnRef>
+          <a:fillRef idx="0">
+            <a:schemeClr val="dk1"/>
+          </a:fillRef>
+          <a:effectRef idx="2">
+            <a:schemeClr val="dk1"/>
+          </a:effectRef>
+          <a:fontRef idx="minor">
+            <a:schemeClr val="tx1"/>
+          </a:fontRef>
+        </p:style>
+      </p:cxnSp>
+      <p:cxnSp>
+        <p:nvCxnSpPr>
+          <p:cNvPr id="60" name="직선 화살표 연결선 59">
+            <a:extLst>
+              <a:ext uri="{FF2B5EF4-FFF2-40B4-BE49-F238E27FC236}">
+                <a16:creationId xmlns:a16="http://schemas.microsoft.com/office/drawing/2014/main" id="{0ACC9BC9-749C-F148-D4A5-6AD248AAE336}"/>
+              </a:ext>
+            </a:extLst>
+          </p:cNvPr>
+          <p:cNvCxnSpPr>
+            <a:cxnSpLocks/>
+            <a:stCxn id="14" idx="3"/>
+            <a:endCxn id="19" idx="2"/>
+          </p:cNvCxnSpPr>
+          <p:nvPr/>
+        </p:nvCxnSpPr>
+        <p:spPr>
+          <a:xfrm flipV="1">
+            <a:off x="10379419" y="3158162"/>
+            <a:ext cx="407149" cy="7971"/>
+          </a:xfrm>
+          <a:prstGeom prst="straightConnector1">
+            <a:avLst/>
+          </a:prstGeom>
+          <a:ln>
+            <a:tailEnd type="triangle"/>
+          </a:ln>
+        </p:spPr>
+        <p:style>
+          <a:lnRef idx="3">
+            <a:schemeClr val="dk1"/>
+          </a:lnRef>
+          <a:fillRef idx="0">
+            <a:schemeClr val="dk1"/>
+          </a:fillRef>
+          <a:effectRef idx="2">
+            <a:schemeClr val="dk1"/>
+          </a:effectRef>
+          <a:fontRef idx="minor">
+            <a:schemeClr val="tx1"/>
+          </a:fontRef>
+        </p:style>
+      </p:cxnSp>
+      <p:sp>
+        <p:nvSpPr>
+          <p:cNvPr id="66" name="직사각형 65">
+            <a:extLst>
+              <a:ext uri="{FF2B5EF4-FFF2-40B4-BE49-F238E27FC236}">
+                <a16:creationId xmlns:a16="http://schemas.microsoft.com/office/drawing/2014/main" id="{CD67F7F5-C2EA-9D14-6132-D342E2705B76}"/>
+              </a:ext>
+            </a:extLst>
+          </p:cNvPr>
+          <p:cNvSpPr/>
+          <p:nvPr/>
+        </p:nvSpPr>
+        <p:spPr>
+          <a:xfrm>
+            <a:off x="4864314" y="1473361"/>
+            <a:ext cx="1349489" cy="752938"/>
+          </a:xfrm>
+          <a:prstGeom prst="rect">
+            <a:avLst/>
+          </a:prstGeom>
+          <a:solidFill>
+            <a:schemeClr val="accent5">
+              <a:lumMod val="60000"/>
+              <a:lumOff val="40000"/>
+            </a:schemeClr>
+          </a:solidFill>
+        </p:spPr>
+        <p:style>
+          <a:lnRef idx="2">
+            <a:schemeClr val="accent1">
+              <a:shade val="50000"/>
+            </a:schemeClr>
+          </a:lnRef>
+          <a:fillRef idx="1">
+            <a:schemeClr val="accent1"/>
+          </a:fillRef>
+          <a:effectRef idx="0">
+            <a:schemeClr val="accent1"/>
+          </a:effectRef>
+          <a:fontRef idx="minor">
+            <a:schemeClr val="lt1"/>
+          </a:fontRef>
+        </p:style>
+        <p:txBody>
+          <a:bodyPr rtlCol="0" anchor="ctr"/>
+          <a:lstStyle/>
+          <a:p>
+            <a:pPr algn="ctr"/>
+            <a:endParaRPr lang="ko-KR" altLang="en-US"/>
+          </a:p>
+        </p:txBody>
+      </p:sp>
+      <p:sp>
+        <p:nvSpPr>
+          <p:cNvPr id="67" name="TextBox 66">
+            <a:extLst>
+              <a:ext uri="{FF2B5EF4-FFF2-40B4-BE49-F238E27FC236}">
+                <a16:creationId xmlns:a16="http://schemas.microsoft.com/office/drawing/2014/main" id="{C22BEC08-9E2A-F0D2-0390-37ABF355D290}"/>
+              </a:ext>
+            </a:extLst>
+          </p:cNvPr>
+          <p:cNvSpPr txBox="1"/>
+          <p:nvPr/>
+        </p:nvSpPr>
+        <p:spPr>
+          <a:xfrm>
+            <a:off x="5065365" y="1711330"/>
+            <a:ext cx="1021852" cy="461665"/>
+          </a:xfrm>
+          <a:prstGeom prst="rect">
+            <a:avLst/>
+          </a:prstGeom>
+          <a:noFill/>
+        </p:spPr>
+        <p:txBody>
+          <a:bodyPr wrap="square" rtlCol="0">
+            <a:spAutoFit/>
+          </a:bodyPr>
+          <a:lstStyle/>
+          <a:p>
+            <a:r>
+              <a:rPr lang="ko-KR" altLang="en-US" sz="1200" b="1" dirty="0"/>
+              <a:t>게시글 삭제 요청</a:t>
+            </a:r>
+          </a:p>
+        </p:txBody>
+      </p:sp>
+      <p:sp>
+        <p:nvSpPr>
+          <p:cNvPr id="70" name="직사각형 69">
+            <a:extLst>
+              <a:ext uri="{FF2B5EF4-FFF2-40B4-BE49-F238E27FC236}">
+                <a16:creationId xmlns:a16="http://schemas.microsoft.com/office/drawing/2014/main" id="{AF70BEB9-06AD-AB49-1CE3-67A06BDECF49}"/>
+              </a:ext>
+            </a:extLst>
+          </p:cNvPr>
+          <p:cNvSpPr/>
+          <p:nvPr/>
+        </p:nvSpPr>
+        <p:spPr>
+          <a:xfrm>
+            <a:off x="9029930" y="1475775"/>
+            <a:ext cx="1349489" cy="752938"/>
+          </a:xfrm>
+          <a:prstGeom prst="rect">
+            <a:avLst/>
+          </a:prstGeom>
+          <a:solidFill>
+            <a:schemeClr val="accent5">
+              <a:lumMod val="60000"/>
+              <a:lumOff val="40000"/>
+            </a:schemeClr>
+          </a:solidFill>
+        </p:spPr>
+        <p:style>
+          <a:lnRef idx="2">
+            <a:schemeClr val="accent1">
+              <a:shade val="50000"/>
+            </a:schemeClr>
+          </a:lnRef>
+          <a:fillRef idx="1">
+            <a:schemeClr val="accent1"/>
+          </a:fillRef>
+          <a:effectRef idx="0">
+            <a:schemeClr val="accent1"/>
+          </a:effectRef>
+          <a:fontRef idx="minor">
+            <a:schemeClr val="lt1"/>
+          </a:fontRef>
+        </p:style>
+        <p:txBody>
+          <a:bodyPr rtlCol="0" anchor="ctr"/>
+          <a:lstStyle/>
+          <a:p>
+            <a:pPr algn="ctr"/>
+            <a:endParaRPr lang="ko-KR" altLang="en-US"/>
+          </a:p>
+        </p:txBody>
+      </p:sp>
+      <p:sp>
+        <p:nvSpPr>
+          <p:cNvPr id="71" name="TextBox 70">
+            <a:extLst>
+              <a:ext uri="{FF2B5EF4-FFF2-40B4-BE49-F238E27FC236}">
+                <a16:creationId xmlns:a16="http://schemas.microsoft.com/office/drawing/2014/main" id="{C2B22DD1-7CD9-AF9C-FE88-382E38004A88}"/>
+              </a:ext>
+            </a:extLst>
+          </p:cNvPr>
+          <p:cNvSpPr txBox="1"/>
+          <p:nvPr/>
+        </p:nvSpPr>
+        <p:spPr>
+          <a:xfrm>
+            <a:off x="9307051" y="1714067"/>
+            <a:ext cx="938446" cy="276999"/>
+          </a:xfrm>
+          <a:prstGeom prst="rect">
+            <a:avLst/>
+          </a:prstGeom>
+          <a:noFill/>
+        </p:spPr>
+        <p:txBody>
+          <a:bodyPr wrap="square" rtlCol="0">
+            <a:spAutoFit/>
+          </a:bodyPr>
+          <a:lstStyle/>
+          <a:p>
+            <a:r>
+              <a:rPr lang="ko-KR" altLang="en-US" sz="1200" b="1" dirty="0"/>
+              <a:t>삭제 확인 </a:t>
+            </a:r>
+          </a:p>
+        </p:txBody>
+      </p:sp>
+      <p:sp>
+        <p:nvSpPr>
+          <p:cNvPr id="76" name="직사각형 75">
+            <a:extLst>
+              <a:ext uri="{FF2B5EF4-FFF2-40B4-BE49-F238E27FC236}">
+                <a16:creationId xmlns:a16="http://schemas.microsoft.com/office/drawing/2014/main" id="{5FFE0B2D-C0DD-AEFC-DCC9-A0A473AD6487}"/>
+              </a:ext>
+            </a:extLst>
+          </p:cNvPr>
+          <p:cNvSpPr/>
+          <p:nvPr/>
+        </p:nvSpPr>
+        <p:spPr>
+          <a:xfrm>
+            <a:off x="9041351" y="4093191"/>
+            <a:ext cx="1349489" cy="752938"/>
+          </a:xfrm>
+          <a:prstGeom prst="rect">
+            <a:avLst/>
+          </a:prstGeom>
+          <a:solidFill>
+            <a:schemeClr val="accent5">
+              <a:lumMod val="60000"/>
+              <a:lumOff val="40000"/>
+            </a:schemeClr>
+          </a:solidFill>
+        </p:spPr>
+        <p:style>
+          <a:lnRef idx="2">
+            <a:schemeClr val="accent1">
+              <a:shade val="50000"/>
+            </a:schemeClr>
+          </a:lnRef>
+          <a:fillRef idx="1">
+            <a:schemeClr val="accent1"/>
+          </a:fillRef>
+          <a:effectRef idx="0">
+            <a:schemeClr val="accent1"/>
+          </a:effectRef>
+          <a:fontRef idx="minor">
+            <a:schemeClr val="lt1"/>
+          </a:fontRef>
+        </p:style>
+        <p:txBody>
+          <a:bodyPr rtlCol="0" anchor="ctr"/>
+          <a:lstStyle/>
+          <a:p>
+            <a:pPr algn="ctr"/>
+            <a:endParaRPr lang="ko-KR" altLang="en-US"/>
+          </a:p>
+        </p:txBody>
+      </p:sp>
+      <p:sp>
+        <p:nvSpPr>
+          <p:cNvPr id="77" name="TextBox 76">
+            <a:extLst>
+              <a:ext uri="{FF2B5EF4-FFF2-40B4-BE49-F238E27FC236}">
+                <a16:creationId xmlns:a16="http://schemas.microsoft.com/office/drawing/2014/main" id="{4BB2B9B7-1EC9-2019-518B-D71B2C268E1D}"/>
+              </a:ext>
+            </a:extLst>
+          </p:cNvPr>
+          <p:cNvSpPr txBox="1"/>
+          <p:nvPr/>
+        </p:nvSpPr>
+        <p:spPr>
+          <a:xfrm>
+            <a:off x="9195438" y="4267436"/>
+            <a:ext cx="1201632" cy="461665"/>
+          </a:xfrm>
+          <a:prstGeom prst="rect">
+            <a:avLst/>
+          </a:prstGeom>
+          <a:noFill/>
+        </p:spPr>
+        <p:txBody>
+          <a:bodyPr wrap="square" rtlCol="0">
+            <a:spAutoFit/>
+          </a:bodyPr>
+          <a:lstStyle/>
+          <a:p>
+            <a:r>
+              <a:rPr lang="ko-KR" altLang="en-US" sz="1200" b="1" dirty="0"/>
+              <a:t>게시글 수정 페이지</a:t>
+            </a:r>
+          </a:p>
+        </p:txBody>
+      </p:sp>
+      <p:cxnSp>
+        <p:nvCxnSpPr>
+          <p:cNvPr id="95" name="직선 화살표 연결선 94">
+            <a:extLst>
+              <a:ext uri="{FF2B5EF4-FFF2-40B4-BE49-F238E27FC236}">
+                <a16:creationId xmlns:a16="http://schemas.microsoft.com/office/drawing/2014/main" id="{E7AE11CC-E11E-0AC9-663B-8C1363DB99DC}"/>
+              </a:ext>
+            </a:extLst>
+          </p:cNvPr>
+          <p:cNvCxnSpPr>
+            <a:cxnSpLocks/>
+            <a:stCxn id="10" idx="3"/>
+            <a:endCxn id="76" idx="1"/>
+          </p:cNvCxnSpPr>
+          <p:nvPr/>
+        </p:nvCxnSpPr>
+        <p:spPr>
+          <a:xfrm flipV="1">
+            <a:off x="8464452" y="4469660"/>
+            <a:ext cx="576899" cy="6934"/>
+          </a:xfrm>
+          <a:prstGeom prst="straightConnector1">
+            <a:avLst/>
+          </a:prstGeom>
+          <a:ln>
+            <a:tailEnd type="triangle"/>
+          </a:ln>
+        </p:spPr>
+        <p:style>
+          <a:lnRef idx="3">
+            <a:schemeClr val="dk1"/>
+          </a:lnRef>
+          <a:fillRef idx="0">
+            <a:schemeClr val="dk1"/>
+          </a:fillRef>
+          <a:effectRef idx="2">
+            <a:schemeClr val="dk1"/>
+          </a:effectRef>
+          <a:fontRef idx="minor">
+            <a:schemeClr val="tx1"/>
+          </a:fontRef>
+        </p:style>
+      </p:cxnSp>
+      <p:sp>
+        <p:nvSpPr>
+          <p:cNvPr id="99" name="직사각형 98">
+            <a:extLst>
+              <a:ext uri="{FF2B5EF4-FFF2-40B4-BE49-F238E27FC236}">
+                <a16:creationId xmlns:a16="http://schemas.microsoft.com/office/drawing/2014/main" id="{4B2D0456-4B6E-75A3-5D1A-5CF72E092988}"/>
+              </a:ext>
+            </a:extLst>
+          </p:cNvPr>
+          <p:cNvSpPr/>
+          <p:nvPr/>
+        </p:nvSpPr>
+        <p:spPr>
+          <a:xfrm>
+            <a:off x="7116514" y="2791756"/>
+            <a:ext cx="1349489" cy="752938"/>
+          </a:xfrm>
+          <a:prstGeom prst="rect">
+            <a:avLst/>
+          </a:prstGeom>
+          <a:solidFill>
+            <a:schemeClr val="accent5">
+              <a:lumMod val="60000"/>
+              <a:lumOff val="40000"/>
+            </a:schemeClr>
+          </a:solidFill>
+        </p:spPr>
+        <p:style>
+          <a:lnRef idx="2">
+            <a:schemeClr val="accent1">
+              <a:shade val="50000"/>
+            </a:schemeClr>
+          </a:lnRef>
+          <a:fillRef idx="1">
+            <a:schemeClr val="accent1"/>
+          </a:fillRef>
+          <a:effectRef idx="0">
+            <a:schemeClr val="accent1"/>
+          </a:effectRef>
+          <a:fontRef idx="minor">
+            <a:schemeClr val="lt1"/>
+          </a:fontRef>
+        </p:style>
+        <p:txBody>
+          <a:bodyPr rtlCol="0" anchor="ctr"/>
+          <a:lstStyle/>
+          <a:p>
+            <a:pPr algn="ctr"/>
+            <a:endParaRPr lang="ko-KR" altLang="en-US"/>
+          </a:p>
+        </p:txBody>
+      </p:sp>
+      <p:sp>
+        <p:nvSpPr>
+          <p:cNvPr id="100" name="TextBox 99">
+            <a:extLst>
+              <a:ext uri="{FF2B5EF4-FFF2-40B4-BE49-F238E27FC236}">
+                <a16:creationId xmlns:a16="http://schemas.microsoft.com/office/drawing/2014/main" id="{B2E3F200-69D3-4C4D-A9AC-14ADD483C711}"/>
+              </a:ext>
+            </a:extLst>
+          </p:cNvPr>
+          <p:cNvSpPr txBox="1"/>
+          <p:nvPr/>
+        </p:nvSpPr>
+        <p:spPr>
+          <a:xfrm>
+            <a:off x="7299534" y="2933884"/>
+            <a:ext cx="1038889" cy="461665"/>
+          </a:xfrm>
+          <a:prstGeom prst="rect">
+            <a:avLst/>
+          </a:prstGeom>
+          <a:noFill/>
+        </p:spPr>
+        <p:txBody>
+          <a:bodyPr wrap="square" rtlCol="0">
+            <a:spAutoFit/>
+          </a:bodyPr>
+          <a:lstStyle/>
+          <a:p>
+            <a:r>
+              <a:rPr lang="ko-KR" altLang="en-US" sz="1200" b="1" dirty="0"/>
+              <a:t>게시글 등록 페이지</a:t>
+            </a:r>
+          </a:p>
+        </p:txBody>
+      </p:sp>
+      <p:cxnSp>
+        <p:nvCxnSpPr>
+          <p:cNvPr id="103" name="직선 화살표 연결선 102">
+            <a:extLst>
+              <a:ext uri="{FF2B5EF4-FFF2-40B4-BE49-F238E27FC236}">
+                <a16:creationId xmlns:a16="http://schemas.microsoft.com/office/drawing/2014/main" id="{DF8F48A1-50AB-95F1-9C4F-62EC522ADC1A}"/>
+              </a:ext>
+            </a:extLst>
+          </p:cNvPr>
+          <p:cNvCxnSpPr>
+            <a:cxnSpLocks/>
+            <a:stCxn id="12" idx="3"/>
+            <a:endCxn id="99" idx="1"/>
+          </p:cNvCxnSpPr>
+          <p:nvPr/>
+        </p:nvCxnSpPr>
+        <p:spPr>
+          <a:xfrm>
+            <a:off x="6213803" y="3165314"/>
+            <a:ext cx="902711" cy="2911"/>
+          </a:xfrm>
+          <a:prstGeom prst="straightConnector1">
+            <a:avLst/>
+          </a:prstGeom>
+          <a:ln>
+            <a:tailEnd type="triangle"/>
+          </a:ln>
+        </p:spPr>
+        <p:style>
+          <a:lnRef idx="3">
+            <a:schemeClr val="dk1"/>
+          </a:lnRef>
+          <a:fillRef idx="0">
+            <a:schemeClr val="dk1"/>
+          </a:fillRef>
+          <a:effectRef idx="2">
+            <a:schemeClr val="dk1"/>
+          </a:effectRef>
+          <a:fontRef idx="minor">
+            <a:schemeClr val="tx1"/>
+          </a:fontRef>
+        </p:style>
+      </p:cxnSp>
+      <p:cxnSp>
+        <p:nvCxnSpPr>
+          <p:cNvPr id="106" name="직선 화살표 연결선 105">
+            <a:extLst>
+              <a:ext uri="{FF2B5EF4-FFF2-40B4-BE49-F238E27FC236}">
+                <a16:creationId xmlns:a16="http://schemas.microsoft.com/office/drawing/2014/main" id="{B96973A9-C32F-D479-25AE-FCE1C58B0BDD}"/>
+              </a:ext>
+            </a:extLst>
+          </p:cNvPr>
+          <p:cNvCxnSpPr>
+            <a:cxnSpLocks/>
+            <a:stCxn id="2" idx="3"/>
+            <a:endCxn id="66" idx="1"/>
+          </p:cNvCxnSpPr>
+          <p:nvPr/>
+        </p:nvCxnSpPr>
+        <p:spPr>
+          <a:xfrm flipV="1">
+            <a:off x="3927527" y="1849830"/>
+            <a:ext cx="936787" cy="1325210"/>
+          </a:xfrm>
+          <a:prstGeom prst="straightConnector1">
+            <a:avLst/>
+          </a:prstGeom>
+          <a:ln>
+            <a:tailEnd type="triangle"/>
+          </a:ln>
+        </p:spPr>
+        <p:style>
+          <a:lnRef idx="3">
+            <a:schemeClr val="dk1"/>
+          </a:lnRef>
+          <a:fillRef idx="0">
+            <a:schemeClr val="dk1"/>
+          </a:fillRef>
+          <a:effectRef idx="2">
+            <a:schemeClr val="dk1"/>
+          </a:effectRef>
+          <a:fontRef idx="minor">
+            <a:schemeClr val="tx1"/>
+          </a:fontRef>
+        </p:style>
+      </p:cxnSp>
+      <p:cxnSp>
+        <p:nvCxnSpPr>
+          <p:cNvPr id="109" name="직선 화살표 연결선 108">
+            <a:extLst>
+              <a:ext uri="{FF2B5EF4-FFF2-40B4-BE49-F238E27FC236}">
+                <a16:creationId xmlns:a16="http://schemas.microsoft.com/office/drawing/2014/main" id="{F2E6BCFC-89CF-31AB-D395-06DC8F1280D1}"/>
+              </a:ext>
+            </a:extLst>
+          </p:cNvPr>
+          <p:cNvCxnSpPr>
+            <a:cxnSpLocks/>
+            <a:stCxn id="66" idx="3"/>
+            <a:endCxn id="110" idx="1"/>
+          </p:cNvCxnSpPr>
+          <p:nvPr/>
+        </p:nvCxnSpPr>
+        <p:spPr>
+          <a:xfrm>
+            <a:off x="6213803" y="1849830"/>
+            <a:ext cx="916025" cy="0"/>
+          </a:xfrm>
+          <a:prstGeom prst="straightConnector1">
+            <a:avLst/>
+          </a:prstGeom>
+          <a:ln>
+            <a:tailEnd type="triangle"/>
+          </a:ln>
+        </p:spPr>
+        <p:style>
+          <a:lnRef idx="3">
+            <a:schemeClr val="dk1"/>
+          </a:lnRef>
+          <a:fillRef idx="0">
+            <a:schemeClr val="dk1"/>
+          </a:fillRef>
+          <a:effectRef idx="2">
+            <a:schemeClr val="dk1"/>
+          </a:effectRef>
+          <a:fontRef idx="minor">
+            <a:schemeClr val="tx1"/>
+          </a:fontRef>
+        </p:style>
+      </p:cxnSp>
+      <p:sp>
+        <p:nvSpPr>
+          <p:cNvPr id="110" name="직사각형 109">
+            <a:extLst>
+              <a:ext uri="{FF2B5EF4-FFF2-40B4-BE49-F238E27FC236}">
+                <a16:creationId xmlns:a16="http://schemas.microsoft.com/office/drawing/2014/main" id="{F05C73C9-E6F1-8D53-D600-638D5A3AC259}"/>
+              </a:ext>
+            </a:extLst>
+          </p:cNvPr>
+          <p:cNvSpPr/>
+          <p:nvPr/>
+        </p:nvSpPr>
+        <p:spPr>
+          <a:xfrm>
+            <a:off x="7129828" y="1473361"/>
+            <a:ext cx="1349489" cy="752938"/>
+          </a:xfrm>
+          <a:prstGeom prst="rect">
+            <a:avLst/>
+          </a:prstGeom>
+          <a:solidFill>
+            <a:schemeClr val="accent5">
+              <a:lumMod val="60000"/>
+              <a:lumOff val="40000"/>
+            </a:schemeClr>
+          </a:solidFill>
+        </p:spPr>
+        <p:style>
+          <a:lnRef idx="2">
+            <a:schemeClr val="accent1">
+              <a:shade val="50000"/>
+            </a:schemeClr>
+          </a:lnRef>
+          <a:fillRef idx="1">
+            <a:schemeClr val="accent1"/>
+          </a:fillRef>
+          <a:effectRef idx="0">
+            <a:schemeClr val="accent1"/>
+          </a:effectRef>
+          <a:fontRef idx="minor">
+            <a:schemeClr val="lt1"/>
+          </a:fontRef>
+        </p:style>
+        <p:txBody>
+          <a:bodyPr rtlCol="0" anchor="ctr"/>
+          <a:lstStyle/>
+          <a:p>
+            <a:pPr algn="ctr"/>
+            <a:endParaRPr lang="ko-KR" altLang="en-US"/>
+          </a:p>
+        </p:txBody>
+      </p:sp>
+      <p:sp>
+        <p:nvSpPr>
+          <p:cNvPr id="111" name="TextBox 110">
+            <a:extLst>
+              <a:ext uri="{FF2B5EF4-FFF2-40B4-BE49-F238E27FC236}">
+                <a16:creationId xmlns:a16="http://schemas.microsoft.com/office/drawing/2014/main" id="{D43C7448-064B-123C-DAAF-CFA89D36D27C}"/>
+              </a:ext>
+            </a:extLst>
+          </p:cNvPr>
+          <p:cNvSpPr txBox="1"/>
+          <p:nvPr/>
+        </p:nvSpPr>
+        <p:spPr>
+          <a:xfrm>
+            <a:off x="7277685" y="1711330"/>
+            <a:ext cx="1201632" cy="276999"/>
+          </a:xfrm>
+          <a:prstGeom prst="rect">
+            <a:avLst/>
+          </a:prstGeom>
+          <a:noFill/>
+        </p:spPr>
+        <p:txBody>
+          <a:bodyPr wrap="square" rtlCol="0">
+            <a:spAutoFit/>
+          </a:bodyPr>
+          <a:lstStyle/>
+          <a:p>
+            <a:r>
+              <a:rPr lang="ko-KR" altLang="en-US" sz="1200" b="1" dirty="0"/>
+              <a:t>작성계정 확인</a:t>
+            </a:r>
+          </a:p>
+        </p:txBody>
+      </p:sp>
+      <p:cxnSp>
+        <p:nvCxnSpPr>
+          <p:cNvPr id="112" name="직선 화살표 연결선 111">
+            <a:extLst>
+              <a:ext uri="{FF2B5EF4-FFF2-40B4-BE49-F238E27FC236}">
+                <a16:creationId xmlns:a16="http://schemas.microsoft.com/office/drawing/2014/main" id="{CD1680F1-E656-5541-4D8F-37F15DC553CA}"/>
+              </a:ext>
+            </a:extLst>
+          </p:cNvPr>
+          <p:cNvCxnSpPr>
+            <a:cxnSpLocks/>
+            <a:stCxn id="111" idx="3"/>
+            <a:endCxn id="70" idx="1"/>
+          </p:cNvCxnSpPr>
+          <p:nvPr/>
+        </p:nvCxnSpPr>
+        <p:spPr>
+          <a:xfrm>
+            <a:off x="8479317" y="1849830"/>
+            <a:ext cx="550613" cy="2414"/>
+          </a:xfrm>
+          <a:prstGeom prst="straightConnector1">
+            <a:avLst/>
+          </a:prstGeom>
+          <a:ln>
+            <a:tailEnd type="triangle"/>
+          </a:ln>
+        </p:spPr>
+        <p:style>
+          <a:lnRef idx="3">
+            <a:schemeClr val="dk1"/>
+          </a:lnRef>
+          <a:fillRef idx="0">
+            <a:schemeClr val="dk1"/>
+          </a:fillRef>
+          <a:effectRef idx="2">
+            <a:schemeClr val="dk1"/>
+          </a:effectRef>
+          <a:fontRef idx="minor">
+            <a:schemeClr val="tx1"/>
+          </a:fontRef>
+        </p:style>
+      </p:cxnSp>
+      <p:cxnSp>
+        <p:nvCxnSpPr>
+          <p:cNvPr id="116" name="연결선: 꺾임 115">
+            <a:extLst>
+              <a:ext uri="{FF2B5EF4-FFF2-40B4-BE49-F238E27FC236}">
+                <a16:creationId xmlns:a16="http://schemas.microsoft.com/office/drawing/2014/main" id="{6E9009C2-AAE4-A67B-4E81-E56014518952}"/>
+              </a:ext>
+            </a:extLst>
+          </p:cNvPr>
+          <p:cNvCxnSpPr>
+            <a:cxnSpLocks/>
+            <a:stCxn id="70" idx="3"/>
+            <a:endCxn id="19" idx="1"/>
+          </p:cNvCxnSpPr>
+          <p:nvPr/>
+        </p:nvCxnSpPr>
+        <p:spPr>
+          <a:xfrm>
+            <a:off x="10379419" y="1852244"/>
+            <a:ext cx="908954" cy="636844"/>
+          </a:xfrm>
+          <a:prstGeom prst="bentConnector2">
+            <a:avLst/>
+          </a:prstGeom>
+          <a:ln>
+            <a:tailEnd type="triangle"/>
+          </a:ln>
+        </p:spPr>
+        <p:style>
+          <a:lnRef idx="3">
+            <a:schemeClr val="dk1"/>
+          </a:lnRef>
+          <a:fillRef idx="0">
+            <a:schemeClr val="dk1"/>
+          </a:fillRef>
+          <a:effectRef idx="2">
+            <a:schemeClr val="dk1"/>
+          </a:effectRef>
+          <a:fontRef idx="minor">
+            <a:schemeClr val="tx1"/>
+          </a:fontRef>
+        </p:style>
+      </p:cxnSp>
+    </p:spTree>
+    <p:extLst>
+      <p:ext uri="{BB962C8B-B14F-4D97-AF65-F5344CB8AC3E}">
+        <p14:creationId xmlns:p14="http://schemas.microsoft.com/office/powerpoint/2010/main" val="3328748296"/>
       </p:ext>
     </p:extLst>
   </p:cSld>
